--- a/Praktikum ASP – Team 15.pptx
+++ b/Praktikum ASP – Team 15.pptx
@@ -10,10 +10,10 @@
     <p:sldMasterId id="2147483697" r:id="rId6"/>
   </p:sldMasterIdLst>
   <p:notesMasterIdLst>
-    <p:notesMasterId r:id="rId22"/>
+    <p:notesMasterId r:id="rId20"/>
   </p:notesMasterIdLst>
   <p:handoutMasterIdLst>
-    <p:handoutMasterId r:id="rId23"/>
+    <p:handoutMasterId r:id="rId21"/>
   </p:handoutMasterIdLst>
   <p:sldIdLst>
     <p:sldId id="355" r:id="rId7"/>
@@ -27,10 +27,8 @@
     <p:sldId id="407" r:id="rId15"/>
     <p:sldId id="408" r:id="rId16"/>
     <p:sldId id="409" r:id="rId17"/>
-    <p:sldId id="379" r:id="rId18"/>
-    <p:sldId id="395" r:id="rId19"/>
-    <p:sldId id="380" r:id="rId20"/>
-    <p:sldId id="381" r:id="rId21"/>
+    <p:sldId id="410" r:id="rId18"/>
+    <p:sldId id="411" r:id="rId19"/>
   </p:sldIdLst>
   <p:sldSz cx="9144000" cy="6858000" type="screen4x3"/>
   <p:notesSz cx="9925050" cy="6665913"/>
@@ -210,315 +208,66 @@
     </mc:Fallback>
   </mc:AlternateContent>
   <c:chart>
-    <c:autoTitleDeleted val="0"/>
-    <c:plotArea>
-      <c:layout>
-        <c:manualLayout>
-          <c:layoutTarget val="inner"/>
-          <c:xMode val="edge"/>
-          <c:yMode val="edge"/>
-          <c:x val="0.16284448490622305"/>
-          <c:y val="2.9692476916371611E-3"/>
-          <c:w val="0.4620606955380589"/>
-          <c:h val="0.84285219742549367"/>
-        </c:manualLayout>
-      </c:layout>
-      <c:barChart>
-        <c:barDir val="bar"/>
-        <c:grouping val="clustered"/>
-        <c:varyColors val="0"/>
-        <c:ser>
-          <c:idx val="0"/>
-          <c:order val="0"/>
-          <c:tx>
-            <c:strRef>
-              <c:f>Tabelle1!$B$1</c:f>
-              <c:strCache>
-                <c:ptCount val="1"/>
-                <c:pt idx="0">
-                  <c:v>Datenreihe 1</c:v>
-                </c:pt>
-              </c:strCache>
-            </c:strRef>
-          </c:tx>
-          <c:invertIfNegative val="0"/>
-          <c:cat>
-            <c:strRef>
-              <c:f>Tabelle1!$A$2:$A$5</c:f>
-              <c:strCache>
-                <c:ptCount val="4"/>
-                <c:pt idx="0">
-                  <c:v>Kategorie 1</c:v>
-                </c:pt>
-                <c:pt idx="1">
-                  <c:v>Kategorie 2</c:v>
-                </c:pt>
-                <c:pt idx="2">
-                  <c:v>Kategorie 3</c:v>
-                </c:pt>
-                <c:pt idx="3">
-                  <c:v>Kategorie 4</c:v>
-                </c:pt>
-              </c:strCache>
-            </c:strRef>
-          </c:cat>
-          <c:val>
-            <c:numRef>
-              <c:f>Tabelle1!$B$2:$B$5</c:f>
-              <c:numCache>
-                <c:formatCode>General</c:formatCode>
-                <c:ptCount val="4"/>
-                <c:pt idx="0">
-                  <c:v>4.3</c:v>
-                </c:pt>
-                <c:pt idx="1">
-                  <c:v>2.5</c:v>
-                </c:pt>
-                <c:pt idx="2">
-                  <c:v>3.5</c:v>
-                </c:pt>
-                <c:pt idx="3">
-                  <c:v>4.5</c:v>
-                </c:pt>
-              </c:numCache>
-            </c:numRef>
-          </c:val>
-          <c:extLst>
-            <c:ext xmlns:c16="http://schemas.microsoft.com/office/drawing/2014/chart" uri="{C3380CC4-5D6E-409C-BE32-E72D297353CC}">
-              <c16:uniqueId val="{00000000-6A60-4658-85D7-2C7E08B30675}"/>
-            </c:ext>
-          </c:extLst>
-        </c:ser>
-        <c:ser>
-          <c:idx val="1"/>
-          <c:order val="1"/>
-          <c:tx>
-            <c:strRef>
-              <c:f>Tabelle1!$C$1</c:f>
-              <c:strCache>
-                <c:ptCount val="1"/>
-                <c:pt idx="0">
-                  <c:v>Datenreihe 2</c:v>
-                </c:pt>
-              </c:strCache>
-            </c:strRef>
-          </c:tx>
-          <c:invertIfNegative val="0"/>
-          <c:cat>
-            <c:strRef>
-              <c:f>Tabelle1!$A$2:$A$5</c:f>
-              <c:strCache>
-                <c:ptCount val="4"/>
-                <c:pt idx="0">
-                  <c:v>Kategorie 1</c:v>
-                </c:pt>
-                <c:pt idx="1">
-                  <c:v>Kategorie 2</c:v>
-                </c:pt>
-                <c:pt idx="2">
-                  <c:v>Kategorie 3</c:v>
-                </c:pt>
-                <c:pt idx="3">
-                  <c:v>Kategorie 4</c:v>
-                </c:pt>
-              </c:strCache>
-            </c:strRef>
-          </c:cat>
-          <c:val>
-            <c:numRef>
-              <c:f>Tabelle1!$C$2:$C$5</c:f>
-              <c:numCache>
-                <c:formatCode>General</c:formatCode>
-                <c:ptCount val="4"/>
-                <c:pt idx="0">
-                  <c:v>2.4</c:v>
-                </c:pt>
-                <c:pt idx="1">
-                  <c:v>4.4000000000000004</c:v>
-                </c:pt>
-                <c:pt idx="2">
-                  <c:v>1.8</c:v>
-                </c:pt>
-                <c:pt idx="3">
-                  <c:v>2.8</c:v>
-                </c:pt>
-              </c:numCache>
-            </c:numRef>
-          </c:val>
-          <c:extLst>
-            <c:ext xmlns:c16="http://schemas.microsoft.com/office/drawing/2014/chart" uri="{C3380CC4-5D6E-409C-BE32-E72D297353CC}">
-              <c16:uniqueId val="{00000001-6A60-4658-85D7-2C7E08B30675}"/>
-            </c:ext>
-          </c:extLst>
-        </c:ser>
-        <c:ser>
-          <c:idx val="2"/>
-          <c:order val="2"/>
-          <c:tx>
-            <c:strRef>
-              <c:f>Tabelle1!$D$1</c:f>
-              <c:strCache>
-                <c:ptCount val="1"/>
-                <c:pt idx="0">
-                  <c:v>Datenreihe 3</c:v>
-                </c:pt>
-              </c:strCache>
-            </c:strRef>
-          </c:tx>
-          <c:invertIfNegative val="0"/>
-          <c:cat>
-            <c:strRef>
-              <c:f>Tabelle1!$A$2:$A$5</c:f>
-              <c:strCache>
-                <c:ptCount val="4"/>
-                <c:pt idx="0">
-                  <c:v>Kategorie 1</c:v>
-                </c:pt>
-                <c:pt idx="1">
-                  <c:v>Kategorie 2</c:v>
-                </c:pt>
-                <c:pt idx="2">
-                  <c:v>Kategorie 3</c:v>
-                </c:pt>
-                <c:pt idx="3">
-                  <c:v>Kategorie 4</c:v>
-                </c:pt>
-              </c:strCache>
-            </c:strRef>
-          </c:cat>
-          <c:val>
-            <c:numRef>
-              <c:f>Tabelle1!$D$2:$D$5</c:f>
-              <c:numCache>
-                <c:formatCode>General</c:formatCode>
-                <c:ptCount val="4"/>
-                <c:pt idx="0">
-                  <c:v>2</c:v>
-                </c:pt>
-                <c:pt idx="1">
-                  <c:v>2</c:v>
-                </c:pt>
-                <c:pt idx="2">
-                  <c:v>3</c:v>
-                </c:pt>
-                <c:pt idx="3">
-                  <c:v>5</c:v>
-                </c:pt>
-              </c:numCache>
-            </c:numRef>
-          </c:val>
-          <c:extLst>
-            <c:ext xmlns:c16="http://schemas.microsoft.com/office/drawing/2014/chart" uri="{C3380CC4-5D6E-409C-BE32-E72D297353CC}">
-              <c16:uniqueId val="{00000002-6A60-4658-85D7-2C7E08B30675}"/>
-            </c:ext>
-          </c:extLst>
-        </c:ser>
-        <c:dLbls>
-          <c:showLegendKey val="0"/>
-          <c:showVal val="0"/>
-          <c:showCatName val="0"/>
-          <c:showSerName val="0"/>
-          <c:showPercent val="0"/>
-          <c:showBubbleSize val="0"/>
-        </c:dLbls>
-        <c:gapWidth val="150"/>
-        <c:axId val="49980160"/>
-        <c:axId val="49981696"/>
-      </c:barChart>
-      <c:catAx>
-        <c:axId val="49980160"/>
-        <c:scaling>
-          <c:orientation val="maxMin"/>
-        </c:scaling>
-        <c:delete val="0"/>
-        <c:axPos val="l"/>
-        <c:numFmt formatCode="General" sourceLinked="0"/>
-        <c:majorTickMark val="out"/>
-        <c:minorTickMark val="none"/>
-        <c:tickLblPos val="nextTo"/>
-        <c:spPr>
-          <a:ln>
-            <a:noFill/>
-          </a:ln>
-        </c:spPr>
-        <c:crossAx val="49981696"/>
-        <c:crosses val="autoZero"/>
-        <c:auto val="1"/>
-        <c:lblAlgn val="ctr"/>
-        <c:lblOffset val="100"/>
-        <c:noMultiLvlLbl val="0"/>
-      </c:catAx>
-      <c:valAx>
-        <c:axId val="49981696"/>
-        <c:scaling>
-          <c:orientation val="minMax"/>
-        </c:scaling>
-        <c:delete val="1"/>
-        <c:axPos val="t"/>
-        <c:numFmt formatCode="General" sourceLinked="1"/>
-        <c:majorTickMark val="out"/>
-        <c:minorTickMark val="none"/>
-        <c:tickLblPos val="none"/>
-        <c:crossAx val="49980160"/>
-        <c:crosses val="autoZero"/>
-        <c:crossBetween val="between"/>
-      </c:valAx>
+    <c:title>
+      <c:tx>
+        <c:rich>
+          <a:bodyPr rot="0" spcFirstLastPara="1" vertOverflow="ellipsis" vert="horz" wrap="square" anchor="ctr" anchorCtr="1"/>
+          <a:lstStyle/>
+          <a:p>
+            <a:pPr>
+              <a:defRPr sz="1862" b="0" i="0" u="none" strike="noStrike" kern="1200" spc="0" baseline="0">
+                <a:solidFill>
+                  <a:schemeClr val="tx1">
+                    <a:lumMod val="65000"/>
+                    <a:lumOff val="35000"/>
+                  </a:schemeClr>
+                </a:solidFill>
+                <a:latin typeface="+mn-lt"/>
+                <a:ea typeface="+mn-ea"/>
+                <a:cs typeface="+mn-cs"/>
+              </a:defRPr>
+            </a:pPr>
+            <a:r>
+              <a:rPr lang="de-DE" dirty="0" err="1"/>
+              <a:t>Window</a:t>
+            </a:r>
+            <a:r>
+              <a:rPr lang="de-DE" dirty="0"/>
+              <a:t> ()</a:t>
+            </a:r>
+          </a:p>
+        </c:rich>
+      </c:tx>
+      <c:overlay val="0"/>
       <c:spPr>
         <a:noFill/>
-        <a:ln w="25400">
+        <a:ln>
           <a:noFill/>
         </a:ln>
+        <a:effectLst/>
       </c:spPr>
-    </c:plotArea>
-    <c:legend>
-      <c:legendPos val="r"/>
-      <c:layout>
-        <c:manualLayout>
-          <c:xMode val="edge"/>
-          <c:yMode val="edge"/>
-          <c:x val="0.12911754177788201"/>
-          <c:y val="0.88845197256189412"/>
-          <c:w val="0.63252645439265498"/>
-          <c:h val="4.7614212345838999E-2"/>
-        </c:manualLayout>
-      </c:layout>
-      <c:overlay val="0"/>
-    </c:legend>
-    <c:plotVisOnly val="1"/>
-    <c:dispBlanksAs val="gap"/>
-    <c:showDLblsOverMax val="0"/>
-  </c:chart>
-  <c:txPr>
-    <a:bodyPr/>
-    <a:lstStyle/>
-    <a:p>
-      <a:pPr>
-        <a:defRPr sz="1600"/>
-      </a:pPr>
-      <a:endParaRPr lang="de-DE"/>
-    </a:p>
-  </c:txPr>
-  <c:externalData r:id="rId1">
-    <c:autoUpdate val="0"/>
-  </c:externalData>
-</c:chartSpace>
-</file>
-
-<file path=ppt/charts/chart2.xml><?xml version="1.0" encoding="utf-8"?>
-<c:chartSpace xmlns:c="http://schemas.openxmlformats.org/drawingml/2006/chart" xmlns:a="http://schemas.openxmlformats.org/drawingml/2006/main" xmlns:r="http://schemas.openxmlformats.org/officeDocument/2006/relationships" xmlns:c16r2="http://schemas.microsoft.com/office/drawing/2015/06/chart">
-  <c:date1904 val="0"/>
-  <c:lang val="de-DE"/>
-  <c:roundedCorners val="0"/>
-  <mc:AlternateContent xmlns:mc="http://schemas.openxmlformats.org/markup-compatibility/2006">
-    <mc:Choice xmlns:c14="http://schemas.microsoft.com/office/drawing/2007/8/2/chart" Requires="c14">
-      <c14:style val="102"/>
-    </mc:Choice>
-    <mc:Fallback>
-      <c:style val="2"/>
-    </mc:Fallback>
-  </mc:AlternateContent>
-  <c:chart>
-    <c:autoTitleDeleted val="1"/>
+      <c:txPr>
+        <a:bodyPr rot="0" spcFirstLastPara="1" vertOverflow="ellipsis" vert="horz" wrap="square" anchor="ctr" anchorCtr="1"/>
+        <a:lstStyle/>
+        <a:p>
+          <a:pPr>
+            <a:defRPr sz="1862" b="0" i="0" u="none" strike="noStrike" kern="1200" spc="0" baseline="0">
+              <a:solidFill>
+                <a:schemeClr val="tx1">
+                  <a:lumMod val="65000"/>
+                  <a:lumOff val="35000"/>
+                </a:schemeClr>
+              </a:solidFill>
+              <a:latin typeface="+mn-lt"/>
+              <a:ea typeface="+mn-ea"/>
+              <a:cs typeface="+mn-cs"/>
+            </a:defRPr>
+          </a:pPr>
+          <a:endParaRPr lang="de-DE"/>
+        </a:p>
+      </c:txPr>
+    </c:title>
+    <c:autoTitleDeleted val="0"/>
     <c:plotArea>
       <c:layout/>
       <c:barChart>
@@ -534,7 +283,7 @@
               <c:strCache>
                 <c:ptCount val="1"/>
                 <c:pt idx="0">
-                  <c:v>Datenreihe 1</c:v>
+                  <c:v>C (O2)</c:v>
                 </c:pt>
               </c:strCache>
             </c:strRef>
@@ -550,49 +299,29 @@
           </c:spPr>
           <c:invertIfNegative val="0"/>
           <c:cat>
-            <c:strRef>
-              <c:f>Tabelle1!$A$2:$A$5</c:f>
-              <c:strCache>
-                <c:ptCount val="4"/>
-                <c:pt idx="0">
-                  <c:v>Kategorie 1</c:v>
-                </c:pt>
-                <c:pt idx="1">
-                  <c:v>Kategorie 2</c:v>
-                </c:pt>
-                <c:pt idx="2">
-                  <c:v>Kategorie 3</c:v>
-                </c:pt>
-                <c:pt idx="3">
-                  <c:v>Kategorie 4</c:v>
-                </c:pt>
-              </c:strCache>
-            </c:strRef>
+            <c:numRef>
+              <c:f>Tabelle1!$A$2</c:f>
+              <c:numCache>
+                <c:formatCode>General</c:formatCode>
+                <c:ptCount val="1"/>
+              </c:numCache>
+            </c:numRef>
           </c:cat>
           <c:val>
             <c:numRef>
-              <c:f>Tabelle1!$B$2:$B$5</c:f>
+              <c:f>Tabelle1!$B$2</c:f>
               <c:numCache>
                 <c:formatCode>General</c:formatCode>
-                <c:ptCount val="4"/>
+                <c:ptCount val="1"/>
                 <c:pt idx="0">
-                  <c:v>4.3</c:v>
-                </c:pt>
-                <c:pt idx="1">
-                  <c:v>2.5</c:v>
-                </c:pt>
-                <c:pt idx="2">
-                  <c:v>3.5</c:v>
-                </c:pt>
-                <c:pt idx="3">
-                  <c:v>4.5</c:v>
+                  <c:v>1.611</c:v>
                 </c:pt>
               </c:numCache>
             </c:numRef>
           </c:val>
           <c:extLst>
             <c:ext xmlns:c16="http://schemas.microsoft.com/office/drawing/2014/chart" uri="{C3380CC4-5D6E-409C-BE32-E72D297353CC}">
-              <c16:uniqueId val="{00000000-71BC-4349-AF99-6AB85E8DD18A}"/>
+              <c16:uniqueId val="{00000000-7840-4975-BB88-5367682C68D9}"/>
             </c:ext>
           </c:extLst>
         </c:ser>
@@ -605,7 +334,7 @@
               <c:strCache>
                 <c:ptCount val="1"/>
                 <c:pt idx="0">
-                  <c:v>Datenreihe 2</c:v>
+                  <c:v>C (O3)</c:v>
                 </c:pt>
               </c:strCache>
             </c:strRef>
@@ -621,49 +350,29 @@
           </c:spPr>
           <c:invertIfNegative val="0"/>
           <c:cat>
-            <c:strRef>
-              <c:f>Tabelle1!$A$2:$A$5</c:f>
-              <c:strCache>
-                <c:ptCount val="4"/>
-                <c:pt idx="0">
-                  <c:v>Kategorie 1</c:v>
-                </c:pt>
-                <c:pt idx="1">
-                  <c:v>Kategorie 2</c:v>
-                </c:pt>
-                <c:pt idx="2">
-                  <c:v>Kategorie 3</c:v>
-                </c:pt>
-                <c:pt idx="3">
-                  <c:v>Kategorie 4</c:v>
-                </c:pt>
-              </c:strCache>
-            </c:strRef>
+            <c:numRef>
+              <c:f>Tabelle1!$A$2</c:f>
+              <c:numCache>
+                <c:formatCode>General</c:formatCode>
+                <c:ptCount val="1"/>
+              </c:numCache>
+            </c:numRef>
           </c:cat>
           <c:val>
             <c:numRef>
-              <c:f>Tabelle1!$C$2:$C$5</c:f>
+              <c:f>Tabelle1!$C$2</c:f>
               <c:numCache>
                 <c:formatCode>General</c:formatCode>
-                <c:ptCount val="4"/>
+                <c:ptCount val="1"/>
                 <c:pt idx="0">
-                  <c:v>2.4</c:v>
-                </c:pt>
-                <c:pt idx="1">
-                  <c:v>4.4000000000000004</c:v>
-                </c:pt>
-                <c:pt idx="2">
-                  <c:v>1.8</c:v>
-                </c:pt>
-                <c:pt idx="3">
-                  <c:v>2.8</c:v>
+                  <c:v>1.0449999999999999</c:v>
                 </c:pt>
               </c:numCache>
             </c:numRef>
           </c:val>
           <c:extLst>
             <c:ext xmlns:c16="http://schemas.microsoft.com/office/drawing/2014/chart" uri="{C3380CC4-5D6E-409C-BE32-E72D297353CC}">
-              <c16:uniqueId val="{00000001-71BC-4349-AF99-6AB85E8DD18A}"/>
+              <c16:uniqueId val="{00000001-7840-4975-BB88-5367682C68D9}"/>
             </c:ext>
           </c:extLst>
         </c:ser>
@@ -676,7 +385,7 @@
               <c:strCache>
                 <c:ptCount val="1"/>
                 <c:pt idx="0">
-                  <c:v>Datenreihe 3</c:v>
+                  <c:v>SISD</c:v>
                 </c:pt>
               </c:strCache>
             </c:strRef>
@@ -692,49 +401,80 @@
           </c:spPr>
           <c:invertIfNegative val="0"/>
           <c:cat>
-            <c:strRef>
-              <c:f>Tabelle1!$A$2:$A$5</c:f>
-              <c:strCache>
-                <c:ptCount val="4"/>
-                <c:pt idx="0">
-                  <c:v>Kategorie 1</c:v>
-                </c:pt>
-                <c:pt idx="1">
-                  <c:v>Kategorie 2</c:v>
-                </c:pt>
-                <c:pt idx="2">
-                  <c:v>Kategorie 3</c:v>
-                </c:pt>
-                <c:pt idx="3">
-                  <c:v>Kategorie 4</c:v>
-                </c:pt>
-              </c:strCache>
-            </c:strRef>
+            <c:numRef>
+              <c:f>Tabelle1!$A$2</c:f>
+              <c:numCache>
+                <c:formatCode>General</c:formatCode>
+                <c:ptCount val="1"/>
+              </c:numCache>
+            </c:numRef>
           </c:cat>
           <c:val>
             <c:numRef>
-              <c:f>Tabelle1!$D$2:$D$5</c:f>
+              <c:f>Tabelle1!$D$2</c:f>
               <c:numCache>
                 <c:formatCode>General</c:formatCode>
-                <c:ptCount val="4"/>
+                <c:ptCount val="1"/>
                 <c:pt idx="0">
-                  <c:v>2</c:v>
-                </c:pt>
-                <c:pt idx="1">
-                  <c:v>2</c:v>
-                </c:pt>
-                <c:pt idx="2">
-                  <c:v>3</c:v>
-                </c:pt>
-                <c:pt idx="3">
-                  <c:v>5</c:v>
+                  <c:v>1.6919999999999999</c:v>
                 </c:pt>
               </c:numCache>
             </c:numRef>
           </c:val>
           <c:extLst>
             <c:ext xmlns:c16="http://schemas.microsoft.com/office/drawing/2014/chart" uri="{C3380CC4-5D6E-409C-BE32-E72D297353CC}">
-              <c16:uniqueId val="{00000002-71BC-4349-AF99-6AB85E8DD18A}"/>
+              <c16:uniqueId val="{00000002-7840-4975-BB88-5367682C68D9}"/>
+            </c:ext>
+          </c:extLst>
+        </c:ser>
+        <c:ser>
+          <c:idx val="3"/>
+          <c:order val="3"/>
+          <c:tx>
+            <c:strRef>
+              <c:f>Tabelle1!$E$1</c:f>
+              <c:strCache>
+                <c:ptCount val="1"/>
+                <c:pt idx="0">
+                  <c:v>SIMD</c:v>
+                </c:pt>
+              </c:strCache>
+            </c:strRef>
+          </c:tx>
+          <c:spPr>
+            <a:solidFill>
+              <a:schemeClr val="accent4"/>
+            </a:solidFill>
+            <a:ln>
+              <a:noFill/>
+            </a:ln>
+            <a:effectLst/>
+          </c:spPr>
+          <c:invertIfNegative val="0"/>
+          <c:cat>
+            <c:numRef>
+              <c:f>Tabelle1!$A$2</c:f>
+              <c:numCache>
+                <c:formatCode>General</c:formatCode>
+                <c:ptCount val="1"/>
+              </c:numCache>
+            </c:numRef>
+          </c:cat>
+          <c:val>
+            <c:numRef>
+              <c:f>Tabelle1!$E$2</c:f>
+              <c:numCache>
+                <c:formatCode>General</c:formatCode>
+                <c:ptCount val="1"/>
+                <c:pt idx="0">
+                  <c:v>1.044</c:v>
+                </c:pt>
+              </c:numCache>
+            </c:numRef>
+          </c:val>
+          <c:extLst>
+            <c:ext xmlns:c16="http://schemas.microsoft.com/office/drawing/2014/chart" uri="{C3380CC4-5D6E-409C-BE32-E72D297353CC}">
+              <c16:uniqueId val="{00000003-7840-4975-BB88-5367682C68D9}"/>
             </c:ext>
           </c:extLst>
         </c:ser>
@@ -748,11 +488,11 @@
         </c:dLbls>
         <c:gapWidth val="219"/>
         <c:overlap val="-27"/>
-        <c:axId val="50529792"/>
-        <c:axId val="50531328"/>
+        <c:axId val="528789880"/>
+        <c:axId val="528791848"/>
       </c:barChart>
       <c:catAx>
-        <c:axId val="50529792"/>
+        <c:axId val="528789880"/>
         <c:scaling>
           <c:orientation val="minMax"/>
         </c:scaling>
@@ -780,7 +520,7 @@
           <a:lstStyle/>
           <a:p>
             <a:pPr>
-              <a:defRPr sz="1400" b="0" i="0" u="none" strike="noStrike" kern="1200" baseline="0">
+              <a:defRPr sz="1197" b="0" i="0" u="none" strike="noStrike" kern="1200" baseline="0">
                 <a:solidFill>
                   <a:schemeClr val="tx1">
                     <a:lumMod val="65000"/>
@@ -795,7 +535,7 @@
             <a:endParaRPr lang="de-DE"/>
           </a:p>
         </c:txPr>
-        <c:crossAx val="50531328"/>
+        <c:crossAx val="528791848"/>
         <c:crosses val="autoZero"/>
         <c:auto val="1"/>
         <c:lblAlgn val="ctr"/>
@@ -803,7 +543,7 @@
         <c:noMultiLvlLbl val="0"/>
       </c:catAx>
       <c:valAx>
-        <c:axId val="50531328"/>
+        <c:axId val="528791848"/>
         <c:scaling>
           <c:orientation val="minMax"/>
         </c:scaling>
@@ -854,7 +594,7 @@
             <a:endParaRPr lang="de-DE"/>
           </a:p>
         </c:txPr>
-        <c:crossAx val="50529792"/>
+        <c:crossAx val="528789880"/>
         <c:crosses val="autoZero"/>
         <c:crossBetween val="between"/>
       </c:valAx>
@@ -868,16 +608,6 @@
     </c:plotArea>
     <c:legend>
       <c:legendPos val="b"/>
-      <c:layout>
-        <c:manualLayout>
-          <c:xMode val="edge"/>
-          <c:yMode val="edge"/>
-          <c:x val="0.28357421553649131"/>
-          <c:y val="0.94919412095734657"/>
-          <c:w val="0.43285156892702098"/>
-          <c:h val="5.0805879042652886E-2"/>
-        </c:manualLayout>
-      </c:layout>
       <c:overlay val="0"/>
       <c:spPr>
         <a:noFill/>
@@ -891,7 +621,7 @@
         <a:lstStyle/>
         <a:p>
           <a:pPr>
-            <a:defRPr sz="1400" b="0" i="0" u="none" strike="noStrike" kern="1200" baseline="0">
+            <a:defRPr sz="1197" b="0" i="0" u="none" strike="noStrike" kern="1200" baseline="0">
               <a:solidFill>
                 <a:schemeClr val="tx1">
                   <a:lumMod val="65000"/>
@@ -909,6 +639,13 @@
     </c:legend>
     <c:plotVisOnly val="1"/>
     <c:dispBlanksAs val="gap"/>
+    <c:extLst>
+      <c:ext xmlns:c16r3="http://schemas.microsoft.com/office/drawing/2017/03/chart" uri="{56B9EC1D-385E-4148-901F-78D8002777C0}">
+        <c16r3:dataDisplayOptions16>
+          <c16r3:dispNaAsBlank val="1"/>
+        </c16r3:dataDisplayOptions16>
+      </c:ext>
+    </c:extLst>
     <c:showDLblsOverMax val="0"/>
   </c:chart>
   <c:spPr>
@@ -928,10 +665,1569 @@
       <a:endParaRPr lang="de-DE"/>
     </a:p>
   </c:txPr>
-  <c:externalData r:id="rId1">
+  <c:externalData r:id="rId3">
     <c:autoUpdate val="0"/>
   </c:externalData>
 </c:chartSpace>
+</file>
+
+<file path=ppt/charts/chart2.xml><?xml version="1.0" encoding="utf-8"?>
+<c:chartSpace xmlns:c="http://schemas.openxmlformats.org/drawingml/2006/chart" xmlns:a="http://schemas.openxmlformats.org/drawingml/2006/main" xmlns:r="http://schemas.openxmlformats.org/officeDocument/2006/relationships" xmlns:c16r2="http://schemas.microsoft.com/office/drawing/2015/06/chart">
+  <c:date1904 val="0"/>
+  <c:lang val="de-DE"/>
+  <c:roundedCorners val="0"/>
+  <mc:AlternateContent xmlns:mc="http://schemas.openxmlformats.org/markup-compatibility/2006">
+    <mc:Choice xmlns:c14="http://schemas.microsoft.com/office/drawing/2007/8/2/chart" Requires="c14">
+      <c14:style val="102"/>
+    </mc:Choice>
+    <mc:Fallback>
+      <c:style val="2"/>
+    </mc:Fallback>
+  </mc:AlternateContent>
+  <c:chart>
+    <c:title>
+      <c:tx>
+        <c:rich>
+          <a:bodyPr rot="0" spcFirstLastPara="1" vertOverflow="ellipsis" vert="horz" wrap="square" anchor="ctr" anchorCtr="1"/>
+          <a:lstStyle/>
+          <a:p>
+            <a:pPr>
+              <a:defRPr sz="1862" b="0" i="0" u="none" strike="noStrike" kern="1200" spc="0" baseline="0">
+                <a:solidFill>
+                  <a:schemeClr val="tx1">
+                    <a:lumMod val="65000"/>
+                    <a:lumOff val="35000"/>
+                  </a:schemeClr>
+                </a:solidFill>
+                <a:latin typeface="+mn-lt"/>
+                <a:ea typeface="+mn-ea"/>
+                <a:cs typeface="+mn-cs"/>
+              </a:defRPr>
+            </a:pPr>
+            <a:r>
+              <a:rPr lang="de-DE" dirty="0"/>
+              <a:t>Zoom ()</a:t>
+            </a:r>
+          </a:p>
+        </c:rich>
+      </c:tx>
+      <c:overlay val="0"/>
+      <c:spPr>
+        <a:noFill/>
+        <a:ln>
+          <a:noFill/>
+        </a:ln>
+        <a:effectLst/>
+      </c:spPr>
+      <c:txPr>
+        <a:bodyPr rot="0" spcFirstLastPara="1" vertOverflow="ellipsis" vert="horz" wrap="square" anchor="ctr" anchorCtr="1"/>
+        <a:lstStyle/>
+        <a:p>
+          <a:pPr>
+            <a:defRPr sz="1862" b="0" i="0" u="none" strike="noStrike" kern="1200" spc="0" baseline="0">
+              <a:solidFill>
+                <a:schemeClr val="tx1">
+                  <a:lumMod val="65000"/>
+                  <a:lumOff val="35000"/>
+                </a:schemeClr>
+              </a:solidFill>
+              <a:latin typeface="+mn-lt"/>
+              <a:ea typeface="+mn-ea"/>
+              <a:cs typeface="+mn-cs"/>
+            </a:defRPr>
+          </a:pPr>
+          <a:endParaRPr lang="de-DE"/>
+        </a:p>
+      </c:txPr>
+    </c:title>
+    <c:autoTitleDeleted val="0"/>
+    <c:plotArea>
+      <c:layout/>
+      <c:barChart>
+        <c:barDir val="col"/>
+        <c:grouping val="clustered"/>
+        <c:varyColors val="0"/>
+        <c:ser>
+          <c:idx val="0"/>
+          <c:order val="0"/>
+          <c:tx>
+            <c:strRef>
+              <c:f>Tabelle1!$B$1</c:f>
+              <c:strCache>
+                <c:ptCount val="1"/>
+                <c:pt idx="0">
+                  <c:v>C (O2)</c:v>
+                </c:pt>
+              </c:strCache>
+            </c:strRef>
+          </c:tx>
+          <c:spPr>
+            <a:solidFill>
+              <a:schemeClr val="accent1"/>
+            </a:solidFill>
+            <a:ln>
+              <a:noFill/>
+            </a:ln>
+            <a:effectLst/>
+          </c:spPr>
+          <c:invertIfNegative val="0"/>
+          <c:cat>
+            <c:numRef>
+              <c:f>Tabelle1!$A$2</c:f>
+              <c:numCache>
+                <c:formatCode>General</c:formatCode>
+                <c:ptCount val="1"/>
+              </c:numCache>
+            </c:numRef>
+          </c:cat>
+          <c:val>
+            <c:numRef>
+              <c:f>Tabelle1!$B$2</c:f>
+              <c:numCache>
+                <c:formatCode>General</c:formatCode>
+                <c:ptCount val="1"/>
+                <c:pt idx="0">
+                  <c:v>88.436999999999998</c:v>
+                </c:pt>
+              </c:numCache>
+            </c:numRef>
+          </c:val>
+          <c:extLst>
+            <c:ext xmlns:c16="http://schemas.microsoft.com/office/drawing/2014/chart" uri="{C3380CC4-5D6E-409C-BE32-E72D297353CC}">
+              <c16:uniqueId val="{00000000-7840-4975-BB88-5367682C68D9}"/>
+            </c:ext>
+          </c:extLst>
+        </c:ser>
+        <c:ser>
+          <c:idx val="1"/>
+          <c:order val="1"/>
+          <c:tx>
+            <c:strRef>
+              <c:f>Tabelle1!$C$1</c:f>
+              <c:strCache>
+                <c:ptCount val="1"/>
+                <c:pt idx="0">
+                  <c:v>C (O3)</c:v>
+                </c:pt>
+              </c:strCache>
+            </c:strRef>
+          </c:tx>
+          <c:spPr>
+            <a:solidFill>
+              <a:schemeClr val="accent2"/>
+            </a:solidFill>
+            <a:ln>
+              <a:noFill/>
+            </a:ln>
+            <a:effectLst/>
+          </c:spPr>
+          <c:invertIfNegative val="0"/>
+          <c:cat>
+            <c:numRef>
+              <c:f>Tabelle1!$A$2</c:f>
+              <c:numCache>
+                <c:formatCode>General</c:formatCode>
+                <c:ptCount val="1"/>
+              </c:numCache>
+            </c:numRef>
+          </c:cat>
+          <c:val>
+            <c:numRef>
+              <c:f>Tabelle1!$C$2</c:f>
+              <c:numCache>
+                <c:formatCode>General</c:formatCode>
+                <c:ptCount val="1"/>
+                <c:pt idx="0">
+                  <c:v>86.180999999999997</c:v>
+                </c:pt>
+              </c:numCache>
+            </c:numRef>
+          </c:val>
+          <c:extLst>
+            <c:ext xmlns:c16="http://schemas.microsoft.com/office/drawing/2014/chart" uri="{C3380CC4-5D6E-409C-BE32-E72D297353CC}">
+              <c16:uniqueId val="{00000001-7840-4975-BB88-5367682C68D9}"/>
+            </c:ext>
+          </c:extLst>
+        </c:ser>
+        <c:ser>
+          <c:idx val="2"/>
+          <c:order val="2"/>
+          <c:tx>
+            <c:strRef>
+              <c:f>Tabelle1!$D$1</c:f>
+              <c:strCache>
+                <c:ptCount val="1"/>
+                <c:pt idx="0">
+                  <c:v>SISD</c:v>
+                </c:pt>
+              </c:strCache>
+            </c:strRef>
+          </c:tx>
+          <c:spPr>
+            <a:solidFill>
+              <a:schemeClr val="accent3"/>
+            </a:solidFill>
+            <a:ln>
+              <a:noFill/>
+            </a:ln>
+            <a:effectLst/>
+          </c:spPr>
+          <c:invertIfNegative val="0"/>
+          <c:cat>
+            <c:numRef>
+              <c:f>Tabelle1!$A$2</c:f>
+              <c:numCache>
+                <c:formatCode>General</c:formatCode>
+                <c:ptCount val="1"/>
+              </c:numCache>
+            </c:numRef>
+          </c:cat>
+          <c:val>
+            <c:numRef>
+              <c:f>Tabelle1!$D$2</c:f>
+              <c:numCache>
+                <c:formatCode>General</c:formatCode>
+                <c:ptCount val="1"/>
+                <c:pt idx="0">
+                  <c:v>101.47</c:v>
+                </c:pt>
+              </c:numCache>
+            </c:numRef>
+          </c:val>
+          <c:extLst>
+            <c:ext xmlns:c16="http://schemas.microsoft.com/office/drawing/2014/chart" uri="{C3380CC4-5D6E-409C-BE32-E72D297353CC}">
+              <c16:uniqueId val="{00000002-7840-4975-BB88-5367682C68D9}"/>
+            </c:ext>
+          </c:extLst>
+        </c:ser>
+        <c:ser>
+          <c:idx val="3"/>
+          <c:order val="3"/>
+          <c:tx>
+            <c:strRef>
+              <c:f>Tabelle1!$E$1</c:f>
+              <c:strCache>
+                <c:ptCount val="1"/>
+                <c:pt idx="0">
+                  <c:v>SIMD</c:v>
+                </c:pt>
+              </c:strCache>
+            </c:strRef>
+          </c:tx>
+          <c:spPr>
+            <a:solidFill>
+              <a:schemeClr val="accent4"/>
+            </a:solidFill>
+            <a:ln>
+              <a:noFill/>
+            </a:ln>
+            <a:effectLst/>
+          </c:spPr>
+          <c:invertIfNegative val="0"/>
+          <c:cat>
+            <c:numRef>
+              <c:f>Tabelle1!$A$2</c:f>
+              <c:numCache>
+                <c:formatCode>General</c:formatCode>
+                <c:ptCount val="1"/>
+              </c:numCache>
+            </c:numRef>
+          </c:cat>
+          <c:val>
+            <c:numRef>
+              <c:f>Tabelle1!$E$2</c:f>
+              <c:numCache>
+                <c:formatCode>General</c:formatCode>
+                <c:ptCount val="1"/>
+                <c:pt idx="0">
+                  <c:v>68.441000000000003</c:v>
+                </c:pt>
+              </c:numCache>
+            </c:numRef>
+          </c:val>
+          <c:extLst>
+            <c:ext xmlns:c16="http://schemas.microsoft.com/office/drawing/2014/chart" uri="{C3380CC4-5D6E-409C-BE32-E72D297353CC}">
+              <c16:uniqueId val="{00000003-7840-4975-BB88-5367682C68D9}"/>
+            </c:ext>
+          </c:extLst>
+        </c:ser>
+        <c:dLbls>
+          <c:showLegendKey val="0"/>
+          <c:showVal val="0"/>
+          <c:showCatName val="0"/>
+          <c:showSerName val="0"/>
+          <c:showPercent val="0"/>
+          <c:showBubbleSize val="0"/>
+        </c:dLbls>
+        <c:gapWidth val="219"/>
+        <c:overlap val="-27"/>
+        <c:axId val="528789880"/>
+        <c:axId val="528791848"/>
+      </c:barChart>
+      <c:catAx>
+        <c:axId val="528789880"/>
+        <c:scaling>
+          <c:orientation val="minMax"/>
+        </c:scaling>
+        <c:delete val="0"/>
+        <c:axPos val="b"/>
+        <c:numFmt formatCode="General" sourceLinked="1"/>
+        <c:majorTickMark val="none"/>
+        <c:minorTickMark val="none"/>
+        <c:tickLblPos val="nextTo"/>
+        <c:spPr>
+          <a:noFill/>
+          <a:ln w="9525" cap="flat" cmpd="sng" algn="ctr">
+            <a:solidFill>
+              <a:schemeClr val="tx1">
+                <a:lumMod val="15000"/>
+                <a:lumOff val="85000"/>
+              </a:schemeClr>
+            </a:solidFill>
+            <a:round/>
+          </a:ln>
+          <a:effectLst/>
+        </c:spPr>
+        <c:txPr>
+          <a:bodyPr rot="-60000000" spcFirstLastPara="1" vertOverflow="ellipsis" vert="horz" wrap="square" anchor="ctr" anchorCtr="1"/>
+          <a:lstStyle/>
+          <a:p>
+            <a:pPr>
+              <a:defRPr sz="1197" b="0" i="0" u="none" strike="noStrike" kern="1200" baseline="0">
+                <a:solidFill>
+                  <a:schemeClr val="tx1">
+                    <a:lumMod val="65000"/>
+                    <a:lumOff val="35000"/>
+                  </a:schemeClr>
+                </a:solidFill>
+                <a:latin typeface="+mn-lt"/>
+                <a:ea typeface="+mn-ea"/>
+                <a:cs typeface="+mn-cs"/>
+              </a:defRPr>
+            </a:pPr>
+            <a:endParaRPr lang="de-DE"/>
+          </a:p>
+        </c:txPr>
+        <c:crossAx val="528791848"/>
+        <c:crosses val="autoZero"/>
+        <c:auto val="1"/>
+        <c:lblAlgn val="ctr"/>
+        <c:lblOffset val="100"/>
+        <c:noMultiLvlLbl val="0"/>
+      </c:catAx>
+      <c:valAx>
+        <c:axId val="528791848"/>
+        <c:scaling>
+          <c:orientation val="minMax"/>
+        </c:scaling>
+        <c:delete val="0"/>
+        <c:axPos val="l"/>
+        <c:majorGridlines>
+          <c:spPr>
+            <a:ln w="9525" cap="flat" cmpd="sng" algn="ctr">
+              <a:solidFill>
+                <a:schemeClr val="tx1">
+                  <a:lumMod val="15000"/>
+                  <a:lumOff val="85000"/>
+                </a:schemeClr>
+              </a:solidFill>
+              <a:round/>
+            </a:ln>
+            <a:effectLst/>
+          </c:spPr>
+        </c:majorGridlines>
+        <c:numFmt formatCode="General" sourceLinked="1"/>
+        <c:majorTickMark val="none"/>
+        <c:minorTickMark val="none"/>
+        <c:tickLblPos val="nextTo"/>
+        <c:spPr>
+          <a:noFill/>
+          <a:ln>
+            <a:noFill/>
+          </a:ln>
+          <a:effectLst/>
+        </c:spPr>
+        <c:txPr>
+          <a:bodyPr rot="-60000000" spcFirstLastPara="1" vertOverflow="ellipsis" vert="horz" wrap="square" anchor="ctr" anchorCtr="1"/>
+          <a:lstStyle/>
+          <a:p>
+            <a:pPr>
+              <a:defRPr sz="1197" b="0" i="0" u="none" strike="noStrike" kern="1200" baseline="0">
+                <a:solidFill>
+                  <a:schemeClr val="tx1">
+                    <a:lumMod val="65000"/>
+                    <a:lumOff val="35000"/>
+                  </a:schemeClr>
+                </a:solidFill>
+                <a:latin typeface="+mn-lt"/>
+                <a:ea typeface="+mn-ea"/>
+                <a:cs typeface="+mn-cs"/>
+              </a:defRPr>
+            </a:pPr>
+            <a:endParaRPr lang="de-DE"/>
+          </a:p>
+        </c:txPr>
+        <c:crossAx val="528789880"/>
+        <c:crosses val="autoZero"/>
+        <c:crossBetween val="between"/>
+      </c:valAx>
+      <c:spPr>
+        <a:noFill/>
+        <a:ln>
+          <a:noFill/>
+        </a:ln>
+        <a:effectLst/>
+      </c:spPr>
+    </c:plotArea>
+    <c:legend>
+      <c:legendPos val="b"/>
+      <c:overlay val="0"/>
+      <c:spPr>
+        <a:noFill/>
+        <a:ln>
+          <a:noFill/>
+        </a:ln>
+        <a:effectLst/>
+      </c:spPr>
+      <c:txPr>
+        <a:bodyPr rot="0" spcFirstLastPara="1" vertOverflow="ellipsis" vert="horz" wrap="square" anchor="ctr" anchorCtr="1"/>
+        <a:lstStyle/>
+        <a:p>
+          <a:pPr>
+            <a:defRPr sz="1197" b="0" i="0" u="none" strike="noStrike" kern="1200" baseline="0">
+              <a:solidFill>
+                <a:schemeClr val="tx1">
+                  <a:lumMod val="65000"/>
+                  <a:lumOff val="35000"/>
+                </a:schemeClr>
+              </a:solidFill>
+              <a:latin typeface="+mn-lt"/>
+              <a:ea typeface="+mn-ea"/>
+              <a:cs typeface="+mn-cs"/>
+            </a:defRPr>
+          </a:pPr>
+          <a:endParaRPr lang="de-DE"/>
+        </a:p>
+      </c:txPr>
+    </c:legend>
+    <c:plotVisOnly val="1"/>
+    <c:dispBlanksAs val="gap"/>
+    <c:extLst>
+      <c:ext xmlns:c16r3="http://schemas.microsoft.com/office/drawing/2017/03/chart" uri="{56B9EC1D-385E-4148-901F-78D8002777C0}">
+        <c16r3:dataDisplayOptions16>
+          <c16r3:dispNaAsBlank val="1"/>
+        </c16r3:dataDisplayOptions16>
+      </c:ext>
+    </c:extLst>
+    <c:showDLblsOverMax val="0"/>
+  </c:chart>
+  <c:spPr>
+    <a:noFill/>
+    <a:ln>
+      <a:noFill/>
+    </a:ln>
+    <a:effectLst/>
+  </c:spPr>
+  <c:txPr>
+    <a:bodyPr/>
+    <a:lstStyle/>
+    <a:p>
+      <a:pPr>
+        <a:defRPr/>
+      </a:pPr>
+      <a:endParaRPr lang="de-DE"/>
+    </a:p>
+  </c:txPr>
+  <c:externalData r:id="rId3">
+    <c:autoUpdate val="0"/>
+  </c:externalData>
+</c:chartSpace>
+</file>
+
+<file path=ppt/charts/colors1.xml><?xml version="1.0" encoding="utf-8"?>
+<cs:colorStyle xmlns:cs="http://schemas.microsoft.com/office/drawing/2012/chartStyle" xmlns:a="http://schemas.openxmlformats.org/drawingml/2006/main" meth="cycle" id="10">
+  <a:schemeClr val="accent1"/>
+  <a:schemeClr val="accent2"/>
+  <a:schemeClr val="accent3"/>
+  <a:schemeClr val="accent4"/>
+  <a:schemeClr val="accent5"/>
+  <a:schemeClr val="accent6"/>
+  <cs:variation/>
+  <cs:variation>
+    <a:lumMod val="60000"/>
+  </cs:variation>
+  <cs:variation>
+    <a:lumMod val="80000"/>
+    <a:lumOff val="20000"/>
+  </cs:variation>
+  <cs:variation>
+    <a:lumMod val="80000"/>
+  </cs:variation>
+  <cs:variation>
+    <a:lumMod val="60000"/>
+    <a:lumOff val="40000"/>
+  </cs:variation>
+  <cs:variation>
+    <a:lumMod val="50000"/>
+  </cs:variation>
+  <cs:variation>
+    <a:lumMod val="70000"/>
+    <a:lumOff val="30000"/>
+  </cs:variation>
+  <cs:variation>
+    <a:lumMod val="70000"/>
+  </cs:variation>
+  <cs:variation>
+    <a:lumMod val="50000"/>
+    <a:lumOff val="50000"/>
+  </cs:variation>
+</cs:colorStyle>
+</file>
+
+<file path=ppt/charts/colors2.xml><?xml version="1.0" encoding="utf-8"?>
+<cs:colorStyle xmlns:cs="http://schemas.microsoft.com/office/drawing/2012/chartStyle" xmlns:a="http://schemas.openxmlformats.org/drawingml/2006/main" meth="cycle" id="10">
+  <a:schemeClr val="accent1"/>
+  <a:schemeClr val="accent2"/>
+  <a:schemeClr val="accent3"/>
+  <a:schemeClr val="accent4"/>
+  <a:schemeClr val="accent5"/>
+  <a:schemeClr val="accent6"/>
+  <cs:variation/>
+  <cs:variation>
+    <a:lumMod val="60000"/>
+  </cs:variation>
+  <cs:variation>
+    <a:lumMod val="80000"/>
+    <a:lumOff val="20000"/>
+  </cs:variation>
+  <cs:variation>
+    <a:lumMod val="80000"/>
+  </cs:variation>
+  <cs:variation>
+    <a:lumMod val="60000"/>
+    <a:lumOff val="40000"/>
+  </cs:variation>
+  <cs:variation>
+    <a:lumMod val="50000"/>
+  </cs:variation>
+  <cs:variation>
+    <a:lumMod val="70000"/>
+    <a:lumOff val="30000"/>
+  </cs:variation>
+  <cs:variation>
+    <a:lumMod val="70000"/>
+  </cs:variation>
+  <cs:variation>
+    <a:lumMod val="50000"/>
+    <a:lumOff val="50000"/>
+  </cs:variation>
+</cs:colorStyle>
+</file>
+
+<file path=ppt/charts/style1.xml><?xml version="1.0" encoding="utf-8"?>
+<cs:chartStyle xmlns:cs="http://schemas.microsoft.com/office/drawing/2012/chartStyle" xmlns:a="http://schemas.openxmlformats.org/drawingml/2006/main" id="201">
+  <cs:axisTitle>
+    <cs:lnRef idx="0"/>
+    <cs:fillRef idx="0"/>
+    <cs:effectRef idx="0"/>
+    <cs:fontRef idx="minor">
+      <a:schemeClr val="tx1">
+        <a:lumMod val="65000"/>
+        <a:lumOff val="35000"/>
+      </a:schemeClr>
+    </cs:fontRef>
+    <cs:defRPr sz="1330" kern="1200"/>
+  </cs:axisTitle>
+  <cs:categoryAxis>
+    <cs:lnRef idx="0"/>
+    <cs:fillRef idx="0"/>
+    <cs:effectRef idx="0"/>
+    <cs:fontRef idx="minor">
+      <a:schemeClr val="tx1">
+        <a:lumMod val="65000"/>
+        <a:lumOff val="35000"/>
+      </a:schemeClr>
+    </cs:fontRef>
+    <cs:spPr>
+      <a:ln w="9525" cap="flat" cmpd="sng" algn="ctr">
+        <a:solidFill>
+          <a:schemeClr val="tx1">
+            <a:lumMod val="15000"/>
+            <a:lumOff val="85000"/>
+          </a:schemeClr>
+        </a:solidFill>
+        <a:round/>
+      </a:ln>
+    </cs:spPr>
+    <cs:defRPr sz="1197" kern="1200"/>
+  </cs:categoryAxis>
+  <cs:chartArea mods="allowNoFillOverride allowNoLineOverride">
+    <cs:lnRef idx="0"/>
+    <cs:fillRef idx="0"/>
+    <cs:effectRef idx="0"/>
+    <cs:fontRef idx="minor">
+      <a:schemeClr val="tx1"/>
+    </cs:fontRef>
+    <cs:spPr>
+      <a:solidFill>
+        <a:schemeClr val="bg1"/>
+      </a:solidFill>
+      <a:ln w="9525" cap="flat" cmpd="sng" algn="ctr">
+        <a:solidFill>
+          <a:schemeClr val="tx1">
+            <a:lumMod val="15000"/>
+            <a:lumOff val="85000"/>
+          </a:schemeClr>
+        </a:solidFill>
+        <a:round/>
+      </a:ln>
+    </cs:spPr>
+    <cs:defRPr sz="1330" kern="1200"/>
+  </cs:chartArea>
+  <cs:dataLabel>
+    <cs:lnRef idx="0"/>
+    <cs:fillRef idx="0"/>
+    <cs:effectRef idx="0"/>
+    <cs:fontRef idx="minor">
+      <a:schemeClr val="tx1">
+        <a:lumMod val="75000"/>
+        <a:lumOff val="25000"/>
+      </a:schemeClr>
+    </cs:fontRef>
+    <cs:defRPr sz="1197" kern="1200"/>
+  </cs:dataLabel>
+  <cs:dataLabelCallout>
+    <cs:lnRef idx="0"/>
+    <cs:fillRef idx="0"/>
+    <cs:effectRef idx="0"/>
+    <cs:fontRef idx="minor">
+      <a:schemeClr val="dk1">
+        <a:lumMod val="65000"/>
+        <a:lumOff val="35000"/>
+      </a:schemeClr>
+    </cs:fontRef>
+    <cs:spPr>
+      <a:solidFill>
+        <a:schemeClr val="lt1"/>
+      </a:solidFill>
+      <a:ln>
+        <a:solidFill>
+          <a:schemeClr val="dk1">
+            <a:lumMod val="25000"/>
+            <a:lumOff val="75000"/>
+          </a:schemeClr>
+        </a:solidFill>
+      </a:ln>
+    </cs:spPr>
+    <cs:defRPr sz="1197" kern="1200"/>
+    <cs:bodyPr rot="0" spcFirstLastPara="1" vertOverflow="clip" horzOverflow="clip" vert="horz" wrap="square" lIns="36576" tIns="18288" rIns="36576" bIns="18288" anchor="ctr" anchorCtr="1">
+      <a:spAutoFit/>
+    </cs:bodyPr>
+  </cs:dataLabelCallout>
+  <cs:dataPoint>
+    <cs:lnRef idx="0"/>
+    <cs:fillRef idx="1">
+      <cs:styleClr val="auto"/>
+    </cs:fillRef>
+    <cs:effectRef idx="0"/>
+    <cs:fontRef idx="minor">
+      <a:schemeClr val="tx1"/>
+    </cs:fontRef>
+  </cs:dataPoint>
+  <cs:dataPoint3D>
+    <cs:lnRef idx="0"/>
+    <cs:fillRef idx="1">
+      <cs:styleClr val="auto"/>
+    </cs:fillRef>
+    <cs:effectRef idx="0"/>
+    <cs:fontRef idx="minor">
+      <a:schemeClr val="tx1"/>
+    </cs:fontRef>
+  </cs:dataPoint3D>
+  <cs:dataPointLine>
+    <cs:lnRef idx="0">
+      <cs:styleClr val="auto"/>
+    </cs:lnRef>
+    <cs:fillRef idx="1"/>
+    <cs:effectRef idx="0"/>
+    <cs:fontRef idx="minor">
+      <a:schemeClr val="tx1"/>
+    </cs:fontRef>
+    <cs:spPr>
+      <a:ln w="28575" cap="rnd">
+        <a:solidFill>
+          <a:schemeClr val="phClr"/>
+        </a:solidFill>
+        <a:round/>
+      </a:ln>
+    </cs:spPr>
+  </cs:dataPointLine>
+  <cs:dataPointMarker>
+    <cs:lnRef idx="0">
+      <cs:styleClr val="auto"/>
+    </cs:lnRef>
+    <cs:fillRef idx="1">
+      <cs:styleClr val="auto"/>
+    </cs:fillRef>
+    <cs:effectRef idx="0"/>
+    <cs:fontRef idx="minor">
+      <a:schemeClr val="tx1"/>
+    </cs:fontRef>
+    <cs:spPr>
+      <a:ln w="9525">
+        <a:solidFill>
+          <a:schemeClr val="phClr"/>
+        </a:solidFill>
+      </a:ln>
+    </cs:spPr>
+  </cs:dataPointMarker>
+  <cs:dataPointMarkerLayout symbol="circle" size="5"/>
+  <cs:dataPointWireframe>
+    <cs:lnRef idx="0">
+      <cs:styleClr val="auto"/>
+    </cs:lnRef>
+    <cs:fillRef idx="1"/>
+    <cs:effectRef idx="0"/>
+    <cs:fontRef idx="minor">
+      <a:schemeClr val="tx1"/>
+    </cs:fontRef>
+    <cs:spPr>
+      <a:ln w="9525" cap="rnd">
+        <a:solidFill>
+          <a:schemeClr val="phClr"/>
+        </a:solidFill>
+        <a:round/>
+      </a:ln>
+    </cs:spPr>
+  </cs:dataPointWireframe>
+  <cs:dataTable>
+    <cs:lnRef idx="0"/>
+    <cs:fillRef idx="0"/>
+    <cs:effectRef idx="0"/>
+    <cs:fontRef idx="minor">
+      <a:schemeClr val="tx1">
+        <a:lumMod val="65000"/>
+        <a:lumOff val="35000"/>
+      </a:schemeClr>
+    </cs:fontRef>
+    <cs:spPr>
+      <a:noFill/>
+      <a:ln w="9525" cap="flat" cmpd="sng" algn="ctr">
+        <a:solidFill>
+          <a:schemeClr val="tx1">
+            <a:lumMod val="15000"/>
+            <a:lumOff val="85000"/>
+          </a:schemeClr>
+        </a:solidFill>
+        <a:round/>
+      </a:ln>
+    </cs:spPr>
+    <cs:defRPr sz="1197" kern="1200"/>
+  </cs:dataTable>
+  <cs:downBar>
+    <cs:lnRef idx="0"/>
+    <cs:fillRef idx="0"/>
+    <cs:effectRef idx="0"/>
+    <cs:fontRef idx="minor">
+      <a:schemeClr val="dk1"/>
+    </cs:fontRef>
+    <cs:spPr>
+      <a:solidFill>
+        <a:schemeClr val="dk1">
+          <a:lumMod val="65000"/>
+          <a:lumOff val="35000"/>
+        </a:schemeClr>
+      </a:solidFill>
+      <a:ln w="9525">
+        <a:solidFill>
+          <a:schemeClr val="tx1">
+            <a:lumMod val="65000"/>
+            <a:lumOff val="35000"/>
+          </a:schemeClr>
+        </a:solidFill>
+      </a:ln>
+    </cs:spPr>
+  </cs:downBar>
+  <cs:dropLine>
+    <cs:lnRef idx="0"/>
+    <cs:fillRef idx="0"/>
+    <cs:effectRef idx="0"/>
+    <cs:fontRef idx="minor">
+      <a:schemeClr val="tx1"/>
+    </cs:fontRef>
+    <cs:spPr>
+      <a:ln w="9525" cap="flat" cmpd="sng" algn="ctr">
+        <a:solidFill>
+          <a:schemeClr val="tx1">
+            <a:lumMod val="35000"/>
+            <a:lumOff val="65000"/>
+          </a:schemeClr>
+        </a:solidFill>
+        <a:round/>
+      </a:ln>
+    </cs:spPr>
+  </cs:dropLine>
+  <cs:errorBar>
+    <cs:lnRef idx="0"/>
+    <cs:fillRef idx="0"/>
+    <cs:effectRef idx="0"/>
+    <cs:fontRef idx="minor">
+      <a:schemeClr val="tx1"/>
+    </cs:fontRef>
+    <cs:spPr>
+      <a:ln w="9525" cap="flat" cmpd="sng" algn="ctr">
+        <a:solidFill>
+          <a:schemeClr val="tx1">
+            <a:lumMod val="65000"/>
+            <a:lumOff val="35000"/>
+          </a:schemeClr>
+        </a:solidFill>
+        <a:round/>
+      </a:ln>
+    </cs:spPr>
+  </cs:errorBar>
+  <cs:floor>
+    <cs:lnRef idx="0"/>
+    <cs:fillRef idx="0"/>
+    <cs:effectRef idx="0"/>
+    <cs:fontRef idx="minor">
+      <a:schemeClr val="tx1"/>
+    </cs:fontRef>
+    <cs:spPr>
+      <a:noFill/>
+      <a:ln>
+        <a:noFill/>
+      </a:ln>
+    </cs:spPr>
+  </cs:floor>
+  <cs:gridlineMajor>
+    <cs:lnRef idx="0"/>
+    <cs:fillRef idx="0"/>
+    <cs:effectRef idx="0"/>
+    <cs:fontRef idx="minor">
+      <a:schemeClr val="tx1"/>
+    </cs:fontRef>
+    <cs:spPr>
+      <a:ln w="9525" cap="flat" cmpd="sng" algn="ctr">
+        <a:solidFill>
+          <a:schemeClr val="tx1">
+            <a:lumMod val="15000"/>
+            <a:lumOff val="85000"/>
+          </a:schemeClr>
+        </a:solidFill>
+        <a:round/>
+      </a:ln>
+    </cs:spPr>
+  </cs:gridlineMajor>
+  <cs:gridlineMinor>
+    <cs:lnRef idx="0"/>
+    <cs:fillRef idx="0"/>
+    <cs:effectRef idx="0"/>
+    <cs:fontRef idx="minor">
+      <a:schemeClr val="tx1"/>
+    </cs:fontRef>
+    <cs:spPr>
+      <a:ln w="9525" cap="flat" cmpd="sng" algn="ctr">
+        <a:solidFill>
+          <a:schemeClr val="tx1">
+            <a:lumMod val="5000"/>
+            <a:lumOff val="95000"/>
+          </a:schemeClr>
+        </a:solidFill>
+        <a:round/>
+      </a:ln>
+    </cs:spPr>
+  </cs:gridlineMinor>
+  <cs:hiLoLine>
+    <cs:lnRef idx="0"/>
+    <cs:fillRef idx="0"/>
+    <cs:effectRef idx="0"/>
+    <cs:fontRef idx="minor">
+      <a:schemeClr val="tx1"/>
+    </cs:fontRef>
+    <cs:spPr>
+      <a:ln w="9525" cap="flat" cmpd="sng" algn="ctr">
+        <a:solidFill>
+          <a:schemeClr val="tx1">
+            <a:lumMod val="75000"/>
+            <a:lumOff val="25000"/>
+          </a:schemeClr>
+        </a:solidFill>
+        <a:round/>
+      </a:ln>
+    </cs:spPr>
+  </cs:hiLoLine>
+  <cs:leaderLine>
+    <cs:lnRef idx="0"/>
+    <cs:fillRef idx="0"/>
+    <cs:effectRef idx="0"/>
+    <cs:fontRef idx="minor">
+      <a:schemeClr val="tx1"/>
+    </cs:fontRef>
+    <cs:spPr>
+      <a:ln w="9525" cap="flat" cmpd="sng" algn="ctr">
+        <a:solidFill>
+          <a:schemeClr val="tx1">
+            <a:lumMod val="35000"/>
+            <a:lumOff val="65000"/>
+          </a:schemeClr>
+        </a:solidFill>
+        <a:round/>
+      </a:ln>
+    </cs:spPr>
+  </cs:leaderLine>
+  <cs:legend>
+    <cs:lnRef idx="0"/>
+    <cs:fillRef idx="0"/>
+    <cs:effectRef idx="0"/>
+    <cs:fontRef idx="minor">
+      <a:schemeClr val="tx1">
+        <a:lumMod val="65000"/>
+        <a:lumOff val="35000"/>
+      </a:schemeClr>
+    </cs:fontRef>
+    <cs:defRPr sz="1197" kern="1200"/>
+  </cs:legend>
+  <cs:plotArea mods="allowNoFillOverride allowNoLineOverride">
+    <cs:lnRef idx="0"/>
+    <cs:fillRef idx="0"/>
+    <cs:effectRef idx="0"/>
+    <cs:fontRef idx="minor">
+      <a:schemeClr val="tx1"/>
+    </cs:fontRef>
+  </cs:plotArea>
+  <cs:plotArea3D mods="allowNoFillOverride allowNoLineOverride">
+    <cs:lnRef idx="0"/>
+    <cs:fillRef idx="0"/>
+    <cs:effectRef idx="0"/>
+    <cs:fontRef idx="minor">
+      <a:schemeClr val="tx1"/>
+    </cs:fontRef>
+  </cs:plotArea3D>
+  <cs:seriesAxis>
+    <cs:lnRef idx="0"/>
+    <cs:fillRef idx="0"/>
+    <cs:effectRef idx="0"/>
+    <cs:fontRef idx="minor">
+      <a:schemeClr val="tx1">
+        <a:lumMod val="65000"/>
+        <a:lumOff val="35000"/>
+      </a:schemeClr>
+    </cs:fontRef>
+    <cs:defRPr sz="1197" kern="1200"/>
+  </cs:seriesAxis>
+  <cs:seriesLine>
+    <cs:lnRef idx="0"/>
+    <cs:fillRef idx="0"/>
+    <cs:effectRef idx="0"/>
+    <cs:fontRef idx="minor">
+      <a:schemeClr val="tx1"/>
+    </cs:fontRef>
+    <cs:spPr>
+      <a:ln w="9525" cap="flat" cmpd="sng" algn="ctr">
+        <a:solidFill>
+          <a:schemeClr val="tx1">
+            <a:lumMod val="35000"/>
+            <a:lumOff val="65000"/>
+          </a:schemeClr>
+        </a:solidFill>
+        <a:round/>
+      </a:ln>
+    </cs:spPr>
+  </cs:seriesLine>
+  <cs:title>
+    <cs:lnRef idx="0"/>
+    <cs:fillRef idx="0"/>
+    <cs:effectRef idx="0"/>
+    <cs:fontRef idx="minor">
+      <a:schemeClr val="tx1">
+        <a:lumMod val="65000"/>
+        <a:lumOff val="35000"/>
+      </a:schemeClr>
+    </cs:fontRef>
+    <cs:defRPr sz="1862" b="0" kern="1200" spc="0" baseline="0"/>
+  </cs:title>
+  <cs:trendline>
+    <cs:lnRef idx="0">
+      <cs:styleClr val="auto"/>
+    </cs:lnRef>
+    <cs:fillRef idx="0"/>
+    <cs:effectRef idx="0"/>
+    <cs:fontRef idx="minor">
+      <a:schemeClr val="tx1"/>
+    </cs:fontRef>
+    <cs:spPr>
+      <a:ln w="19050" cap="rnd">
+        <a:solidFill>
+          <a:schemeClr val="phClr"/>
+        </a:solidFill>
+        <a:prstDash val="sysDot"/>
+      </a:ln>
+    </cs:spPr>
+  </cs:trendline>
+  <cs:trendlineLabel>
+    <cs:lnRef idx="0"/>
+    <cs:fillRef idx="0"/>
+    <cs:effectRef idx="0"/>
+    <cs:fontRef idx="minor">
+      <a:schemeClr val="tx1">
+        <a:lumMod val="65000"/>
+        <a:lumOff val="35000"/>
+      </a:schemeClr>
+    </cs:fontRef>
+    <cs:defRPr sz="1197" kern="1200"/>
+  </cs:trendlineLabel>
+  <cs:upBar>
+    <cs:lnRef idx="0"/>
+    <cs:fillRef idx="0"/>
+    <cs:effectRef idx="0"/>
+    <cs:fontRef idx="minor">
+      <a:schemeClr val="dk1"/>
+    </cs:fontRef>
+    <cs:spPr>
+      <a:solidFill>
+        <a:schemeClr val="lt1"/>
+      </a:solidFill>
+      <a:ln w="9525">
+        <a:solidFill>
+          <a:schemeClr val="tx1">
+            <a:lumMod val="15000"/>
+            <a:lumOff val="85000"/>
+          </a:schemeClr>
+        </a:solidFill>
+      </a:ln>
+    </cs:spPr>
+  </cs:upBar>
+  <cs:valueAxis>
+    <cs:lnRef idx="0"/>
+    <cs:fillRef idx="0"/>
+    <cs:effectRef idx="0"/>
+    <cs:fontRef idx="minor">
+      <a:schemeClr val="tx1">
+        <a:lumMod val="65000"/>
+        <a:lumOff val="35000"/>
+      </a:schemeClr>
+    </cs:fontRef>
+    <cs:defRPr sz="1197" kern="1200"/>
+  </cs:valueAxis>
+  <cs:wall>
+    <cs:lnRef idx="0"/>
+    <cs:fillRef idx="0"/>
+    <cs:effectRef idx="0"/>
+    <cs:fontRef idx="minor">
+      <a:schemeClr val="tx1"/>
+    </cs:fontRef>
+    <cs:spPr>
+      <a:noFill/>
+      <a:ln>
+        <a:noFill/>
+      </a:ln>
+    </cs:spPr>
+  </cs:wall>
+</cs:chartStyle>
+</file>
+
+<file path=ppt/charts/style2.xml><?xml version="1.0" encoding="utf-8"?>
+<cs:chartStyle xmlns:cs="http://schemas.microsoft.com/office/drawing/2012/chartStyle" xmlns:a="http://schemas.openxmlformats.org/drawingml/2006/main" id="201">
+  <cs:axisTitle>
+    <cs:lnRef idx="0"/>
+    <cs:fillRef idx="0"/>
+    <cs:effectRef idx="0"/>
+    <cs:fontRef idx="minor">
+      <a:schemeClr val="tx1">
+        <a:lumMod val="65000"/>
+        <a:lumOff val="35000"/>
+      </a:schemeClr>
+    </cs:fontRef>
+    <cs:defRPr sz="1330" kern="1200"/>
+  </cs:axisTitle>
+  <cs:categoryAxis>
+    <cs:lnRef idx="0"/>
+    <cs:fillRef idx="0"/>
+    <cs:effectRef idx="0"/>
+    <cs:fontRef idx="minor">
+      <a:schemeClr val="tx1">
+        <a:lumMod val="65000"/>
+        <a:lumOff val="35000"/>
+      </a:schemeClr>
+    </cs:fontRef>
+    <cs:spPr>
+      <a:ln w="9525" cap="flat" cmpd="sng" algn="ctr">
+        <a:solidFill>
+          <a:schemeClr val="tx1">
+            <a:lumMod val="15000"/>
+            <a:lumOff val="85000"/>
+          </a:schemeClr>
+        </a:solidFill>
+        <a:round/>
+      </a:ln>
+    </cs:spPr>
+    <cs:defRPr sz="1197" kern="1200"/>
+  </cs:categoryAxis>
+  <cs:chartArea mods="allowNoFillOverride allowNoLineOverride">
+    <cs:lnRef idx="0"/>
+    <cs:fillRef idx="0"/>
+    <cs:effectRef idx="0"/>
+    <cs:fontRef idx="minor">
+      <a:schemeClr val="tx1"/>
+    </cs:fontRef>
+    <cs:spPr>
+      <a:solidFill>
+        <a:schemeClr val="bg1"/>
+      </a:solidFill>
+      <a:ln w="9525" cap="flat" cmpd="sng" algn="ctr">
+        <a:solidFill>
+          <a:schemeClr val="tx1">
+            <a:lumMod val="15000"/>
+            <a:lumOff val="85000"/>
+          </a:schemeClr>
+        </a:solidFill>
+        <a:round/>
+      </a:ln>
+    </cs:spPr>
+    <cs:defRPr sz="1330" kern="1200"/>
+  </cs:chartArea>
+  <cs:dataLabel>
+    <cs:lnRef idx="0"/>
+    <cs:fillRef idx="0"/>
+    <cs:effectRef idx="0"/>
+    <cs:fontRef idx="minor">
+      <a:schemeClr val="tx1">
+        <a:lumMod val="75000"/>
+        <a:lumOff val="25000"/>
+      </a:schemeClr>
+    </cs:fontRef>
+    <cs:defRPr sz="1197" kern="1200"/>
+  </cs:dataLabel>
+  <cs:dataLabelCallout>
+    <cs:lnRef idx="0"/>
+    <cs:fillRef idx="0"/>
+    <cs:effectRef idx="0"/>
+    <cs:fontRef idx="minor">
+      <a:schemeClr val="dk1">
+        <a:lumMod val="65000"/>
+        <a:lumOff val="35000"/>
+      </a:schemeClr>
+    </cs:fontRef>
+    <cs:spPr>
+      <a:solidFill>
+        <a:schemeClr val="lt1"/>
+      </a:solidFill>
+      <a:ln>
+        <a:solidFill>
+          <a:schemeClr val="dk1">
+            <a:lumMod val="25000"/>
+            <a:lumOff val="75000"/>
+          </a:schemeClr>
+        </a:solidFill>
+      </a:ln>
+    </cs:spPr>
+    <cs:defRPr sz="1197" kern="1200"/>
+    <cs:bodyPr rot="0" spcFirstLastPara="1" vertOverflow="clip" horzOverflow="clip" vert="horz" wrap="square" lIns="36576" tIns="18288" rIns="36576" bIns="18288" anchor="ctr" anchorCtr="1">
+      <a:spAutoFit/>
+    </cs:bodyPr>
+  </cs:dataLabelCallout>
+  <cs:dataPoint>
+    <cs:lnRef idx="0"/>
+    <cs:fillRef idx="1">
+      <cs:styleClr val="auto"/>
+    </cs:fillRef>
+    <cs:effectRef idx="0"/>
+    <cs:fontRef idx="minor">
+      <a:schemeClr val="tx1"/>
+    </cs:fontRef>
+  </cs:dataPoint>
+  <cs:dataPoint3D>
+    <cs:lnRef idx="0"/>
+    <cs:fillRef idx="1">
+      <cs:styleClr val="auto"/>
+    </cs:fillRef>
+    <cs:effectRef idx="0"/>
+    <cs:fontRef idx="minor">
+      <a:schemeClr val="tx1"/>
+    </cs:fontRef>
+  </cs:dataPoint3D>
+  <cs:dataPointLine>
+    <cs:lnRef idx="0">
+      <cs:styleClr val="auto"/>
+    </cs:lnRef>
+    <cs:fillRef idx="1"/>
+    <cs:effectRef idx="0"/>
+    <cs:fontRef idx="minor">
+      <a:schemeClr val="tx1"/>
+    </cs:fontRef>
+    <cs:spPr>
+      <a:ln w="28575" cap="rnd">
+        <a:solidFill>
+          <a:schemeClr val="phClr"/>
+        </a:solidFill>
+        <a:round/>
+      </a:ln>
+    </cs:spPr>
+  </cs:dataPointLine>
+  <cs:dataPointMarker>
+    <cs:lnRef idx="0">
+      <cs:styleClr val="auto"/>
+    </cs:lnRef>
+    <cs:fillRef idx="1">
+      <cs:styleClr val="auto"/>
+    </cs:fillRef>
+    <cs:effectRef idx="0"/>
+    <cs:fontRef idx="minor">
+      <a:schemeClr val="tx1"/>
+    </cs:fontRef>
+    <cs:spPr>
+      <a:ln w="9525">
+        <a:solidFill>
+          <a:schemeClr val="phClr"/>
+        </a:solidFill>
+      </a:ln>
+    </cs:spPr>
+  </cs:dataPointMarker>
+  <cs:dataPointMarkerLayout symbol="circle" size="5"/>
+  <cs:dataPointWireframe>
+    <cs:lnRef idx="0">
+      <cs:styleClr val="auto"/>
+    </cs:lnRef>
+    <cs:fillRef idx="1"/>
+    <cs:effectRef idx="0"/>
+    <cs:fontRef idx="minor">
+      <a:schemeClr val="tx1"/>
+    </cs:fontRef>
+    <cs:spPr>
+      <a:ln w="9525" cap="rnd">
+        <a:solidFill>
+          <a:schemeClr val="phClr"/>
+        </a:solidFill>
+        <a:round/>
+      </a:ln>
+    </cs:spPr>
+  </cs:dataPointWireframe>
+  <cs:dataTable>
+    <cs:lnRef idx="0"/>
+    <cs:fillRef idx="0"/>
+    <cs:effectRef idx="0"/>
+    <cs:fontRef idx="minor">
+      <a:schemeClr val="tx1">
+        <a:lumMod val="65000"/>
+        <a:lumOff val="35000"/>
+      </a:schemeClr>
+    </cs:fontRef>
+    <cs:spPr>
+      <a:noFill/>
+      <a:ln w="9525" cap="flat" cmpd="sng" algn="ctr">
+        <a:solidFill>
+          <a:schemeClr val="tx1">
+            <a:lumMod val="15000"/>
+            <a:lumOff val="85000"/>
+          </a:schemeClr>
+        </a:solidFill>
+        <a:round/>
+      </a:ln>
+    </cs:spPr>
+    <cs:defRPr sz="1197" kern="1200"/>
+  </cs:dataTable>
+  <cs:downBar>
+    <cs:lnRef idx="0"/>
+    <cs:fillRef idx="0"/>
+    <cs:effectRef idx="0"/>
+    <cs:fontRef idx="minor">
+      <a:schemeClr val="dk1"/>
+    </cs:fontRef>
+    <cs:spPr>
+      <a:solidFill>
+        <a:schemeClr val="dk1">
+          <a:lumMod val="65000"/>
+          <a:lumOff val="35000"/>
+        </a:schemeClr>
+      </a:solidFill>
+      <a:ln w="9525">
+        <a:solidFill>
+          <a:schemeClr val="tx1">
+            <a:lumMod val="65000"/>
+            <a:lumOff val="35000"/>
+          </a:schemeClr>
+        </a:solidFill>
+      </a:ln>
+    </cs:spPr>
+  </cs:downBar>
+  <cs:dropLine>
+    <cs:lnRef idx="0"/>
+    <cs:fillRef idx="0"/>
+    <cs:effectRef idx="0"/>
+    <cs:fontRef idx="minor">
+      <a:schemeClr val="tx1"/>
+    </cs:fontRef>
+    <cs:spPr>
+      <a:ln w="9525" cap="flat" cmpd="sng" algn="ctr">
+        <a:solidFill>
+          <a:schemeClr val="tx1">
+            <a:lumMod val="35000"/>
+            <a:lumOff val="65000"/>
+          </a:schemeClr>
+        </a:solidFill>
+        <a:round/>
+      </a:ln>
+    </cs:spPr>
+  </cs:dropLine>
+  <cs:errorBar>
+    <cs:lnRef idx="0"/>
+    <cs:fillRef idx="0"/>
+    <cs:effectRef idx="0"/>
+    <cs:fontRef idx="minor">
+      <a:schemeClr val="tx1"/>
+    </cs:fontRef>
+    <cs:spPr>
+      <a:ln w="9525" cap="flat" cmpd="sng" algn="ctr">
+        <a:solidFill>
+          <a:schemeClr val="tx1">
+            <a:lumMod val="65000"/>
+            <a:lumOff val="35000"/>
+          </a:schemeClr>
+        </a:solidFill>
+        <a:round/>
+      </a:ln>
+    </cs:spPr>
+  </cs:errorBar>
+  <cs:floor>
+    <cs:lnRef idx="0"/>
+    <cs:fillRef idx="0"/>
+    <cs:effectRef idx="0"/>
+    <cs:fontRef idx="minor">
+      <a:schemeClr val="tx1"/>
+    </cs:fontRef>
+    <cs:spPr>
+      <a:noFill/>
+      <a:ln>
+        <a:noFill/>
+      </a:ln>
+    </cs:spPr>
+  </cs:floor>
+  <cs:gridlineMajor>
+    <cs:lnRef idx="0"/>
+    <cs:fillRef idx="0"/>
+    <cs:effectRef idx="0"/>
+    <cs:fontRef idx="minor">
+      <a:schemeClr val="tx1"/>
+    </cs:fontRef>
+    <cs:spPr>
+      <a:ln w="9525" cap="flat" cmpd="sng" algn="ctr">
+        <a:solidFill>
+          <a:schemeClr val="tx1">
+            <a:lumMod val="15000"/>
+            <a:lumOff val="85000"/>
+          </a:schemeClr>
+        </a:solidFill>
+        <a:round/>
+      </a:ln>
+    </cs:spPr>
+  </cs:gridlineMajor>
+  <cs:gridlineMinor>
+    <cs:lnRef idx="0"/>
+    <cs:fillRef idx="0"/>
+    <cs:effectRef idx="0"/>
+    <cs:fontRef idx="minor">
+      <a:schemeClr val="tx1"/>
+    </cs:fontRef>
+    <cs:spPr>
+      <a:ln w="9525" cap="flat" cmpd="sng" algn="ctr">
+        <a:solidFill>
+          <a:schemeClr val="tx1">
+            <a:lumMod val="5000"/>
+            <a:lumOff val="95000"/>
+          </a:schemeClr>
+        </a:solidFill>
+        <a:round/>
+      </a:ln>
+    </cs:spPr>
+  </cs:gridlineMinor>
+  <cs:hiLoLine>
+    <cs:lnRef idx="0"/>
+    <cs:fillRef idx="0"/>
+    <cs:effectRef idx="0"/>
+    <cs:fontRef idx="minor">
+      <a:schemeClr val="tx1"/>
+    </cs:fontRef>
+    <cs:spPr>
+      <a:ln w="9525" cap="flat" cmpd="sng" algn="ctr">
+        <a:solidFill>
+          <a:schemeClr val="tx1">
+            <a:lumMod val="75000"/>
+            <a:lumOff val="25000"/>
+          </a:schemeClr>
+        </a:solidFill>
+        <a:round/>
+      </a:ln>
+    </cs:spPr>
+  </cs:hiLoLine>
+  <cs:leaderLine>
+    <cs:lnRef idx="0"/>
+    <cs:fillRef idx="0"/>
+    <cs:effectRef idx="0"/>
+    <cs:fontRef idx="minor">
+      <a:schemeClr val="tx1"/>
+    </cs:fontRef>
+    <cs:spPr>
+      <a:ln w="9525" cap="flat" cmpd="sng" algn="ctr">
+        <a:solidFill>
+          <a:schemeClr val="tx1">
+            <a:lumMod val="35000"/>
+            <a:lumOff val="65000"/>
+          </a:schemeClr>
+        </a:solidFill>
+        <a:round/>
+      </a:ln>
+    </cs:spPr>
+  </cs:leaderLine>
+  <cs:legend>
+    <cs:lnRef idx="0"/>
+    <cs:fillRef idx="0"/>
+    <cs:effectRef idx="0"/>
+    <cs:fontRef idx="minor">
+      <a:schemeClr val="tx1">
+        <a:lumMod val="65000"/>
+        <a:lumOff val="35000"/>
+      </a:schemeClr>
+    </cs:fontRef>
+    <cs:defRPr sz="1197" kern="1200"/>
+  </cs:legend>
+  <cs:plotArea mods="allowNoFillOverride allowNoLineOverride">
+    <cs:lnRef idx="0"/>
+    <cs:fillRef idx="0"/>
+    <cs:effectRef idx="0"/>
+    <cs:fontRef idx="minor">
+      <a:schemeClr val="tx1"/>
+    </cs:fontRef>
+  </cs:plotArea>
+  <cs:plotArea3D mods="allowNoFillOverride allowNoLineOverride">
+    <cs:lnRef idx="0"/>
+    <cs:fillRef idx="0"/>
+    <cs:effectRef idx="0"/>
+    <cs:fontRef idx="minor">
+      <a:schemeClr val="tx1"/>
+    </cs:fontRef>
+  </cs:plotArea3D>
+  <cs:seriesAxis>
+    <cs:lnRef idx="0"/>
+    <cs:fillRef idx="0"/>
+    <cs:effectRef idx="0"/>
+    <cs:fontRef idx="minor">
+      <a:schemeClr val="tx1">
+        <a:lumMod val="65000"/>
+        <a:lumOff val="35000"/>
+      </a:schemeClr>
+    </cs:fontRef>
+    <cs:defRPr sz="1197" kern="1200"/>
+  </cs:seriesAxis>
+  <cs:seriesLine>
+    <cs:lnRef idx="0"/>
+    <cs:fillRef idx="0"/>
+    <cs:effectRef idx="0"/>
+    <cs:fontRef idx="minor">
+      <a:schemeClr val="tx1"/>
+    </cs:fontRef>
+    <cs:spPr>
+      <a:ln w="9525" cap="flat" cmpd="sng" algn="ctr">
+        <a:solidFill>
+          <a:schemeClr val="tx1">
+            <a:lumMod val="35000"/>
+            <a:lumOff val="65000"/>
+          </a:schemeClr>
+        </a:solidFill>
+        <a:round/>
+      </a:ln>
+    </cs:spPr>
+  </cs:seriesLine>
+  <cs:title>
+    <cs:lnRef idx="0"/>
+    <cs:fillRef idx="0"/>
+    <cs:effectRef idx="0"/>
+    <cs:fontRef idx="minor">
+      <a:schemeClr val="tx1">
+        <a:lumMod val="65000"/>
+        <a:lumOff val="35000"/>
+      </a:schemeClr>
+    </cs:fontRef>
+    <cs:defRPr sz="1862" b="0" kern="1200" spc="0" baseline="0"/>
+  </cs:title>
+  <cs:trendline>
+    <cs:lnRef idx="0">
+      <cs:styleClr val="auto"/>
+    </cs:lnRef>
+    <cs:fillRef idx="0"/>
+    <cs:effectRef idx="0"/>
+    <cs:fontRef idx="minor">
+      <a:schemeClr val="tx1"/>
+    </cs:fontRef>
+    <cs:spPr>
+      <a:ln w="19050" cap="rnd">
+        <a:solidFill>
+          <a:schemeClr val="phClr"/>
+        </a:solidFill>
+        <a:prstDash val="sysDot"/>
+      </a:ln>
+    </cs:spPr>
+  </cs:trendline>
+  <cs:trendlineLabel>
+    <cs:lnRef idx="0"/>
+    <cs:fillRef idx="0"/>
+    <cs:effectRef idx="0"/>
+    <cs:fontRef idx="minor">
+      <a:schemeClr val="tx1">
+        <a:lumMod val="65000"/>
+        <a:lumOff val="35000"/>
+      </a:schemeClr>
+    </cs:fontRef>
+    <cs:defRPr sz="1197" kern="1200"/>
+  </cs:trendlineLabel>
+  <cs:upBar>
+    <cs:lnRef idx="0"/>
+    <cs:fillRef idx="0"/>
+    <cs:effectRef idx="0"/>
+    <cs:fontRef idx="minor">
+      <a:schemeClr val="dk1"/>
+    </cs:fontRef>
+    <cs:spPr>
+      <a:solidFill>
+        <a:schemeClr val="lt1"/>
+      </a:solidFill>
+      <a:ln w="9525">
+        <a:solidFill>
+          <a:schemeClr val="tx1">
+            <a:lumMod val="15000"/>
+            <a:lumOff val="85000"/>
+          </a:schemeClr>
+        </a:solidFill>
+      </a:ln>
+    </cs:spPr>
+  </cs:upBar>
+  <cs:valueAxis>
+    <cs:lnRef idx="0"/>
+    <cs:fillRef idx="0"/>
+    <cs:effectRef idx="0"/>
+    <cs:fontRef idx="minor">
+      <a:schemeClr val="tx1">
+        <a:lumMod val="65000"/>
+        <a:lumOff val="35000"/>
+      </a:schemeClr>
+    </cs:fontRef>
+    <cs:defRPr sz="1197" kern="1200"/>
+  </cs:valueAxis>
+  <cs:wall>
+    <cs:lnRef idx="0"/>
+    <cs:fillRef idx="0"/>
+    <cs:effectRef idx="0"/>
+    <cs:fontRef idx="minor">
+      <a:schemeClr val="tx1"/>
+    </cs:fontRef>
+    <cs:spPr>
+      <a:noFill/>
+      <a:ln>
+        <a:noFill/>
+      </a:ln>
+    </cs:spPr>
+  </cs:wall>
+</cs:chartStyle>
 </file>
 
 <file path=ppt/handoutMasters/handoutMaster1.xml><?xml version="1.0" encoding="utf-8"?>
@@ -9675,621 +10971,6 @@
           <a:chExt cx="0" cy="0"/>
         </a:xfrm>
       </p:grpSpPr>
-      <p:graphicFrame>
-        <p:nvGraphicFramePr>
-          <p:cNvPr id="7" name="Inhaltsplatzhalter 6"/>
-          <p:cNvGraphicFramePr>
-            <a:graphicFrameLocks noGrp="1"/>
-          </p:cNvGraphicFramePr>
-          <p:nvPr>
-            <p:ph idx="1"/>
-          </p:nvPr>
-        </p:nvGraphicFramePr>
-        <p:xfrm>
-          <a:off x="319088" y="2498725"/>
-          <a:ext cx="8509507" cy="2119200"/>
-        </p:xfrm>
-        <a:graphic>
-          <a:graphicData uri="http://schemas.openxmlformats.org/drawingml/2006/table">
-            <a:tbl>
-              <a:tblPr bandRow="1">
-                <a:tableStyleId>{5940675A-B579-460E-94D1-54222C63F5DA}</a:tableStyleId>
-              </a:tblPr>
-              <a:tblGrid>
-                <a:gridCol w="3493889">
-                  <a:extLst>
-                    <a:ext uri="{9D8B030D-6E8A-4147-A177-3AD203B41FA5}">
-                      <a16:colId xmlns:a16="http://schemas.microsoft.com/office/drawing/2014/main" val="20000"/>
-                    </a:ext>
-                  </a:extLst>
-                </a:gridCol>
-                <a:gridCol w="5015618">
-                  <a:extLst>
-                    <a:ext uri="{9D8B030D-6E8A-4147-A177-3AD203B41FA5}">
-                      <a16:colId xmlns:a16="http://schemas.microsoft.com/office/drawing/2014/main" val="20001"/>
-                    </a:ext>
-                  </a:extLst>
-                </a:gridCol>
-              </a:tblGrid>
-              <a:tr h="423840">
-                <a:tc>
-                  <a:txBody>
-                    <a:bodyPr/>
-                    <a:lstStyle/>
-                    <a:p>
-                      <a:pPr marL="0" marR="0" indent="0" algn="l" defTabSz="914400" rtl="0" eaLnBrk="1" fontAlgn="auto" latinLnBrk="0" hangingPunct="1">
-                        <a:lnSpc>
-                          <a:spcPct val="100000"/>
-                        </a:lnSpc>
-                        <a:spcBef>
-                          <a:spcPts val="0"/>
-                        </a:spcBef>
-                        <a:spcAft>
-                          <a:spcPts val="0"/>
-                        </a:spcAft>
-                        <a:buClrTx/>
-                        <a:buSzTx/>
-                        <a:buFontTx/>
-                        <a:buNone/>
-                        <a:tabLst/>
-                        <a:defRPr/>
-                      </a:pPr>
-                      <a:r>
-                        <a:rPr lang="de-DE" sz="1600" dirty="0"/>
-                        <a:t>Ø - Strecke</a:t>
-                      </a:r>
-                      <a:endParaRPr lang="de-DE" sz="1600" dirty="0">
-                        <a:latin typeface="+mn-lt"/>
-                      </a:endParaRPr>
-                    </a:p>
-                  </a:txBody>
-                  <a:tcPr marL="0" marR="0" marT="180000" marB="0" anchor="ctr">
-                    <a:lnL w="12700" cmpd="sng">
-                      <a:noFill/>
-                    </a:lnL>
-                    <a:lnR w="12700" cmpd="sng">
-                      <a:noFill/>
-                    </a:lnR>
-                    <a:lnT w="12700" cmpd="sng">
-                      <a:noFill/>
-                    </a:lnT>
-                    <a:lnB w="12700" cmpd="sng">
-                      <a:noFill/>
-                    </a:lnB>
-                    <a:lnTlToBr w="12700" cmpd="sng">
-                      <a:noFill/>
-                      <a:prstDash val="solid"/>
-                    </a:lnTlToBr>
-                    <a:lnBlToTr w="12700" cmpd="sng">
-                      <a:noFill/>
-                      <a:prstDash val="solid"/>
-                    </a:lnBlToTr>
-                  </a:tcPr>
-                </a:tc>
-                <a:tc>
-                  <a:txBody>
-                    <a:bodyPr/>
-                    <a:lstStyle/>
-                    <a:p>
-                      <a:pPr marL="0" marR="0" indent="0" algn="l" defTabSz="914400" rtl="0" eaLnBrk="1" fontAlgn="auto" latinLnBrk="0" hangingPunct="1">
-                        <a:lnSpc>
-                          <a:spcPct val="100000"/>
-                        </a:lnSpc>
-                        <a:spcBef>
-                          <a:spcPts val="0"/>
-                        </a:spcBef>
-                        <a:spcAft>
-                          <a:spcPts val="0"/>
-                        </a:spcAft>
-                        <a:buClrTx/>
-                        <a:buSzTx/>
-                        <a:buFontTx/>
-                        <a:buNone/>
-                        <a:tabLst/>
-                        <a:defRPr/>
-                      </a:pPr>
-                      <a:r>
-                        <a:rPr lang="de-DE" sz="1600" dirty="0"/>
-                        <a:t>39 km/Tag (14.360 km/Jahr)</a:t>
-                      </a:r>
-                      <a:endParaRPr lang="de-DE" sz="1600" dirty="0">
-                        <a:latin typeface="+mn-lt"/>
-                      </a:endParaRPr>
-                    </a:p>
-                  </a:txBody>
-                  <a:tcPr marL="0" marR="0" marT="180000" marB="0" anchor="ctr">
-                    <a:lnL w="12700" cmpd="sng">
-                      <a:noFill/>
-                    </a:lnL>
-                    <a:lnR w="12700" cmpd="sng">
-                      <a:noFill/>
-                    </a:lnR>
-                    <a:lnT w="12700" cmpd="sng">
-                      <a:noFill/>
-                    </a:lnT>
-                    <a:lnB w="12700" cmpd="sng">
-                      <a:noFill/>
-                    </a:lnB>
-                    <a:lnTlToBr w="12700" cmpd="sng">
-                      <a:noFill/>
-                      <a:prstDash val="solid"/>
-                    </a:lnTlToBr>
-                    <a:lnBlToTr w="12700" cmpd="sng">
-                      <a:noFill/>
-                      <a:prstDash val="solid"/>
-                    </a:lnBlToTr>
-                  </a:tcPr>
-                </a:tc>
-                <a:extLst>
-                  <a:ext uri="{0D108BD9-81ED-4DB2-BD59-A6C34878D82A}">
-                    <a16:rowId xmlns:a16="http://schemas.microsoft.com/office/drawing/2014/main" val="10000"/>
-                  </a:ext>
-                </a:extLst>
-              </a:tr>
-              <a:tr h="423840">
-                <a:tc>
-                  <a:txBody>
-                    <a:bodyPr/>
-                    <a:lstStyle/>
-                    <a:p>
-                      <a:pPr marL="0" marR="0" lvl="0" indent="0" algn="l" defTabSz="914400" rtl="0" eaLnBrk="1" fontAlgn="auto" latinLnBrk="0" hangingPunct="1">
-                        <a:lnSpc>
-                          <a:spcPct val="100000"/>
-                        </a:lnSpc>
-                        <a:spcBef>
-                          <a:spcPts val="0"/>
-                        </a:spcBef>
-                        <a:spcAft>
-                          <a:spcPts val="0"/>
-                        </a:spcAft>
-                        <a:buClrTx/>
-                        <a:buSzTx/>
-                        <a:buFontTx/>
-                        <a:buNone/>
-                        <a:tabLst/>
-                        <a:defRPr/>
-                      </a:pPr>
-                      <a:r>
-                        <a:rPr lang="de-DE" sz="1600" dirty="0"/>
-                        <a:t>Ø - Geschwindigkeit</a:t>
-                      </a:r>
-                      <a:endParaRPr lang="de-DE" sz="1600" dirty="0">
-                        <a:latin typeface="+mn-lt"/>
-                      </a:endParaRPr>
-                    </a:p>
-                  </a:txBody>
-                  <a:tcPr marL="0" marR="0" marT="180000" marB="0" anchor="ctr">
-                    <a:lnL w="12700" cmpd="sng">
-                      <a:noFill/>
-                    </a:lnL>
-                    <a:lnR w="12700" cmpd="sng">
-                      <a:noFill/>
-                    </a:lnR>
-                    <a:lnT w="12700" cmpd="sng">
-                      <a:noFill/>
-                    </a:lnT>
-                    <a:lnB w="12700" cmpd="sng">
-                      <a:noFill/>
-                    </a:lnB>
-                    <a:lnTlToBr w="12700" cmpd="sng">
-                      <a:noFill/>
-                      <a:prstDash val="solid"/>
-                    </a:lnTlToBr>
-                    <a:lnBlToTr w="12700" cmpd="sng">
-                      <a:noFill/>
-                      <a:prstDash val="solid"/>
-                    </a:lnBlToTr>
-                  </a:tcPr>
-                </a:tc>
-                <a:tc>
-                  <a:txBody>
-                    <a:bodyPr/>
-                    <a:lstStyle/>
-                    <a:p>
-                      <a:pPr marL="0" marR="0" indent="0" algn="l" defTabSz="914400" rtl="0" eaLnBrk="1" fontAlgn="auto" latinLnBrk="0" hangingPunct="1">
-                        <a:lnSpc>
-                          <a:spcPct val="100000"/>
-                        </a:lnSpc>
-                        <a:spcBef>
-                          <a:spcPts val="0"/>
-                        </a:spcBef>
-                        <a:spcAft>
-                          <a:spcPts val="0"/>
-                        </a:spcAft>
-                        <a:buClrTx/>
-                        <a:buSzTx/>
-                        <a:buFontTx/>
-                        <a:buNone/>
-                        <a:tabLst/>
-                        <a:defRPr/>
-                      </a:pPr>
-                      <a:r>
-                        <a:rPr lang="de-DE" sz="1600" dirty="0"/>
-                        <a:t>25 km/h</a:t>
-                      </a:r>
-                      <a:endParaRPr lang="de-DE" sz="1600" dirty="0">
-                        <a:latin typeface="+mn-lt"/>
-                      </a:endParaRPr>
-                    </a:p>
-                  </a:txBody>
-                  <a:tcPr marL="0" marR="0" marT="180000" marB="0" anchor="ctr">
-                    <a:lnL w="12700" cmpd="sng">
-                      <a:noFill/>
-                    </a:lnL>
-                    <a:lnR w="12700" cmpd="sng">
-                      <a:noFill/>
-                    </a:lnR>
-                    <a:lnT w="12700" cmpd="sng">
-                      <a:noFill/>
-                    </a:lnT>
-                    <a:lnB w="12700" cmpd="sng">
-                      <a:noFill/>
-                    </a:lnB>
-                    <a:lnTlToBr w="12700" cmpd="sng">
-                      <a:noFill/>
-                      <a:prstDash val="solid"/>
-                    </a:lnTlToBr>
-                    <a:lnBlToTr w="12700" cmpd="sng">
-                      <a:noFill/>
-                      <a:prstDash val="solid"/>
-                    </a:lnBlToTr>
-                  </a:tcPr>
-                </a:tc>
-                <a:extLst>
-                  <a:ext uri="{0D108BD9-81ED-4DB2-BD59-A6C34878D82A}">
-                    <a16:rowId xmlns:a16="http://schemas.microsoft.com/office/drawing/2014/main" val="10001"/>
-                  </a:ext>
-                </a:extLst>
-              </a:tr>
-              <a:tr h="423840">
-                <a:tc>
-                  <a:txBody>
-                    <a:bodyPr/>
-                    <a:lstStyle/>
-                    <a:p>
-                      <a:pPr marL="0" marR="0" indent="0" algn="l" defTabSz="914400" rtl="0" eaLnBrk="1" fontAlgn="auto" latinLnBrk="0" hangingPunct="1">
-                        <a:lnSpc>
-                          <a:spcPct val="100000"/>
-                        </a:lnSpc>
-                        <a:spcBef>
-                          <a:spcPts val="0"/>
-                        </a:spcBef>
-                        <a:spcAft>
-                          <a:spcPts val="0"/>
-                        </a:spcAft>
-                        <a:buClrTx/>
-                        <a:buSzTx/>
-                        <a:buFontTx/>
-                        <a:buNone/>
-                        <a:tabLst/>
-                        <a:defRPr/>
-                      </a:pPr>
-                      <a:r>
-                        <a:rPr lang="de-DE" sz="1600" dirty="0"/>
-                        <a:t>Ø - Verfügbare Ladezeit</a:t>
-                      </a:r>
-                      <a:endParaRPr lang="de-DE" sz="1600" dirty="0">
-                        <a:latin typeface="+mn-lt"/>
-                      </a:endParaRPr>
-                    </a:p>
-                  </a:txBody>
-                  <a:tcPr marL="0" marR="0" marT="180000" marB="0" anchor="ctr">
-                    <a:lnL w="12700" cmpd="sng">
-                      <a:noFill/>
-                    </a:lnL>
-                    <a:lnR w="12700" cmpd="sng">
-                      <a:noFill/>
-                    </a:lnR>
-                    <a:lnT w="12700" cmpd="sng">
-                      <a:noFill/>
-                    </a:lnT>
-                    <a:lnB w="12700" cmpd="sng">
-                      <a:noFill/>
-                    </a:lnB>
-                    <a:lnTlToBr w="12700" cmpd="sng">
-                      <a:noFill/>
-                      <a:prstDash val="solid"/>
-                    </a:lnTlToBr>
-                    <a:lnBlToTr w="12700" cmpd="sng">
-                      <a:noFill/>
-                      <a:prstDash val="solid"/>
-                    </a:lnBlToTr>
-                  </a:tcPr>
-                </a:tc>
-                <a:tc>
-                  <a:txBody>
-                    <a:bodyPr/>
-                    <a:lstStyle/>
-                    <a:p>
-                      <a:pPr marL="0" marR="0" indent="0" algn="l" defTabSz="914400" rtl="0" eaLnBrk="1" fontAlgn="auto" latinLnBrk="0" hangingPunct="1">
-                        <a:lnSpc>
-                          <a:spcPct val="100000"/>
-                        </a:lnSpc>
-                        <a:spcBef>
-                          <a:spcPts val="0"/>
-                        </a:spcBef>
-                        <a:spcAft>
-                          <a:spcPts val="0"/>
-                        </a:spcAft>
-                        <a:buClrTx/>
-                        <a:buSzTx/>
-                        <a:buFontTx/>
-                        <a:buNone/>
-                        <a:tabLst/>
-                        <a:defRPr/>
-                      </a:pPr>
-                      <a:r>
-                        <a:rPr lang="de-DE" sz="1600" dirty="0"/>
-                        <a:t>22 h/Tag</a:t>
-                      </a:r>
-                      <a:endParaRPr lang="de-DE" sz="1600" dirty="0">
-                        <a:latin typeface="+mn-lt"/>
-                      </a:endParaRPr>
-                    </a:p>
-                  </a:txBody>
-                  <a:tcPr marL="0" marR="0" marT="180000" marB="0" anchor="ctr">
-                    <a:lnL w="12700" cmpd="sng">
-                      <a:noFill/>
-                    </a:lnL>
-                    <a:lnR w="12700" cmpd="sng">
-                      <a:noFill/>
-                    </a:lnR>
-                    <a:lnT w="12700" cmpd="sng">
-                      <a:noFill/>
-                    </a:lnT>
-                    <a:lnB w="12700" cmpd="sng">
-                      <a:noFill/>
-                    </a:lnB>
-                    <a:lnTlToBr w="12700" cmpd="sng">
-                      <a:noFill/>
-                      <a:prstDash val="solid"/>
-                    </a:lnTlToBr>
-                    <a:lnBlToTr w="12700" cmpd="sng">
-                      <a:noFill/>
-                      <a:prstDash val="solid"/>
-                    </a:lnBlToTr>
-                  </a:tcPr>
-                </a:tc>
-                <a:extLst>
-                  <a:ext uri="{0D108BD9-81ED-4DB2-BD59-A6C34878D82A}">
-                    <a16:rowId xmlns:a16="http://schemas.microsoft.com/office/drawing/2014/main" val="10002"/>
-                  </a:ext>
-                </a:extLst>
-              </a:tr>
-              <a:tr h="423840">
-                <a:tc>
-                  <a:txBody>
-                    <a:bodyPr/>
-                    <a:lstStyle/>
-                    <a:p>
-                      <a:pPr marL="0" marR="0" indent="0" algn="l" defTabSz="914400" rtl="0" eaLnBrk="1" fontAlgn="auto" latinLnBrk="0" hangingPunct="1">
-                        <a:lnSpc>
-                          <a:spcPct val="100000"/>
-                        </a:lnSpc>
-                        <a:spcBef>
-                          <a:spcPts val="0"/>
-                        </a:spcBef>
-                        <a:spcAft>
-                          <a:spcPts val="0"/>
-                        </a:spcAft>
-                        <a:buClrTx/>
-                        <a:buSzTx/>
-                        <a:buFontTx/>
-                        <a:buNone/>
-                        <a:tabLst/>
-                        <a:defRPr/>
-                      </a:pPr>
-                      <a:r>
-                        <a:rPr lang="de-DE" sz="1600" dirty="0"/>
-                        <a:t>Kosten</a:t>
-                      </a:r>
-                      <a:endParaRPr lang="de-DE" sz="1600" dirty="0">
-                        <a:latin typeface="+mn-lt"/>
-                      </a:endParaRPr>
-                    </a:p>
-                  </a:txBody>
-                  <a:tcPr marL="0" marR="0" marT="180000" marB="0" anchor="ctr">
-                    <a:lnL w="12700" cmpd="sng">
-                      <a:noFill/>
-                    </a:lnL>
-                    <a:lnR w="12700" cmpd="sng">
-                      <a:noFill/>
-                    </a:lnR>
-                    <a:lnT w="12700" cmpd="sng">
-                      <a:noFill/>
-                    </a:lnT>
-                    <a:lnB w="12700" cmpd="sng">
-                      <a:noFill/>
-                    </a:lnB>
-                    <a:lnTlToBr w="12700" cmpd="sng">
-                      <a:noFill/>
-                      <a:prstDash val="solid"/>
-                    </a:lnTlToBr>
-                    <a:lnBlToTr w="12700" cmpd="sng">
-                      <a:noFill/>
-                      <a:prstDash val="solid"/>
-                    </a:lnBlToTr>
-                  </a:tcPr>
-                </a:tc>
-                <a:tc>
-                  <a:txBody>
-                    <a:bodyPr/>
-                    <a:lstStyle/>
-                    <a:p>
-                      <a:pPr marL="0" marR="0" lvl="0" indent="0" algn="l" defTabSz="914400" rtl="0" eaLnBrk="1" fontAlgn="auto" latinLnBrk="0" hangingPunct="1">
-                        <a:lnSpc>
-                          <a:spcPct val="100000"/>
-                        </a:lnSpc>
-                        <a:spcBef>
-                          <a:spcPts val="0"/>
-                        </a:spcBef>
-                        <a:spcAft>
-                          <a:spcPts val="0"/>
-                        </a:spcAft>
-                        <a:buClrTx/>
-                        <a:buSzTx/>
-                        <a:buFontTx/>
-                        <a:buNone/>
-                        <a:tabLst/>
-                        <a:defRPr/>
-                      </a:pPr>
-                      <a:r>
-                        <a:rPr lang="de-DE" sz="1600" dirty="0"/>
-                        <a:t>Kleinwagen mit Verbrennungsmotor</a:t>
-                      </a:r>
-                      <a:endParaRPr lang="de-DE" sz="1600" dirty="0">
-                        <a:latin typeface="+mn-lt"/>
-                      </a:endParaRPr>
-                    </a:p>
-                  </a:txBody>
-                  <a:tcPr marL="0" marR="0" marT="180000" marB="0" anchor="ctr">
-                    <a:lnL w="12700" cmpd="sng">
-                      <a:noFill/>
-                    </a:lnL>
-                    <a:lnR w="12700" cmpd="sng">
-                      <a:noFill/>
-                    </a:lnR>
-                    <a:lnT w="12700" cmpd="sng">
-                      <a:noFill/>
-                    </a:lnT>
-                    <a:lnB w="12700" cmpd="sng">
-                      <a:noFill/>
-                    </a:lnB>
-                    <a:lnTlToBr w="12700" cmpd="sng">
-                      <a:noFill/>
-                      <a:prstDash val="solid"/>
-                    </a:lnTlToBr>
-                    <a:lnBlToTr w="12700" cmpd="sng">
-                      <a:noFill/>
-                      <a:prstDash val="solid"/>
-                    </a:lnBlToTr>
-                  </a:tcPr>
-                </a:tc>
-                <a:extLst>
-                  <a:ext uri="{0D108BD9-81ED-4DB2-BD59-A6C34878D82A}">
-                    <a16:rowId xmlns:a16="http://schemas.microsoft.com/office/drawing/2014/main" val="10003"/>
-                  </a:ext>
-                </a:extLst>
-              </a:tr>
-              <a:tr h="423840">
-                <a:tc>
-                  <a:txBody>
-                    <a:bodyPr/>
-                    <a:lstStyle/>
-                    <a:p>
-                      <a:pPr marL="0" marR="0" indent="0" algn="l" defTabSz="914400" rtl="0" eaLnBrk="1" fontAlgn="auto" latinLnBrk="0" hangingPunct="1">
-                        <a:lnSpc>
-                          <a:spcPct val="100000"/>
-                        </a:lnSpc>
-                        <a:spcBef>
-                          <a:spcPts val="0"/>
-                        </a:spcBef>
-                        <a:spcAft>
-                          <a:spcPts val="0"/>
-                        </a:spcAft>
-                        <a:buClrTx/>
-                        <a:buSzTx/>
-                        <a:buFontTx/>
-                        <a:buNone/>
-                        <a:tabLst/>
-                        <a:defRPr/>
-                      </a:pPr>
-                      <a:r>
-                        <a:rPr lang="de-DE" sz="1600" dirty="0"/>
-                        <a:t>Einsatzgebiet</a:t>
-                      </a:r>
-                      <a:endParaRPr lang="de-DE" sz="1600" b="0" dirty="0">
-                        <a:latin typeface="+mn-lt"/>
-                      </a:endParaRPr>
-                    </a:p>
-                  </a:txBody>
-                  <a:tcPr marL="0" marR="0" marT="180000" marB="0" anchor="ctr">
-                    <a:lnL w="12700" cmpd="sng">
-                      <a:noFill/>
-                    </a:lnL>
-                    <a:lnR w="12700" cmpd="sng">
-                      <a:noFill/>
-                    </a:lnR>
-                    <a:lnT w="12700" cmpd="sng">
-                      <a:noFill/>
-                    </a:lnT>
-                    <a:lnB w="12700" cmpd="sng">
-                      <a:noFill/>
-                    </a:lnB>
-                    <a:lnTlToBr w="12700" cmpd="sng">
-                      <a:noFill/>
-                      <a:prstDash val="solid"/>
-                    </a:lnTlToBr>
-                    <a:lnBlToTr w="12700" cmpd="sng">
-                      <a:noFill/>
-                      <a:prstDash val="solid"/>
-                    </a:lnBlToTr>
-                  </a:tcPr>
-                </a:tc>
-                <a:tc>
-                  <a:txBody>
-                    <a:bodyPr/>
-                    <a:lstStyle/>
-                    <a:p>
-                      <a:pPr marL="0" marR="0" indent="0" algn="l" defTabSz="914400" rtl="0" eaLnBrk="1" fontAlgn="auto" latinLnBrk="0" hangingPunct="1">
-                        <a:lnSpc>
-                          <a:spcPct val="100000"/>
-                        </a:lnSpc>
-                        <a:spcBef>
-                          <a:spcPts val="0"/>
-                        </a:spcBef>
-                        <a:spcAft>
-                          <a:spcPts val="0"/>
-                        </a:spcAft>
-                        <a:buClrTx/>
-                        <a:buSzTx/>
-                        <a:buFontTx/>
-                        <a:buNone/>
-                        <a:tabLst/>
-                        <a:defRPr/>
-                      </a:pPr>
-                      <a:r>
-                        <a:rPr lang="de-DE" sz="1600" dirty="0"/>
-                        <a:t>Stadt und Umland</a:t>
-                      </a:r>
-                      <a:endParaRPr lang="de-DE" sz="1600" dirty="0">
-                        <a:latin typeface="+mn-lt"/>
-                      </a:endParaRPr>
-                    </a:p>
-                  </a:txBody>
-                  <a:tcPr marL="0" marR="0" marT="180000" marB="0" anchor="ctr">
-                    <a:lnL w="12700" cmpd="sng">
-                      <a:noFill/>
-                    </a:lnL>
-                    <a:lnR w="12700" cmpd="sng">
-                      <a:noFill/>
-                    </a:lnR>
-                    <a:lnT w="12700" cmpd="sng">
-                      <a:noFill/>
-                    </a:lnT>
-                    <a:lnB w="12700" cmpd="sng">
-                      <a:noFill/>
-                    </a:lnB>
-                    <a:lnTlToBr w="12700" cmpd="sng">
-                      <a:noFill/>
-                      <a:prstDash val="solid"/>
-                    </a:lnTlToBr>
-                    <a:lnBlToTr w="12700" cmpd="sng">
-                      <a:noFill/>
-                      <a:prstDash val="solid"/>
-                    </a:lnBlToTr>
-                  </a:tcPr>
-                </a:tc>
-                <a:extLst>
-                  <a:ext uri="{0D108BD9-81ED-4DB2-BD59-A6C34878D82A}">
-                    <a16:rowId xmlns:a16="http://schemas.microsoft.com/office/drawing/2014/main" val="10004"/>
-                  </a:ext>
-                </a:extLst>
-              </a:tr>
-            </a:tbl>
-          </a:graphicData>
-        </a:graphic>
-      </p:graphicFrame>
       <p:sp>
         <p:nvSpPr>
           <p:cNvPr id="4" name="Foliennummernplatzhalter 3"/>
@@ -10316,7 +10997,7 @@
       </p:sp>
       <p:sp>
         <p:nvSpPr>
-          <p:cNvPr id="10" name="Fußzeilenplatzhalter 4"/>
+          <p:cNvPr id="6" name="Fußzeilenplatzhalter 4"/>
           <p:cNvSpPr>
             <a:spLocks noGrp="1"/>
           </p:cNvSpPr>
@@ -10324,46 +11005,21 @@
             <p:ph type="ftr" sz="quarter" idx="12"/>
           </p:nvPr>
         </p:nvSpPr>
-        <p:spPr/>
+        <p:spPr>
+          <a:xfrm>
+            <a:off x="316992" y="6473313"/>
+            <a:ext cx="6464280" cy="365125"/>
+          </a:xfrm>
+        </p:spPr>
         <p:txBody>
           <a:bodyPr/>
           <a:lstStyle/>
           <a:p>
             <a:r>
-              <a:rPr lang="de-DE"/>
-              <a:t>Dr. rer. nat. Erika Mustermann (TUM) | kann beliebig erweitert werden | Infos mit Strich trennen</a:t>
+              <a:rPr lang="de-DE" dirty="0"/>
+              <a:t>Saman Miran | Maria Schulze | Robin Ostner</a:t>
             </a:r>
             <a:endParaRPr lang="en-US" dirty="0"/>
-          </a:p>
-        </p:txBody>
-      </p:sp>
-      <p:sp>
-        <p:nvSpPr>
-          <p:cNvPr id="2" name="Textplatzhalter 1"/>
-          <p:cNvSpPr>
-            <a:spLocks noGrp="1"/>
-          </p:cNvSpPr>
-          <p:nvPr>
-            <p:ph type="body" sz="quarter" idx="13"/>
-          </p:nvPr>
-        </p:nvSpPr>
-        <p:spPr/>
-        <p:txBody>
-          <a:bodyPr/>
-          <a:lstStyle/>
-          <a:p>
-            <a:r>
-              <a:rPr lang="de-DE"/>
-              <a:t>Tabelle ohne Farbe und kein Rand</a:t>
-            </a:r>
-            <a:br>
-              <a:rPr lang="de-DE"/>
-            </a:br>
-            <a:r>
-              <a:rPr lang="de-DE"/>
-              <a:t>innerer Seitenrand links 0 cm, oben z.B. 0,5 cm (für genug Zeilenabstand innerhalb) </a:t>
-            </a:r>
-            <a:endParaRPr lang="de-DE" dirty="0"/>
           </a:p>
         </p:txBody>
       </p:sp>
@@ -10377,20 +11033,60 @@
             <p:ph type="title"/>
           </p:nvPr>
         </p:nvSpPr>
-        <p:spPr/>
+        <p:spPr>
+          <a:xfrm>
+            <a:off x="319090" y="994334"/>
+            <a:ext cx="8508999" cy="410369"/>
+          </a:xfrm>
+          <a:prstGeom prst="rect">
+            <a:avLst/>
+          </a:prstGeom>
+        </p:spPr>
         <p:txBody>
           <a:bodyPr/>
           <a:lstStyle/>
           <a:p>
             <a:r>
-              <a:rPr lang="de-DE"/>
-              <a:t>Tabelle – Beispiel 1</a:t>
+              <a:rPr lang="de-DE" dirty="0"/>
+              <a:t>Ergebnisse</a:t>
             </a:r>
-            <a:endParaRPr lang="de-DE" dirty="0"/>
           </a:p>
         </p:txBody>
       </p:sp>
+      <p:graphicFrame>
+        <p:nvGraphicFramePr>
+          <p:cNvPr id="11" name="Diagramm 10">
+            <a:extLst>
+              <a:ext uri="{FF2B5EF4-FFF2-40B4-BE49-F238E27FC236}">
+                <a16:creationId xmlns:a16="http://schemas.microsoft.com/office/drawing/2014/main" id="{F04ED2B2-20B5-41F0-8D8A-D8ABD3918E82}"/>
+              </a:ext>
+            </a:extLst>
+          </p:cNvPr>
+          <p:cNvGraphicFramePr/>
+          <p:nvPr>
+            <p:extLst>
+              <p:ext uri="{D42A27DB-BD31-4B8C-83A1-F6EECF244321}">
+                <p14:modId xmlns:p14="http://schemas.microsoft.com/office/powerpoint/2010/main" val="3411688434"/>
+              </p:ext>
+            </p:extLst>
+          </p:nvPr>
+        </p:nvGraphicFramePr>
+        <p:xfrm>
+          <a:off x="1524000" y="1907008"/>
+          <a:ext cx="6096000" cy="4064000"/>
+        </p:xfrm>
+        <a:graphic>
+          <a:graphicData uri="http://schemas.openxmlformats.org/drawingml/2006/chart">
+            <c:chart xmlns:c="http://schemas.openxmlformats.org/drawingml/2006/chart" xmlns:r="http://schemas.openxmlformats.org/officeDocument/2006/relationships" r:id="rId2"/>
+          </a:graphicData>
+        </a:graphic>
+      </p:graphicFrame>
     </p:spTree>
+    <p:extLst>
+      <p:ext uri="{BB962C8B-B14F-4D97-AF65-F5344CB8AC3E}">
+        <p14:creationId xmlns:p14="http://schemas.microsoft.com/office/powerpoint/2010/main" val="3295634483"/>
+      </p:ext>
+    </p:extLst>
   </p:cSld>
   <p:clrMapOvr>
     <a:masterClrMapping/>
@@ -10415,411 +11111,6 @@
           <a:chExt cx="0" cy="0"/>
         </a:xfrm>
       </p:grpSpPr>
-      <p:graphicFrame>
-        <p:nvGraphicFramePr>
-          <p:cNvPr id="7" name="Inhaltsplatzhalter 6"/>
-          <p:cNvGraphicFramePr>
-            <a:graphicFrameLocks noGrp="1"/>
-          </p:cNvGraphicFramePr>
-          <p:nvPr>
-            <p:ph idx="1"/>
-          </p:nvPr>
-        </p:nvGraphicFramePr>
-        <p:xfrm>
-          <a:off x="319088" y="2498725"/>
-          <a:ext cx="8509507" cy="2119200"/>
-        </p:xfrm>
-        <a:graphic>
-          <a:graphicData uri="http://schemas.openxmlformats.org/drawingml/2006/table">
-            <a:tbl>
-              <a:tblPr bandRow="1">
-                <a:tableStyleId>{5940675A-B579-460E-94D1-54222C63F5DA}</a:tableStyleId>
-              </a:tblPr>
-              <a:tblGrid>
-                <a:gridCol w="3493889">
-                  <a:extLst>
-                    <a:ext uri="{9D8B030D-6E8A-4147-A177-3AD203B41FA5}">
-                      <a16:colId xmlns:a16="http://schemas.microsoft.com/office/drawing/2014/main" val="20000"/>
-                    </a:ext>
-                  </a:extLst>
-                </a:gridCol>
-                <a:gridCol w="5015618">
-                  <a:extLst>
-                    <a:ext uri="{9D8B030D-6E8A-4147-A177-3AD203B41FA5}">
-                      <a16:colId xmlns:a16="http://schemas.microsoft.com/office/drawing/2014/main" val="20001"/>
-                    </a:ext>
-                  </a:extLst>
-                </a:gridCol>
-              </a:tblGrid>
-              <a:tr h="423840">
-                <a:tc>
-                  <a:txBody>
-                    <a:bodyPr/>
-                    <a:lstStyle/>
-                    <a:p>
-                      <a:pPr marL="0" marR="0" indent="0" algn="l" defTabSz="914400" rtl="0" eaLnBrk="1" fontAlgn="auto" latinLnBrk="0" hangingPunct="1">
-                        <a:lnSpc>
-                          <a:spcPct val="100000"/>
-                        </a:lnSpc>
-                        <a:spcBef>
-                          <a:spcPts val="0"/>
-                        </a:spcBef>
-                        <a:spcAft>
-                          <a:spcPts val="0"/>
-                        </a:spcAft>
-                        <a:buClrTx/>
-                        <a:buSzTx/>
-                        <a:buFontTx/>
-                        <a:buNone/>
-                        <a:tabLst/>
-                        <a:defRPr/>
-                      </a:pPr>
-                      <a:r>
-                        <a:rPr lang="de-DE" sz="1600" dirty="0"/>
-                        <a:t>Ø - Strecke</a:t>
-                      </a:r>
-                      <a:endParaRPr lang="de-DE" sz="1600" dirty="0">
-                        <a:latin typeface="+mn-lt"/>
-                      </a:endParaRPr>
-                    </a:p>
-                  </a:txBody>
-                  <a:tcPr marL="54000" marR="0" marT="180000" marB="0" anchor="ctr"/>
-                </a:tc>
-                <a:tc>
-                  <a:txBody>
-                    <a:bodyPr/>
-                    <a:lstStyle/>
-                    <a:p>
-                      <a:pPr marL="0" marR="0" indent="0" algn="l" defTabSz="914400" rtl="0" eaLnBrk="1" fontAlgn="auto" latinLnBrk="0" hangingPunct="1">
-                        <a:lnSpc>
-                          <a:spcPct val="100000"/>
-                        </a:lnSpc>
-                        <a:spcBef>
-                          <a:spcPts val="0"/>
-                        </a:spcBef>
-                        <a:spcAft>
-                          <a:spcPts val="0"/>
-                        </a:spcAft>
-                        <a:buClrTx/>
-                        <a:buSzTx/>
-                        <a:buFontTx/>
-                        <a:buNone/>
-                        <a:tabLst/>
-                        <a:defRPr/>
-                      </a:pPr>
-                      <a:r>
-                        <a:rPr lang="de-DE" sz="1600" dirty="0"/>
-                        <a:t>39 km/Tag (14.360 km/Jahr)</a:t>
-                      </a:r>
-                      <a:endParaRPr lang="de-DE" sz="1600" dirty="0">
-                        <a:latin typeface="+mn-lt"/>
-                      </a:endParaRPr>
-                    </a:p>
-                  </a:txBody>
-                  <a:tcPr marL="54000" marR="0" marT="180000" marB="0" anchor="ctr"/>
-                </a:tc>
-                <a:extLst>
-                  <a:ext uri="{0D108BD9-81ED-4DB2-BD59-A6C34878D82A}">
-                    <a16:rowId xmlns:a16="http://schemas.microsoft.com/office/drawing/2014/main" val="10000"/>
-                  </a:ext>
-                </a:extLst>
-              </a:tr>
-              <a:tr h="423840">
-                <a:tc>
-                  <a:txBody>
-                    <a:bodyPr/>
-                    <a:lstStyle/>
-                    <a:p>
-                      <a:pPr marL="0" marR="0" lvl="0" indent="0" algn="l" defTabSz="914400" rtl="0" eaLnBrk="1" fontAlgn="auto" latinLnBrk="0" hangingPunct="1">
-                        <a:lnSpc>
-                          <a:spcPct val="100000"/>
-                        </a:lnSpc>
-                        <a:spcBef>
-                          <a:spcPts val="0"/>
-                        </a:spcBef>
-                        <a:spcAft>
-                          <a:spcPts val="0"/>
-                        </a:spcAft>
-                        <a:buClrTx/>
-                        <a:buSzTx/>
-                        <a:buFontTx/>
-                        <a:buNone/>
-                        <a:tabLst/>
-                        <a:defRPr/>
-                      </a:pPr>
-                      <a:r>
-                        <a:rPr lang="de-DE" sz="1600" dirty="0"/>
-                        <a:t>Ø - Geschwindigkeit</a:t>
-                      </a:r>
-                      <a:endParaRPr lang="de-DE" sz="1600" dirty="0">
-                        <a:latin typeface="+mn-lt"/>
-                      </a:endParaRPr>
-                    </a:p>
-                  </a:txBody>
-                  <a:tcPr marL="54000" marR="0" marT="180000" marB="0" anchor="ctr"/>
-                </a:tc>
-                <a:tc>
-                  <a:txBody>
-                    <a:bodyPr/>
-                    <a:lstStyle/>
-                    <a:p>
-                      <a:pPr marL="0" marR="0" indent="0" algn="l" defTabSz="914400" rtl="0" eaLnBrk="1" fontAlgn="auto" latinLnBrk="0" hangingPunct="1">
-                        <a:lnSpc>
-                          <a:spcPct val="100000"/>
-                        </a:lnSpc>
-                        <a:spcBef>
-                          <a:spcPts val="0"/>
-                        </a:spcBef>
-                        <a:spcAft>
-                          <a:spcPts val="0"/>
-                        </a:spcAft>
-                        <a:buClrTx/>
-                        <a:buSzTx/>
-                        <a:buFontTx/>
-                        <a:buNone/>
-                        <a:tabLst/>
-                        <a:defRPr/>
-                      </a:pPr>
-                      <a:r>
-                        <a:rPr lang="de-DE" sz="1600" dirty="0"/>
-                        <a:t>25 km/h</a:t>
-                      </a:r>
-                      <a:endParaRPr lang="de-DE" sz="1600" dirty="0">
-                        <a:latin typeface="+mn-lt"/>
-                      </a:endParaRPr>
-                    </a:p>
-                  </a:txBody>
-                  <a:tcPr marL="54000" marR="0" marT="180000" marB="0" anchor="ctr"/>
-                </a:tc>
-                <a:extLst>
-                  <a:ext uri="{0D108BD9-81ED-4DB2-BD59-A6C34878D82A}">
-                    <a16:rowId xmlns:a16="http://schemas.microsoft.com/office/drawing/2014/main" val="10001"/>
-                  </a:ext>
-                </a:extLst>
-              </a:tr>
-              <a:tr h="423840">
-                <a:tc>
-                  <a:txBody>
-                    <a:bodyPr/>
-                    <a:lstStyle/>
-                    <a:p>
-                      <a:pPr marL="0" marR="0" indent="0" algn="l" defTabSz="914400" rtl="0" eaLnBrk="1" fontAlgn="auto" latinLnBrk="0" hangingPunct="1">
-                        <a:lnSpc>
-                          <a:spcPct val="100000"/>
-                        </a:lnSpc>
-                        <a:spcBef>
-                          <a:spcPts val="0"/>
-                        </a:spcBef>
-                        <a:spcAft>
-                          <a:spcPts val="0"/>
-                        </a:spcAft>
-                        <a:buClrTx/>
-                        <a:buSzTx/>
-                        <a:buFontTx/>
-                        <a:buNone/>
-                        <a:tabLst/>
-                        <a:defRPr/>
-                      </a:pPr>
-                      <a:r>
-                        <a:rPr lang="de-DE" sz="1600" dirty="0"/>
-                        <a:t>Ø - Verfügbare Ladezeit</a:t>
-                      </a:r>
-                      <a:endParaRPr lang="de-DE" sz="1600" dirty="0">
-                        <a:latin typeface="+mn-lt"/>
-                      </a:endParaRPr>
-                    </a:p>
-                  </a:txBody>
-                  <a:tcPr marL="54000" marR="0" marT="180000" marB="0" anchor="ctr"/>
-                </a:tc>
-                <a:tc>
-                  <a:txBody>
-                    <a:bodyPr/>
-                    <a:lstStyle/>
-                    <a:p>
-                      <a:pPr marL="0" marR="0" indent="0" algn="l" defTabSz="914400" rtl="0" eaLnBrk="1" fontAlgn="auto" latinLnBrk="0" hangingPunct="1">
-                        <a:lnSpc>
-                          <a:spcPct val="100000"/>
-                        </a:lnSpc>
-                        <a:spcBef>
-                          <a:spcPts val="0"/>
-                        </a:spcBef>
-                        <a:spcAft>
-                          <a:spcPts val="0"/>
-                        </a:spcAft>
-                        <a:buClrTx/>
-                        <a:buSzTx/>
-                        <a:buFontTx/>
-                        <a:buNone/>
-                        <a:tabLst/>
-                        <a:defRPr/>
-                      </a:pPr>
-                      <a:r>
-                        <a:rPr lang="de-DE" sz="1600" dirty="0"/>
-                        <a:t>22 h/Tag</a:t>
-                      </a:r>
-                      <a:endParaRPr lang="de-DE" sz="1600" dirty="0">
-                        <a:latin typeface="+mn-lt"/>
-                      </a:endParaRPr>
-                    </a:p>
-                  </a:txBody>
-                  <a:tcPr marL="54000" marR="0" marT="180000" marB="0" anchor="ctr"/>
-                </a:tc>
-                <a:extLst>
-                  <a:ext uri="{0D108BD9-81ED-4DB2-BD59-A6C34878D82A}">
-                    <a16:rowId xmlns:a16="http://schemas.microsoft.com/office/drawing/2014/main" val="10002"/>
-                  </a:ext>
-                </a:extLst>
-              </a:tr>
-              <a:tr h="423840">
-                <a:tc>
-                  <a:txBody>
-                    <a:bodyPr/>
-                    <a:lstStyle/>
-                    <a:p>
-                      <a:pPr marL="0" marR="0" indent="0" algn="l" defTabSz="914400" rtl="0" eaLnBrk="1" fontAlgn="auto" latinLnBrk="0" hangingPunct="1">
-                        <a:lnSpc>
-                          <a:spcPct val="100000"/>
-                        </a:lnSpc>
-                        <a:spcBef>
-                          <a:spcPts val="0"/>
-                        </a:spcBef>
-                        <a:spcAft>
-                          <a:spcPts val="0"/>
-                        </a:spcAft>
-                        <a:buClrTx/>
-                        <a:buSzTx/>
-                        <a:buFontTx/>
-                        <a:buNone/>
-                        <a:tabLst/>
-                        <a:defRPr/>
-                      </a:pPr>
-                      <a:r>
-                        <a:rPr lang="de-DE" sz="1600" dirty="0"/>
-                        <a:t>Kosten</a:t>
-                      </a:r>
-                      <a:endParaRPr lang="de-DE" sz="1600" dirty="0">
-                        <a:latin typeface="+mn-lt"/>
-                      </a:endParaRPr>
-                    </a:p>
-                  </a:txBody>
-                  <a:tcPr marL="54000" marR="0" marT="180000" marB="0" anchor="ctr"/>
-                </a:tc>
-                <a:tc>
-                  <a:txBody>
-                    <a:bodyPr/>
-                    <a:lstStyle/>
-                    <a:p>
-                      <a:pPr marL="0" marR="0" lvl="0" indent="0" algn="l" defTabSz="914400" rtl="0" eaLnBrk="1" fontAlgn="auto" latinLnBrk="0" hangingPunct="1">
-                        <a:lnSpc>
-                          <a:spcPct val="100000"/>
-                        </a:lnSpc>
-                        <a:spcBef>
-                          <a:spcPts val="0"/>
-                        </a:spcBef>
-                        <a:spcAft>
-                          <a:spcPts val="0"/>
-                        </a:spcAft>
-                        <a:buClrTx/>
-                        <a:buSzTx/>
-                        <a:buFontTx/>
-                        <a:buNone/>
-                        <a:tabLst/>
-                        <a:defRPr/>
-                      </a:pPr>
-                      <a:r>
-                        <a:rPr lang="de-DE" sz="1600" dirty="0"/>
-                        <a:t>Kleinwagen mit Verbrennungsmotor</a:t>
-                      </a:r>
-                      <a:endParaRPr lang="de-DE" sz="1600" dirty="0">
-                        <a:latin typeface="+mn-lt"/>
-                      </a:endParaRPr>
-                    </a:p>
-                  </a:txBody>
-                  <a:tcPr marL="54000" marR="0" marT="180000" marB="0" anchor="ctr"/>
-                </a:tc>
-                <a:extLst>
-                  <a:ext uri="{0D108BD9-81ED-4DB2-BD59-A6C34878D82A}">
-                    <a16:rowId xmlns:a16="http://schemas.microsoft.com/office/drawing/2014/main" val="10003"/>
-                  </a:ext>
-                </a:extLst>
-              </a:tr>
-              <a:tr h="423840">
-                <a:tc>
-                  <a:txBody>
-                    <a:bodyPr/>
-                    <a:lstStyle/>
-                    <a:p>
-                      <a:pPr marL="0" marR="0" indent="0" algn="l" defTabSz="914400" rtl="0" eaLnBrk="1" fontAlgn="auto" latinLnBrk="0" hangingPunct="1">
-                        <a:lnSpc>
-                          <a:spcPct val="100000"/>
-                        </a:lnSpc>
-                        <a:spcBef>
-                          <a:spcPts val="0"/>
-                        </a:spcBef>
-                        <a:spcAft>
-                          <a:spcPts val="0"/>
-                        </a:spcAft>
-                        <a:buClrTx/>
-                        <a:buSzTx/>
-                        <a:buFontTx/>
-                        <a:buNone/>
-                        <a:tabLst/>
-                        <a:defRPr/>
-                      </a:pPr>
-                      <a:r>
-                        <a:rPr lang="de-DE" sz="1600" dirty="0"/>
-                        <a:t>Einsatzgebiet</a:t>
-                      </a:r>
-                      <a:endParaRPr lang="de-DE" sz="1600" b="0" dirty="0">
-                        <a:latin typeface="+mn-lt"/>
-                      </a:endParaRPr>
-                    </a:p>
-                  </a:txBody>
-                  <a:tcPr marL="54000" marR="0" marT="180000" marB="0" anchor="ctr"/>
-                </a:tc>
-                <a:tc>
-                  <a:txBody>
-                    <a:bodyPr/>
-                    <a:lstStyle/>
-                    <a:p>
-                      <a:pPr marL="0" marR="0" indent="0" algn="l" defTabSz="914400" rtl="0" eaLnBrk="1" fontAlgn="auto" latinLnBrk="0" hangingPunct="1">
-                        <a:lnSpc>
-                          <a:spcPct val="100000"/>
-                        </a:lnSpc>
-                        <a:spcBef>
-                          <a:spcPts val="0"/>
-                        </a:spcBef>
-                        <a:spcAft>
-                          <a:spcPts val="0"/>
-                        </a:spcAft>
-                        <a:buClrTx/>
-                        <a:buSzTx/>
-                        <a:buFontTx/>
-                        <a:buNone/>
-                        <a:tabLst/>
-                        <a:defRPr/>
-                      </a:pPr>
-                      <a:r>
-                        <a:rPr lang="de-DE" sz="1600" dirty="0"/>
-                        <a:t>Stadt und Umland</a:t>
-                      </a:r>
-                      <a:endParaRPr lang="de-DE" sz="1600" dirty="0">
-                        <a:latin typeface="+mn-lt"/>
-                      </a:endParaRPr>
-                    </a:p>
-                  </a:txBody>
-                  <a:tcPr marL="54000" marR="0" marT="180000" marB="0" anchor="ctr"/>
-                </a:tc>
-                <a:extLst>
-                  <a:ext uri="{0D108BD9-81ED-4DB2-BD59-A6C34878D82A}">
-                    <a16:rowId xmlns:a16="http://schemas.microsoft.com/office/drawing/2014/main" val="10004"/>
-                  </a:ext>
-                </a:extLst>
-              </a:tr>
-            </a:tbl>
-          </a:graphicData>
-        </a:graphic>
-      </p:graphicFrame>
       <p:sp>
         <p:nvSpPr>
           <p:cNvPr id="4" name="Foliennummernplatzhalter 3"/>
@@ -10846,7 +11137,7 @@
       </p:sp>
       <p:sp>
         <p:nvSpPr>
-          <p:cNvPr id="10" name="Fußzeilenplatzhalter 4"/>
+          <p:cNvPr id="6" name="Fußzeilenplatzhalter 4"/>
           <p:cNvSpPr>
             <a:spLocks noGrp="1"/>
           </p:cNvSpPr>
@@ -10854,46 +11145,21 @@
             <p:ph type="ftr" sz="quarter" idx="12"/>
           </p:nvPr>
         </p:nvSpPr>
-        <p:spPr/>
+        <p:spPr>
+          <a:xfrm>
+            <a:off x="316992" y="6473313"/>
+            <a:ext cx="6464280" cy="365125"/>
+          </a:xfrm>
+        </p:spPr>
         <p:txBody>
           <a:bodyPr/>
           <a:lstStyle/>
           <a:p>
             <a:r>
-              <a:rPr lang="de-DE"/>
-              <a:t>Dr. rer. nat. Erika Mustermann (TUM) | kann beliebig erweitert werden | Infos mit Strich trennen</a:t>
+              <a:rPr lang="de-DE" dirty="0"/>
+              <a:t>Saman Miran | Maria Schulze | Robin Ostner</a:t>
             </a:r>
             <a:endParaRPr lang="en-US" dirty="0"/>
-          </a:p>
-        </p:txBody>
-      </p:sp>
-      <p:sp>
-        <p:nvSpPr>
-          <p:cNvPr id="2" name="Textplatzhalter 1"/>
-          <p:cNvSpPr>
-            <a:spLocks noGrp="1"/>
-          </p:cNvSpPr>
-          <p:nvPr>
-            <p:ph type="body" sz="quarter" idx="13"/>
-          </p:nvPr>
-        </p:nvSpPr>
-        <p:spPr/>
-        <p:txBody>
-          <a:bodyPr/>
-          <a:lstStyle/>
-          <a:p>
-            <a:r>
-              <a:rPr lang="de-DE"/>
-              <a:t>Tabelle mit schwarzem Rand</a:t>
-            </a:r>
-            <a:br>
-              <a:rPr lang="de-DE"/>
-            </a:br>
-            <a:r>
-              <a:rPr lang="de-DE"/>
-              <a:t>innerer Seitenrand links 0,15 cm, oben z.B. 0,5 cm (für genug Zeilenabstand innerhalb) </a:t>
-            </a:r>
-            <a:endParaRPr lang="de-DE" dirty="0"/>
           </a:p>
         </p:txBody>
       </p:sp>
@@ -10907,154 +11173,47 @@
             <p:ph type="title"/>
           </p:nvPr>
         </p:nvSpPr>
-        <p:spPr/>
+        <p:spPr>
+          <a:xfrm>
+            <a:off x="319090" y="994334"/>
+            <a:ext cx="8508999" cy="410369"/>
+          </a:xfrm>
+          <a:prstGeom prst="rect">
+            <a:avLst/>
+          </a:prstGeom>
+        </p:spPr>
         <p:txBody>
           <a:bodyPr/>
           <a:lstStyle/>
           <a:p>
             <a:r>
-              <a:rPr lang="de-DE"/>
-              <a:t>Tabelle – Beispiel 2</a:t>
+              <a:rPr lang="de-DE" dirty="0"/>
+              <a:t>Ergebnisse</a:t>
             </a:r>
-            <a:endParaRPr lang="de-DE" dirty="0"/>
-          </a:p>
-        </p:txBody>
-      </p:sp>
-    </p:spTree>
-  </p:cSld>
-  <p:clrMapOvr>
-    <a:masterClrMapping/>
-  </p:clrMapOvr>
-</p:sld>
-</file>
-
-<file path=ppt/slides/slide14.xml><?xml version="1.0" encoding="utf-8"?>
-<p:sld xmlns:a="http://schemas.openxmlformats.org/drawingml/2006/main" xmlns:r="http://schemas.openxmlformats.org/officeDocument/2006/relationships" xmlns:p="http://schemas.openxmlformats.org/presentationml/2006/main">
-  <p:cSld>
-    <p:spTree>
-      <p:nvGrpSpPr>
-        <p:cNvPr id="1" name=""/>
-        <p:cNvGrpSpPr/>
-        <p:nvPr/>
-      </p:nvGrpSpPr>
-      <p:grpSpPr>
-        <a:xfrm>
-          <a:off x="0" y="0"/>
-          <a:ext cx="0" cy="0"/>
-          <a:chOff x="0" y="0"/>
-          <a:chExt cx="0" cy="0"/>
-        </a:xfrm>
-      </p:grpSpPr>
-      <p:sp>
-        <p:nvSpPr>
-          <p:cNvPr id="5" name="Foliennummernplatzhalter 4"/>
-          <p:cNvSpPr>
-            <a:spLocks noGrp="1"/>
-          </p:cNvSpPr>
-          <p:nvPr>
-            <p:ph type="sldNum" sz="quarter" idx="11"/>
-          </p:nvPr>
-        </p:nvSpPr>
-        <p:spPr/>
-        <p:txBody>
-          <a:bodyPr/>
-          <a:lstStyle/>
-          <a:p>
-            <a:fld id="{CE58CB1E-F828-4F11-99E0-327109AF9DA4}" type="slidenum">
-              <a:rPr lang="de-DE" smtClean="0"/>
-              <a:pPr/>
-              <a:t>14</a:t>
-            </a:fld>
-            <a:endParaRPr lang="de-DE" dirty="0"/>
-          </a:p>
-        </p:txBody>
-      </p:sp>
-      <p:sp>
-        <p:nvSpPr>
-          <p:cNvPr id="9" name="Fußzeilenplatzhalter 4"/>
-          <p:cNvSpPr>
-            <a:spLocks noGrp="1"/>
-          </p:cNvSpPr>
-          <p:nvPr>
-            <p:ph type="ftr" sz="quarter" idx="12"/>
-          </p:nvPr>
-        </p:nvSpPr>
-        <p:spPr/>
-        <p:txBody>
-          <a:bodyPr/>
-          <a:lstStyle/>
-          <a:p>
-            <a:r>
-              <a:rPr lang="de-DE"/>
-              <a:t>Dr. rer. nat. Erika Mustermann (TUM) | kann beliebig erweitert werden | Infos mit Strich trennen</a:t>
-            </a:r>
-            <a:endParaRPr lang="en-US" dirty="0"/>
-          </a:p>
-        </p:txBody>
-      </p:sp>
-      <p:sp>
-        <p:nvSpPr>
-          <p:cNvPr id="3" name="Textplatzhalter 2"/>
-          <p:cNvSpPr>
-            <a:spLocks noGrp="1"/>
-          </p:cNvSpPr>
-          <p:nvPr>
-            <p:ph type="body" sz="quarter" idx="13"/>
-          </p:nvPr>
-        </p:nvSpPr>
-        <p:spPr/>
-        <p:txBody>
-          <a:bodyPr/>
-          <a:lstStyle/>
-          <a:p>
-            <a:r>
-              <a:rPr lang="de-DE" dirty="0"/>
-              <a:t>Nach Möglichkeit linksbündig bleiben</a:t>
-            </a:r>
-            <a:br>
-              <a:rPr lang="de-DE" dirty="0"/>
-            </a:br>
-            <a:r>
-              <a:rPr lang="de-DE" dirty="0"/>
-              <a:t>Unnötige Striche und Balken vermeiden</a:t>
-            </a:r>
-          </a:p>
-        </p:txBody>
-      </p:sp>
-      <p:sp>
-        <p:nvSpPr>
-          <p:cNvPr id="4" name="Titel 3"/>
-          <p:cNvSpPr>
-            <a:spLocks noGrp="1"/>
-          </p:cNvSpPr>
-          <p:nvPr>
-            <p:ph type="title"/>
-          </p:nvPr>
-        </p:nvSpPr>
-        <p:spPr/>
-        <p:txBody>
-          <a:bodyPr/>
-          <a:lstStyle/>
-          <a:p>
-            <a:r>
-              <a:rPr lang="de-DE"/>
-              <a:t>Diagramme – Beispiel 1</a:t>
-            </a:r>
-            <a:endParaRPr lang="de-DE" dirty="0"/>
           </a:p>
         </p:txBody>
       </p:sp>
       <p:graphicFrame>
         <p:nvGraphicFramePr>
-          <p:cNvPr id="14" name="Diagramm 13"/>
+          <p:cNvPr id="11" name="Diagramm 10">
+            <a:extLst>
+              <a:ext uri="{FF2B5EF4-FFF2-40B4-BE49-F238E27FC236}">
+                <a16:creationId xmlns:a16="http://schemas.microsoft.com/office/drawing/2014/main" id="{F04ED2B2-20B5-41F0-8D8A-D8ABD3918E82}"/>
+              </a:ext>
+            </a:extLst>
+          </p:cNvPr>
           <p:cNvGraphicFramePr/>
           <p:nvPr>
-            <p:extLst/>
+            <p:extLst>
+              <p:ext uri="{D42A27DB-BD31-4B8C-83A1-F6EECF244321}">
+                <p14:modId xmlns:p14="http://schemas.microsoft.com/office/powerpoint/2010/main" val="4249683087"/>
+              </p:ext>
+            </p:extLst>
           </p:nvPr>
         </p:nvGraphicFramePr>
         <p:xfrm>
-          <a:off x="209868" y="2388199"/>
-          <a:ext cx="8515032" cy="4207865"/>
+          <a:off x="1524000" y="1907008"/>
+          <a:ext cx="6096000" cy="4064000"/>
         </p:xfrm>
         <a:graphic>
           <a:graphicData uri="http://schemas.openxmlformats.org/drawingml/2006/chart">
@@ -11063,126 +11222,11 @@
         </a:graphic>
       </p:graphicFrame>
     </p:spTree>
-  </p:cSld>
-  <p:clrMapOvr>
-    <a:masterClrMapping/>
-  </p:clrMapOvr>
-</p:sld>
-</file>
-
-<file path=ppt/slides/slide15.xml><?xml version="1.0" encoding="utf-8"?>
-<p:sld xmlns:a="http://schemas.openxmlformats.org/drawingml/2006/main" xmlns:r="http://schemas.openxmlformats.org/officeDocument/2006/relationships" xmlns:p="http://schemas.openxmlformats.org/presentationml/2006/main">
-  <p:cSld>
-    <p:spTree>
-      <p:nvGrpSpPr>
-        <p:cNvPr id="1" name=""/>
-        <p:cNvGrpSpPr/>
-        <p:nvPr/>
-      </p:nvGrpSpPr>
-      <p:grpSpPr>
-        <a:xfrm>
-          <a:off x="0" y="0"/>
-          <a:ext cx="0" cy="0"/>
-          <a:chOff x="0" y="0"/>
-          <a:chExt cx="0" cy="0"/>
-        </a:xfrm>
-      </p:grpSpPr>
-      <p:graphicFrame>
-        <p:nvGraphicFramePr>
-          <p:cNvPr id="6" name="Inhaltsplatzhalter 5"/>
-          <p:cNvGraphicFramePr>
-            <a:graphicFrameLocks noGrp="1"/>
-          </p:cNvGraphicFramePr>
-          <p:nvPr>
-            <p:ph idx="1"/>
-            <p:extLst>
-              <p:ext uri="{D42A27DB-BD31-4B8C-83A1-F6EECF244321}">
-                <p14:modId xmlns:p14="http://schemas.microsoft.com/office/powerpoint/2010/main" val="2021366215"/>
-              </p:ext>
-            </p:extLst>
-          </p:nvPr>
-        </p:nvGraphicFramePr>
-        <p:xfrm>
-          <a:off x="319088" y="1762125"/>
-          <a:ext cx="8509000" cy="4699000"/>
-        </p:xfrm>
-        <a:graphic>
-          <a:graphicData uri="http://schemas.openxmlformats.org/drawingml/2006/chart">
-            <c:chart xmlns:c="http://schemas.openxmlformats.org/drawingml/2006/chart" xmlns:r="http://schemas.openxmlformats.org/officeDocument/2006/relationships" r:id="rId2"/>
-          </a:graphicData>
-        </a:graphic>
-      </p:graphicFrame>
-      <p:sp>
-        <p:nvSpPr>
-          <p:cNvPr id="4" name="Foliennummernplatzhalter 3"/>
-          <p:cNvSpPr>
-            <a:spLocks noGrp="1"/>
-          </p:cNvSpPr>
-          <p:nvPr>
-            <p:ph type="sldNum" sz="quarter" idx="11"/>
-          </p:nvPr>
-        </p:nvSpPr>
-        <p:spPr/>
-        <p:txBody>
-          <a:bodyPr/>
-          <a:lstStyle/>
-          <a:p>
-            <a:fld id="{CE58CB1E-F828-4F11-99E0-327109AF9DA4}" type="slidenum">
-              <a:rPr lang="de-DE" smtClean="0"/>
-              <a:pPr/>
-              <a:t>15</a:t>
-            </a:fld>
-            <a:endParaRPr lang="de-DE" dirty="0"/>
-          </a:p>
-        </p:txBody>
-      </p:sp>
-      <p:sp>
-        <p:nvSpPr>
-          <p:cNvPr id="7" name="Fußzeilenplatzhalter 4"/>
-          <p:cNvSpPr>
-            <a:spLocks noGrp="1"/>
-          </p:cNvSpPr>
-          <p:nvPr>
-            <p:ph type="ftr" sz="quarter" idx="12"/>
-          </p:nvPr>
-        </p:nvSpPr>
-        <p:spPr/>
-        <p:txBody>
-          <a:bodyPr/>
-          <a:lstStyle/>
-          <a:p>
-            <a:r>
-              <a:rPr lang="de-DE"/>
-              <a:t>Dr. rer. nat. Erika Mustermann (TUM) | kann beliebig erweitert werden | Infos mit Strich trennen</a:t>
-            </a:r>
-            <a:endParaRPr lang="en-US" dirty="0"/>
-          </a:p>
-        </p:txBody>
-      </p:sp>
-      <p:sp>
-        <p:nvSpPr>
-          <p:cNvPr id="3" name="Titel 2"/>
-          <p:cNvSpPr>
-            <a:spLocks noGrp="1"/>
-          </p:cNvSpPr>
-          <p:nvPr>
-            <p:ph type="title"/>
-          </p:nvPr>
-        </p:nvSpPr>
-        <p:spPr/>
-        <p:txBody>
-          <a:bodyPr/>
-          <a:lstStyle/>
-          <a:p>
-            <a:r>
-              <a:rPr lang="de-DE"/>
-              <a:t>Diagramme</a:t>
-            </a:r>
-            <a:endParaRPr lang="de-DE" dirty="0"/>
-          </a:p>
-        </p:txBody>
-      </p:sp>
-    </p:spTree>
+    <p:extLst>
+      <p:ext uri="{BB962C8B-B14F-4D97-AF65-F5344CB8AC3E}">
+        <p14:creationId xmlns:p14="http://schemas.microsoft.com/office/powerpoint/2010/main" val="1837484464"/>
+      </p:ext>
+    </p:extLst>
   </p:cSld>
   <p:clrMapOvr>
     <a:masterClrMapping/>

--- a/Praktikum ASP – Team 15.pptx
+++ b/Praktikum ASP – Team 15.pptx
@@ -10,25 +10,27 @@
     <p:sldMasterId id="2147483697" r:id="rId6"/>
   </p:sldMasterIdLst>
   <p:notesMasterIdLst>
-    <p:notesMasterId r:id="rId20"/>
+    <p:notesMasterId r:id="rId22"/>
   </p:notesMasterIdLst>
   <p:handoutMasterIdLst>
-    <p:handoutMasterId r:id="rId21"/>
+    <p:handoutMasterId r:id="rId23"/>
   </p:handoutMasterIdLst>
   <p:sldIdLst>
     <p:sldId id="355" r:id="rId7"/>
-    <p:sldId id="396" r:id="rId8"/>
-    <p:sldId id="392" r:id="rId9"/>
-    <p:sldId id="373" r:id="rId10"/>
-    <p:sldId id="397" r:id="rId11"/>
-    <p:sldId id="398" r:id="rId12"/>
-    <p:sldId id="402" r:id="rId13"/>
-    <p:sldId id="405" r:id="rId14"/>
-    <p:sldId id="407" r:id="rId15"/>
-    <p:sldId id="408" r:id="rId16"/>
-    <p:sldId id="409" r:id="rId17"/>
-    <p:sldId id="410" r:id="rId18"/>
-    <p:sldId id="411" r:id="rId19"/>
+    <p:sldId id="413" r:id="rId8"/>
+    <p:sldId id="396" r:id="rId9"/>
+    <p:sldId id="392" r:id="rId10"/>
+    <p:sldId id="373" r:id="rId11"/>
+    <p:sldId id="397" r:id="rId12"/>
+    <p:sldId id="398" r:id="rId13"/>
+    <p:sldId id="402" r:id="rId14"/>
+    <p:sldId id="405" r:id="rId15"/>
+    <p:sldId id="407" r:id="rId16"/>
+    <p:sldId id="408" r:id="rId17"/>
+    <p:sldId id="409" r:id="rId18"/>
+    <p:sldId id="410" r:id="rId19"/>
+    <p:sldId id="411" r:id="rId20"/>
+    <p:sldId id="412" r:id="rId21"/>
   </p:sldIdLst>
   <p:sldSz cx="9144000" cy="6858000" type="screen4x3"/>
   <p:notesSz cx="9925050" cy="6665913"/>
@@ -229,11 +231,11 @@
             </a:pPr>
             <a:r>
               <a:rPr lang="de-DE" dirty="0" err="1"/>
-              <a:t>Window</a:t>
+              <a:t>window</a:t>
             </a:r>
             <a:r>
               <a:rPr lang="de-DE" dirty="0"/>
-              <a:t> ()</a:t>
+              <a:t> (…)</a:t>
             </a:r>
           </a:p>
         </c:rich>
@@ -706,7 +708,7 @@
             </a:pPr>
             <a:r>
               <a:rPr lang="de-DE" dirty="0"/>
-              <a:t>Zoom ()</a:t>
+              <a:t>zoom (…)</a:t>
             </a:r>
           </a:p>
         </c:rich>
@@ -9607,7 +9609,7 @@
           <a:p>
             <a:r>
               <a:rPr lang="de-DE" dirty="0"/>
-              <a:t>Saman Miran | Maria Schulze | Robin Ostner</a:t>
+              <a:t>Saman Miran | Robin Ostner | Maria Schulze</a:t>
             </a:r>
             <a:endParaRPr lang="en-US" dirty="0"/>
           </a:p>
@@ -9638,7 +9640,656 @@
           <a:p>
             <a:r>
               <a:rPr lang="de-DE" dirty="0"/>
-              <a:t>Implementierung Zoom() - SIMD</a:t>
+              <a:t>Implementierung zoom(…) - SISD</a:t>
+            </a:r>
+          </a:p>
+        </p:txBody>
+      </p:sp>
+      <p:sp>
+        <p:nvSpPr>
+          <p:cNvPr id="12" name="Pfeil: gebogen 11">
+            <a:extLst>
+              <a:ext uri="{FF2B5EF4-FFF2-40B4-BE49-F238E27FC236}">
+                <a16:creationId xmlns:a16="http://schemas.microsoft.com/office/drawing/2014/main" id="{AE602009-E169-4526-948D-10D071A49234}"/>
+              </a:ext>
+            </a:extLst>
+          </p:cNvPr>
+          <p:cNvSpPr/>
+          <p:nvPr/>
+        </p:nvSpPr>
+        <p:spPr>
+          <a:xfrm rot="5400000">
+            <a:off x="3024101" y="2318530"/>
+            <a:ext cx="3116291" cy="3116291"/>
+          </a:xfrm>
+          <a:prstGeom prst="circularArrow">
+            <a:avLst>
+              <a:gd name="adj1" fmla="val 5085"/>
+              <a:gd name="adj2" fmla="val 327528"/>
+              <a:gd name="adj3" fmla="val 15845032"/>
+              <a:gd name="adj4" fmla="val 16227440"/>
+              <a:gd name="adj5" fmla="val 5932"/>
+            </a:avLst>
+          </a:prstGeom>
+          <a:solidFill>
+            <a:schemeClr val="accent2"/>
+          </a:solidFill>
+        </p:spPr>
+        <p:style>
+          <a:lnRef idx="0">
+            <a:schemeClr val="accent2">
+              <a:tint val="60000"/>
+              <a:hueOff val="0"/>
+              <a:satOff val="0"/>
+              <a:lumOff val="0"/>
+              <a:alphaOff val="0"/>
+            </a:schemeClr>
+          </a:lnRef>
+          <a:fillRef idx="1">
+            <a:scrgbClr r="0" g="0" b="0"/>
+          </a:fillRef>
+          <a:effectRef idx="0">
+            <a:schemeClr val="accent2">
+              <a:tint val="60000"/>
+              <a:hueOff val="0"/>
+              <a:satOff val="0"/>
+              <a:lumOff val="0"/>
+              <a:alphaOff val="0"/>
+            </a:schemeClr>
+          </a:effectRef>
+          <a:fontRef idx="minor">
+            <a:schemeClr val="dk1">
+              <a:hueOff val="0"/>
+              <a:satOff val="0"/>
+              <a:lumOff val="0"/>
+              <a:alphaOff val="0"/>
+            </a:schemeClr>
+          </a:fontRef>
+        </p:style>
+      </p:sp>
+      <p:sp>
+        <p:nvSpPr>
+          <p:cNvPr id="13" name="Pfeil: gebogen 12">
+            <a:extLst>
+              <a:ext uri="{FF2B5EF4-FFF2-40B4-BE49-F238E27FC236}">
+                <a16:creationId xmlns:a16="http://schemas.microsoft.com/office/drawing/2014/main" id="{F8E57464-6625-42FB-A9C0-E0BD478B376A}"/>
+              </a:ext>
+            </a:extLst>
+          </p:cNvPr>
+          <p:cNvSpPr/>
+          <p:nvPr/>
+        </p:nvSpPr>
+        <p:spPr>
+          <a:xfrm rot="5400000">
+            <a:off x="2599151" y="1898260"/>
+            <a:ext cx="3966210" cy="3966210"/>
+          </a:xfrm>
+          <a:prstGeom prst="circularArrow">
+            <a:avLst>
+              <a:gd name="adj1" fmla="val 5085"/>
+              <a:gd name="adj2" fmla="val 327528"/>
+              <a:gd name="adj3" fmla="val 15841117"/>
+              <a:gd name="adj4" fmla="val 16231354"/>
+              <a:gd name="adj5" fmla="val 5932"/>
+            </a:avLst>
+          </a:prstGeom>
+          <a:solidFill>
+            <a:schemeClr val="accent1"/>
+          </a:solidFill>
+        </p:spPr>
+        <p:style>
+          <a:lnRef idx="0">
+            <a:schemeClr val="accent2">
+              <a:tint val="60000"/>
+              <a:hueOff val="0"/>
+              <a:satOff val="0"/>
+              <a:lumOff val="0"/>
+              <a:alphaOff val="0"/>
+            </a:schemeClr>
+          </a:lnRef>
+          <a:fillRef idx="1">
+            <a:scrgbClr r="0" g="0" b="0"/>
+          </a:fillRef>
+          <a:effectRef idx="0">
+            <a:schemeClr val="accent2">
+              <a:tint val="60000"/>
+              <a:hueOff val="0"/>
+              <a:satOff val="0"/>
+              <a:lumOff val="0"/>
+              <a:alphaOff val="0"/>
+            </a:schemeClr>
+          </a:effectRef>
+          <a:fontRef idx="minor">
+            <a:schemeClr val="dk1">
+              <a:hueOff val="0"/>
+              <a:satOff val="0"/>
+              <a:lumOff val="0"/>
+              <a:alphaOff val="0"/>
+            </a:schemeClr>
+          </a:fontRef>
+        </p:style>
+        <p:txBody>
+          <a:bodyPr/>
+          <a:lstStyle/>
+          <a:p>
+            <a:endParaRPr lang="de-DE" dirty="0"/>
+          </a:p>
+        </p:txBody>
+      </p:sp>
+      <p:sp>
+        <p:nvSpPr>
+          <p:cNvPr id="14" name="Textfeld 13">
+            <a:extLst>
+              <a:ext uri="{FF2B5EF4-FFF2-40B4-BE49-F238E27FC236}">
+                <a16:creationId xmlns:a16="http://schemas.microsoft.com/office/drawing/2014/main" id="{E13D68A5-A626-46CC-99FF-46F291352591}"/>
+              </a:ext>
+            </a:extLst>
+          </p:cNvPr>
+          <p:cNvSpPr txBox="1"/>
+          <p:nvPr/>
+        </p:nvSpPr>
+        <p:spPr>
+          <a:xfrm>
+            <a:off x="2880961" y="2172808"/>
+            <a:ext cx="3407223" cy="3444428"/>
+          </a:xfrm>
+          <a:prstGeom prst="rect">
+            <a:avLst/>
+          </a:prstGeom>
+          <a:noFill/>
+        </p:spPr>
+        <p:txBody>
+          <a:bodyPr wrap="none" lIns="0" tIns="0" rIns="0" bIns="0" rtlCol="0">
+            <a:prstTxWarp prst="textArchUp">
+              <a:avLst>
+                <a:gd name="adj" fmla="val 13401553"/>
+              </a:avLst>
+            </a:prstTxWarp>
+            <a:spAutoFit/>
+          </a:bodyPr>
+          <a:lstStyle/>
+          <a:p>
+            <a:pPr algn="ctr">
+              <a:lnSpc>
+                <a:spcPct val="114000"/>
+              </a:lnSpc>
+            </a:pPr>
+            <a:r>
+              <a:rPr lang="de-DE" sz="1600" dirty="0">
+                <a:solidFill>
+                  <a:schemeClr val="bg1"/>
+                </a:solidFill>
+                <a:latin typeface="+mn-lt"/>
+              </a:rPr>
+              <a:t>Y</a:t>
+            </a:r>
+          </a:p>
+        </p:txBody>
+      </p:sp>
+      <p:sp>
+        <p:nvSpPr>
+          <p:cNvPr id="15" name="Textfeld 14">
+            <a:extLst>
+              <a:ext uri="{FF2B5EF4-FFF2-40B4-BE49-F238E27FC236}">
+                <a16:creationId xmlns:a16="http://schemas.microsoft.com/office/drawing/2014/main" id="{1865F2FD-56E9-48BE-BABA-6FB6EDC28247}"/>
+              </a:ext>
+            </a:extLst>
+          </p:cNvPr>
+          <p:cNvSpPr txBox="1"/>
+          <p:nvPr/>
+        </p:nvSpPr>
+        <p:spPr>
+          <a:xfrm>
+            <a:off x="3253895" y="2537276"/>
+            <a:ext cx="2664807" cy="2654410"/>
+          </a:xfrm>
+          <a:prstGeom prst="rect">
+            <a:avLst/>
+          </a:prstGeom>
+          <a:noFill/>
+        </p:spPr>
+        <p:txBody>
+          <a:bodyPr wrap="none" lIns="0" tIns="0" rIns="0" bIns="0" rtlCol="0">
+            <a:prstTxWarp prst="textArchUp">
+              <a:avLst>
+                <a:gd name="adj" fmla="val 14795351"/>
+              </a:avLst>
+            </a:prstTxWarp>
+            <a:spAutoFit/>
+          </a:bodyPr>
+          <a:lstStyle/>
+          <a:p>
+            <a:pPr algn="ctr">
+              <a:lnSpc>
+                <a:spcPct val="114000"/>
+              </a:lnSpc>
+            </a:pPr>
+            <a:r>
+              <a:rPr lang="de-DE" sz="1400" dirty="0">
+                <a:solidFill>
+                  <a:schemeClr val="bg1"/>
+                </a:solidFill>
+                <a:latin typeface="+mn-lt"/>
+              </a:rPr>
+              <a:t>X</a:t>
+            </a:r>
+            <a:endParaRPr lang="de-DE" sz="1600" dirty="0">
+              <a:solidFill>
+                <a:schemeClr val="bg1"/>
+              </a:solidFill>
+              <a:latin typeface="+mn-lt"/>
+            </a:endParaRPr>
+          </a:p>
+        </p:txBody>
+      </p:sp>
+      <p:cxnSp>
+        <p:nvCxnSpPr>
+          <p:cNvPr id="17" name="Gerader Verbinder 16">
+            <a:extLst>
+              <a:ext uri="{FF2B5EF4-FFF2-40B4-BE49-F238E27FC236}">
+                <a16:creationId xmlns:a16="http://schemas.microsoft.com/office/drawing/2014/main" id="{EFCBE988-16F9-453D-BBAF-6E48D363F5A8}"/>
+              </a:ext>
+            </a:extLst>
+          </p:cNvPr>
+          <p:cNvCxnSpPr>
+            <a:cxnSpLocks/>
+          </p:cNvCxnSpPr>
+          <p:nvPr/>
+        </p:nvCxnSpPr>
+        <p:spPr>
+          <a:xfrm>
+            <a:off x="4119092" y="3136052"/>
+            <a:ext cx="0" cy="0"/>
+          </a:xfrm>
+          <a:prstGeom prst="line">
+            <a:avLst/>
+          </a:prstGeom>
+        </p:spPr>
+        <p:style>
+          <a:lnRef idx="1">
+            <a:schemeClr val="accent1"/>
+          </a:lnRef>
+          <a:fillRef idx="0">
+            <a:schemeClr val="accent1"/>
+          </a:fillRef>
+          <a:effectRef idx="0">
+            <a:schemeClr val="accent1"/>
+          </a:effectRef>
+          <a:fontRef idx="minor">
+            <a:schemeClr val="tx1"/>
+          </a:fontRef>
+        </p:style>
+      </p:cxnSp>
+      <p:sp>
+        <p:nvSpPr>
+          <p:cNvPr id="7" name="Textfeld 6">
+            <a:extLst>
+              <a:ext uri="{FF2B5EF4-FFF2-40B4-BE49-F238E27FC236}">
+                <a16:creationId xmlns:a16="http://schemas.microsoft.com/office/drawing/2014/main" id="{C27BF5FB-F708-4155-8640-1D21EB5B0F43}"/>
+              </a:ext>
+            </a:extLst>
+          </p:cNvPr>
+          <p:cNvSpPr txBox="1"/>
+          <p:nvPr/>
+        </p:nvSpPr>
+        <p:spPr>
+          <a:xfrm>
+            <a:off x="3671740" y="3416163"/>
+            <a:ext cx="1821011" cy="947375"/>
+          </a:xfrm>
+          <a:prstGeom prst="rect">
+            <a:avLst/>
+          </a:prstGeom>
+          <a:noFill/>
+        </p:spPr>
+        <p:txBody>
+          <a:bodyPr wrap="none" lIns="0" tIns="0" rIns="0" bIns="0" rtlCol="0">
+            <a:spAutoFit/>
+          </a:bodyPr>
+          <a:lstStyle/>
+          <a:p>
+            <a:pPr algn="ctr">
+              <a:lnSpc>
+                <a:spcPct val="114000"/>
+              </a:lnSpc>
+            </a:pPr>
+            <a:r>
+              <a:rPr lang="de-DE" dirty="0">
+                <a:latin typeface="+mn-lt"/>
+              </a:rPr>
+              <a:t>Nearest-</a:t>
+            </a:r>
+            <a:r>
+              <a:rPr lang="de-DE" dirty="0" err="1">
+                <a:latin typeface="+mn-lt"/>
+              </a:rPr>
+              <a:t>Neighbor</a:t>
+            </a:r>
+            <a:endParaRPr lang="de-DE" dirty="0">
+              <a:latin typeface="+mn-lt"/>
+            </a:endParaRPr>
+          </a:p>
+          <a:p>
+            <a:pPr algn="ctr">
+              <a:lnSpc>
+                <a:spcPct val="114000"/>
+              </a:lnSpc>
+            </a:pPr>
+            <a:r>
+              <a:rPr lang="de-DE" dirty="0">
+                <a:latin typeface="+mn-lt"/>
+              </a:rPr>
+              <a:t>für aktuellen </a:t>
+            </a:r>
+          </a:p>
+          <a:p>
+            <a:pPr algn="ctr">
+              <a:lnSpc>
+                <a:spcPct val="114000"/>
+              </a:lnSpc>
+            </a:pPr>
+            <a:r>
+              <a:rPr lang="de-DE" dirty="0">
+                <a:latin typeface="+mn-lt"/>
+              </a:rPr>
+              <a:t>Pixel berechnen</a:t>
+            </a:r>
+          </a:p>
+        </p:txBody>
+      </p:sp>
+      <p:pic>
+        <p:nvPicPr>
+          <p:cNvPr id="23" name="Grafik 22">
+            <a:extLst>
+              <a:ext uri="{FF2B5EF4-FFF2-40B4-BE49-F238E27FC236}">
+                <a16:creationId xmlns:a16="http://schemas.microsoft.com/office/drawing/2014/main" id="{D2AA78C6-981F-45B7-A27E-290F85864428}"/>
+              </a:ext>
+            </a:extLst>
+          </p:cNvPr>
+          <p:cNvPicPr>
+            <a:picLocks noChangeAspect="1"/>
+          </p:cNvPicPr>
+          <p:nvPr/>
+        </p:nvPicPr>
+        <p:blipFill rotWithShape="1">
+          <a:blip r:embed="rId2"/>
+          <a:srcRect l="38725" t="46776" r="56373" b="44509"/>
+          <a:stretch/>
+        </p:blipFill>
+        <p:spPr>
+          <a:xfrm>
+            <a:off x="355479" y="3244214"/>
+            <a:ext cx="1264920" cy="1264920"/>
+          </a:xfrm>
+          <a:prstGeom prst="rect">
+            <a:avLst/>
+          </a:prstGeom>
+          <a:ln w="6350" cap="sq">
+            <a:solidFill>
+              <a:srgbClr val="000000"/>
+            </a:solidFill>
+            <a:prstDash val="solid"/>
+            <a:miter lim="800000"/>
+          </a:ln>
+          <a:effectLst/>
+        </p:spPr>
+      </p:pic>
+      <p:sp>
+        <p:nvSpPr>
+          <p:cNvPr id="24" name="Pfeil: nach rechts 23">
+            <a:extLst>
+              <a:ext uri="{FF2B5EF4-FFF2-40B4-BE49-F238E27FC236}">
+                <a16:creationId xmlns:a16="http://schemas.microsoft.com/office/drawing/2014/main" id="{E4483F4F-F067-4651-8B73-AC9C34ED2560}"/>
+              </a:ext>
+            </a:extLst>
+          </p:cNvPr>
+          <p:cNvSpPr/>
+          <p:nvPr/>
+        </p:nvSpPr>
+        <p:spPr>
+          <a:xfrm>
+            <a:off x="1909782" y="3681918"/>
+            <a:ext cx="593271" cy="365125"/>
+          </a:xfrm>
+          <a:prstGeom prst="rightArrow">
+            <a:avLst/>
+          </a:prstGeom>
+          <a:ln>
+            <a:noFill/>
+          </a:ln>
+        </p:spPr>
+        <p:style>
+          <a:lnRef idx="2">
+            <a:schemeClr val="accent1">
+              <a:shade val="50000"/>
+            </a:schemeClr>
+          </a:lnRef>
+          <a:fillRef idx="1">
+            <a:schemeClr val="accent1"/>
+          </a:fillRef>
+          <a:effectRef idx="0">
+            <a:schemeClr val="accent1"/>
+          </a:effectRef>
+          <a:fontRef idx="minor">
+            <a:schemeClr val="lt1"/>
+          </a:fontRef>
+        </p:style>
+        <p:txBody>
+          <a:bodyPr rot="0" spcFirstLastPara="0" vertOverflow="overflow" horzOverflow="overflow" vert="horz" wrap="square" lIns="91440" tIns="45720" rIns="91440" bIns="45720" numCol="1" spcCol="0" rtlCol="0" fromWordArt="0" anchor="t" anchorCtr="0" forceAA="0" compatLnSpc="1">
+            <a:prstTxWarp prst="textNoShape">
+              <a:avLst/>
+            </a:prstTxWarp>
+            <a:noAutofit/>
+          </a:bodyPr>
+          <a:lstStyle/>
+          <a:p>
+            <a:pPr algn="ctr">
+              <a:lnSpc>
+                <a:spcPct val="114000"/>
+              </a:lnSpc>
+            </a:pPr>
+            <a:endParaRPr lang="de-DE" dirty="0"/>
+          </a:p>
+        </p:txBody>
+      </p:sp>
+      <p:sp>
+        <p:nvSpPr>
+          <p:cNvPr id="25" name="Pfeil: nach rechts 24">
+            <a:extLst>
+              <a:ext uri="{FF2B5EF4-FFF2-40B4-BE49-F238E27FC236}">
+                <a16:creationId xmlns:a16="http://schemas.microsoft.com/office/drawing/2014/main" id="{E0EB9E3A-C78B-4E09-972E-2D4F4324A4F9}"/>
+              </a:ext>
+            </a:extLst>
+          </p:cNvPr>
+          <p:cNvSpPr/>
+          <p:nvPr/>
+        </p:nvSpPr>
+        <p:spPr>
+          <a:xfrm>
+            <a:off x="6708501" y="3681917"/>
+            <a:ext cx="593271" cy="365125"/>
+          </a:xfrm>
+          <a:prstGeom prst="rightArrow">
+            <a:avLst/>
+          </a:prstGeom>
+          <a:ln>
+            <a:noFill/>
+          </a:ln>
+        </p:spPr>
+        <p:style>
+          <a:lnRef idx="2">
+            <a:schemeClr val="accent1">
+              <a:shade val="50000"/>
+            </a:schemeClr>
+          </a:lnRef>
+          <a:fillRef idx="1">
+            <a:schemeClr val="accent1"/>
+          </a:fillRef>
+          <a:effectRef idx="0">
+            <a:schemeClr val="accent1"/>
+          </a:effectRef>
+          <a:fontRef idx="minor">
+            <a:schemeClr val="lt1"/>
+          </a:fontRef>
+        </p:style>
+        <p:txBody>
+          <a:bodyPr rot="0" spcFirstLastPara="0" vertOverflow="overflow" horzOverflow="overflow" vert="horz" wrap="square" lIns="91440" tIns="45720" rIns="91440" bIns="45720" numCol="1" spcCol="0" rtlCol="0" fromWordArt="0" anchor="t" anchorCtr="0" forceAA="0" compatLnSpc="1">
+            <a:prstTxWarp prst="textNoShape">
+              <a:avLst/>
+            </a:prstTxWarp>
+            <a:noAutofit/>
+          </a:bodyPr>
+          <a:lstStyle/>
+          <a:p>
+            <a:pPr algn="ctr">
+              <a:lnSpc>
+                <a:spcPct val="114000"/>
+              </a:lnSpc>
+            </a:pPr>
+            <a:endParaRPr lang="de-DE" dirty="0"/>
+          </a:p>
+        </p:txBody>
+      </p:sp>
+      <p:pic>
+        <p:nvPicPr>
+          <p:cNvPr id="26" name="Grafik 25">
+            <a:extLst>
+              <a:ext uri="{FF2B5EF4-FFF2-40B4-BE49-F238E27FC236}">
+                <a16:creationId xmlns:a16="http://schemas.microsoft.com/office/drawing/2014/main" id="{A22A673C-EA41-471D-8861-694929C17F5F}"/>
+              </a:ext>
+            </a:extLst>
+          </p:cNvPr>
+          <p:cNvPicPr>
+            <a:picLocks noChangeAspect="1"/>
+          </p:cNvPicPr>
+          <p:nvPr/>
+        </p:nvPicPr>
+        <p:blipFill rotWithShape="1">
+          <a:blip r:embed="rId3"/>
+          <a:srcRect l="38889" t="46771" r="56454" b="44568"/>
+          <a:stretch/>
+        </p:blipFill>
+        <p:spPr>
+          <a:xfrm>
+            <a:off x="7591155" y="3249482"/>
+            <a:ext cx="1208961" cy="1264920"/>
+          </a:xfrm>
+          <a:prstGeom prst="rect">
+            <a:avLst/>
+          </a:prstGeom>
+          <a:ln w="6350" cap="sq">
+            <a:solidFill>
+              <a:srgbClr val="000000"/>
+            </a:solidFill>
+            <a:prstDash val="solid"/>
+            <a:miter lim="800000"/>
+          </a:ln>
+          <a:effectLst/>
+        </p:spPr>
+      </p:pic>
+    </p:spTree>
+    <p:extLst>
+      <p:ext uri="{BB962C8B-B14F-4D97-AF65-F5344CB8AC3E}">
+        <p14:creationId xmlns:p14="http://schemas.microsoft.com/office/powerpoint/2010/main" val="1219521586"/>
+      </p:ext>
+    </p:extLst>
+  </p:cSld>
+  <p:clrMapOvr>
+    <a:masterClrMapping/>
+  </p:clrMapOvr>
+</p:sld>
+</file>
+
+<file path=ppt/slides/slide11.xml><?xml version="1.0" encoding="utf-8"?>
+<p:sld xmlns:a="http://schemas.openxmlformats.org/drawingml/2006/main" xmlns:r="http://schemas.openxmlformats.org/officeDocument/2006/relationships" xmlns:p="http://schemas.openxmlformats.org/presentationml/2006/main">
+  <p:cSld>
+    <p:spTree>
+      <p:nvGrpSpPr>
+        <p:cNvPr id="1" name=""/>
+        <p:cNvGrpSpPr/>
+        <p:nvPr/>
+      </p:nvGrpSpPr>
+      <p:grpSpPr>
+        <a:xfrm>
+          <a:off x="0" y="0"/>
+          <a:ext cx="0" cy="0"/>
+          <a:chOff x="0" y="0"/>
+          <a:chExt cx="0" cy="0"/>
+        </a:xfrm>
+      </p:grpSpPr>
+      <p:sp>
+        <p:nvSpPr>
+          <p:cNvPr id="4" name="Foliennummernplatzhalter 3"/>
+          <p:cNvSpPr>
+            <a:spLocks noGrp="1"/>
+          </p:cNvSpPr>
+          <p:nvPr>
+            <p:ph type="sldNum" sz="quarter" idx="11"/>
+          </p:nvPr>
+        </p:nvSpPr>
+        <p:spPr/>
+        <p:txBody>
+          <a:bodyPr/>
+          <a:lstStyle/>
+          <a:p>
+            <a:fld id="{CE58CB1E-F828-4F11-99E0-327109AF9DA4}" type="slidenum">
+              <a:rPr lang="de-DE" smtClean="0"/>
+              <a:pPr/>
+              <a:t>11</a:t>
+            </a:fld>
+            <a:endParaRPr lang="de-DE" dirty="0"/>
+          </a:p>
+        </p:txBody>
+      </p:sp>
+      <p:sp>
+        <p:nvSpPr>
+          <p:cNvPr id="6" name="Fußzeilenplatzhalter 4"/>
+          <p:cNvSpPr>
+            <a:spLocks noGrp="1"/>
+          </p:cNvSpPr>
+          <p:nvPr>
+            <p:ph type="ftr" sz="quarter" idx="12"/>
+          </p:nvPr>
+        </p:nvSpPr>
+        <p:spPr/>
+        <p:txBody>
+          <a:bodyPr/>
+          <a:lstStyle/>
+          <a:p>
+            <a:r>
+              <a:rPr lang="de-DE" dirty="0"/>
+              <a:t>Saman Miran | Robin Ostner | Maria Schulze</a:t>
+            </a:r>
+            <a:endParaRPr lang="en-US" dirty="0"/>
+          </a:p>
+        </p:txBody>
+      </p:sp>
+      <p:sp>
+        <p:nvSpPr>
+          <p:cNvPr id="3" name="Titel 2"/>
+          <p:cNvSpPr>
+            <a:spLocks noGrp="1"/>
+          </p:cNvSpPr>
+          <p:nvPr>
+            <p:ph type="title"/>
+          </p:nvPr>
+        </p:nvSpPr>
+        <p:spPr>
+          <a:xfrm>
+            <a:off x="319090" y="994334"/>
+            <a:ext cx="8508999" cy="410369"/>
+          </a:xfrm>
+          <a:prstGeom prst="rect">
+            <a:avLst/>
+          </a:prstGeom>
+        </p:spPr>
+        <p:txBody>
+          <a:bodyPr/>
+          <a:lstStyle/>
+          <a:p>
+            <a:r>
+              <a:rPr lang="de-DE" dirty="0"/>
+              <a:t>Implementierung zoom(…) - SIMD</a:t>
             </a:r>
           </a:p>
         </p:txBody>
@@ -10314,7 +10965,7 @@
 </p:sld>
 </file>
 
-<file path=ppt/slides/slide11.xml><?xml version="1.0" encoding="utf-8"?>
+<file path=ppt/slides/slide12.xml><?xml version="1.0" encoding="utf-8"?>
 <p:sld xmlns:a="http://schemas.openxmlformats.org/drawingml/2006/main" xmlns:r="http://schemas.openxmlformats.org/officeDocument/2006/relationships" xmlns:p="http://schemas.openxmlformats.org/presentationml/2006/main">
   <p:cSld>
     <p:spTree>
@@ -10349,7 +11000,7 @@
             <a:fld id="{CE58CB1E-F828-4F11-99E0-327109AF9DA4}" type="slidenum">
               <a:rPr lang="de-DE" smtClean="0"/>
               <a:pPr/>
-              <a:t>11</a:t>
+              <a:t>12</a:t>
             </a:fld>
             <a:endParaRPr lang="de-DE" dirty="0"/>
           </a:p>
@@ -10372,7 +11023,7 @@
           <a:p>
             <a:r>
               <a:rPr lang="de-DE" dirty="0"/>
-              <a:t>Saman Miran | Maria Schulze | Robin Ostner</a:t>
+              <a:t>Saman Miran | Robin Ostner | Maria Schulze</a:t>
             </a:r>
             <a:endParaRPr lang="en-US" dirty="0"/>
           </a:p>
@@ -10403,7 +11054,7 @@
           <a:p>
             <a:r>
               <a:rPr lang="de-DE" dirty="0"/>
-              <a:t>Implementierung Zoom() - SISD</a:t>
+              <a:t>Implementierung zoom(…) - SIMD</a:t>
             </a:r>
           </a:p>
         </p:txBody>
@@ -10720,8 +11371,17 @@
               <a:rPr lang="de-DE" dirty="0">
                 <a:latin typeface="+mn-lt"/>
               </a:rPr>
-              <a:t>Nearest-Neighbour</a:t>
+              <a:t>Nearest-</a:t>
             </a:r>
+            <a:r>
+              <a:rPr lang="de-DE" dirty="0" err="1">
+                <a:latin typeface="+mn-lt"/>
+              </a:rPr>
+              <a:t>Neighbor</a:t>
+            </a:r>
+            <a:endParaRPr lang="de-DE" dirty="0">
+              <a:latin typeface="+mn-lt"/>
+            </a:endParaRPr>
           </a:p>
           <a:p>
             <a:pPr algn="ctr">
@@ -10954,146 +11614,6 @@
 </p:sld>
 </file>
 
-<file path=ppt/slides/slide12.xml><?xml version="1.0" encoding="utf-8"?>
-<p:sld xmlns:a="http://schemas.openxmlformats.org/drawingml/2006/main" xmlns:r="http://schemas.openxmlformats.org/officeDocument/2006/relationships" xmlns:p="http://schemas.openxmlformats.org/presentationml/2006/main">
-  <p:cSld>
-    <p:spTree>
-      <p:nvGrpSpPr>
-        <p:cNvPr id="1" name=""/>
-        <p:cNvGrpSpPr/>
-        <p:nvPr/>
-      </p:nvGrpSpPr>
-      <p:grpSpPr>
-        <a:xfrm>
-          <a:off x="0" y="0"/>
-          <a:ext cx="0" cy="0"/>
-          <a:chOff x="0" y="0"/>
-          <a:chExt cx="0" cy="0"/>
-        </a:xfrm>
-      </p:grpSpPr>
-      <p:sp>
-        <p:nvSpPr>
-          <p:cNvPr id="4" name="Foliennummernplatzhalter 3"/>
-          <p:cNvSpPr>
-            <a:spLocks noGrp="1"/>
-          </p:cNvSpPr>
-          <p:nvPr>
-            <p:ph type="sldNum" sz="quarter" idx="11"/>
-          </p:nvPr>
-        </p:nvSpPr>
-        <p:spPr/>
-        <p:txBody>
-          <a:bodyPr/>
-          <a:lstStyle/>
-          <a:p>
-            <a:fld id="{CE58CB1E-F828-4F11-99E0-327109AF9DA4}" type="slidenum">
-              <a:rPr lang="de-DE" smtClean="0"/>
-              <a:pPr/>
-              <a:t>12</a:t>
-            </a:fld>
-            <a:endParaRPr lang="de-DE" dirty="0"/>
-          </a:p>
-        </p:txBody>
-      </p:sp>
-      <p:sp>
-        <p:nvSpPr>
-          <p:cNvPr id="6" name="Fußzeilenplatzhalter 4"/>
-          <p:cNvSpPr>
-            <a:spLocks noGrp="1"/>
-          </p:cNvSpPr>
-          <p:nvPr>
-            <p:ph type="ftr" sz="quarter" idx="12"/>
-          </p:nvPr>
-        </p:nvSpPr>
-        <p:spPr>
-          <a:xfrm>
-            <a:off x="316992" y="6473313"/>
-            <a:ext cx="6464280" cy="365125"/>
-          </a:xfrm>
-        </p:spPr>
-        <p:txBody>
-          <a:bodyPr/>
-          <a:lstStyle/>
-          <a:p>
-            <a:r>
-              <a:rPr lang="de-DE" dirty="0"/>
-              <a:t>Saman Miran | Maria Schulze | Robin Ostner</a:t>
-            </a:r>
-            <a:endParaRPr lang="en-US" dirty="0"/>
-          </a:p>
-        </p:txBody>
-      </p:sp>
-      <p:sp>
-        <p:nvSpPr>
-          <p:cNvPr id="3" name="Titel 2"/>
-          <p:cNvSpPr>
-            <a:spLocks noGrp="1"/>
-          </p:cNvSpPr>
-          <p:nvPr>
-            <p:ph type="title"/>
-          </p:nvPr>
-        </p:nvSpPr>
-        <p:spPr>
-          <a:xfrm>
-            <a:off x="319090" y="994334"/>
-            <a:ext cx="8508999" cy="410369"/>
-          </a:xfrm>
-          <a:prstGeom prst="rect">
-            <a:avLst/>
-          </a:prstGeom>
-        </p:spPr>
-        <p:txBody>
-          <a:bodyPr/>
-          <a:lstStyle/>
-          <a:p>
-            <a:r>
-              <a:rPr lang="de-DE" dirty="0"/>
-              <a:t>Ergebnisse</a:t>
-            </a:r>
-          </a:p>
-        </p:txBody>
-      </p:sp>
-      <p:graphicFrame>
-        <p:nvGraphicFramePr>
-          <p:cNvPr id="11" name="Diagramm 10">
-            <a:extLst>
-              <a:ext uri="{FF2B5EF4-FFF2-40B4-BE49-F238E27FC236}">
-                <a16:creationId xmlns:a16="http://schemas.microsoft.com/office/drawing/2014/main" id="{F04ED2B2-20B5-41F0-8D8A-D8ABD3918E82}"/>
-              </a:ext>
-            </a:extLst>
-          </p:cNvPr>
-          <p:cNvGraphicFramePr/>
-          <p:nvPr>
-            <p:extLst>
-              <p:ext uri="{D42A27DB-BD31-4B8C-83A1-F6EECF244321}">
-                <p14:modId xmlns:p14="http://schemas.microsoft.com/office/powerpoint/2010/main" val="3411688434"/>
-              </p:ext>
-            </p:extLst>
-          </p:nvPr>
-        </p:nvGraphicFramePr>
-        <p:xfrm>
-          <a:off x="1524000" y="1907008"/>
-          <a:ext cx="6096000" cy="4064000"/>
-        </p:xfrm>
-        <a:graphic>
-          <a:graphicData uri="http://schemas.openxmlformats.org/drawingml/2006/chart">
-            <c:chart xmlns:c="http://schemas.openxmlformats.org/drawingml/2006/chart" xmlns:r="http://schemas.openxmlformats.org/officeDocument/2006/relationships" r:id="rId2"/>
-          </a:graphicData>
-        </a:graphic>
-      </p:graphicFrame>
-    </p:spTree>
-    <p:extLst>
-      <p:ext uri="{BB962C8B-B14F-4D97-AF65-F5344CB8AC3E}">
-        <p14:creationId xmlns:p14="http://schemas.microsoft.com/office/powerpoint/2010/main" val="3295634483"/>
-      </p:ext>
-    </p:extLst>
-  </p:cSld>
-  <p:clrMapOvr>
-    <a:masterClrMapping/>
-  </p:clrMapOvr>
-</p:sld>
-</file>
-
 <file path=ppt/slides/slide13.xml><?xml version="1.0" encoding="utf-8"?>
 <p:sld xmlns:a="http://schemas.openxmlformats.org/drawingml/2006/main" xmlns:r="http://schemas.openxmlformats.org/officeDocument/2006/relationships" xmlns:p="http://schemas.openxmlformats.org/presentationml/2006/main">
   <p:cSld>
@@ -11157,7 +11677,7 @@
           <a:p>
             <a:r>
               <a:rPr lang="de-DE" dirty="0"/>
-              <a:t>Saman Miran | Maria Schulze | Robin Ostner</a:t>
+              <a:t>Saman Miran | Robin Ostner | Maria Schulze</a:t>
             </a:r>
             <a:endParaRPr lang="en-US" dirty="0"/>
           </a:p>
@@ -11206,7 +11726,147 @@
           <p:nvPr>
             <p:extLst>
               <p:ext uri="{D42A27DB-BD31-4B8C-83A1-F6EECF244321}">
-                <p14:modId xmlns:p14="http://schemas.microsoft.com/office/powerpoint/2010/main" val="4249683087"/>
+                <p14:modId xmlns:p14="http://schemas.microsoft.com/office/powerpoint/2010/main" val="4079244982"/>
+              </p:ext>
+            </p:extLst>
+          </p:nvPr>
+        </p:nvGraphicFramePr>
+        <p:xfrm>
+          <a:off x="1524000" y="1907008"/>
+          <a:ext cx="6096000" cy="4064000"/>
+        </p:xfrm>
+        <a:graphic>
+          <a:graphicData uri="http://schemas.openxmlformats.org/drawingml/2006/chart">
+            <c:chart xmlns:c="http://schemas.openxmlformats.org/drawingml/2006/chart" xmlns:r="http://schemas.openxmlformats.org/officeDocument/2006/relationships" r:id="rId2"/>
+          </a:graphicData>
+        </a:graphic>
+      </p:graphicFrame>
+    </p:spTree>
+    <p:extLst>
+      <p:ext uri="{BB962C8B-B14F-4D97-AF65-F5344CB8AC3E}">
+        <p14:creationId xmlns:p14="http://schemas.microsoft.com/office/powerpoint/2010/main" val="3295634483"/>
+      </p:ext>
+    </p:extLst>
+  </p:cSld>
+  <p:clrMapOvr>
+    <a:masterClrMapping/>
+  </p:clrMapOvr>
+</p:sld>
+</file>
+
+<file path=ppt/slides/slide14.xml><?xml version="1.0" encoding="utf-8"?>
+<p:sld xmlns:a="http://schemas.openxmlformats.org/drawingml/2006/main" xmlns:r="http://schemas.openxmlformats.org/officeDocument/2006/relationships" xmlns:p="http://schemas.openxmlformats.org/presentationml/2006/main">
+  <p:cSld>
+    <p:spTree>
+      <p:nvGrpSpPr>
+        <p:cNvPr id="1" name=""/>
+        <p:cNvGrpSpPr/>
+        <p:nvPr/>
+      </p:nvGrpSpPr>
+      <p:grpSpPr>
+        <a:xfrm>
+          <a:off x="0" y="0"/>
+          <a:ext cx="0" cy="0"/>
+          <a:chOff x="0" y="0"/>
+          <a:chExt cx="0" cy="0"/>
+        </a:xfrm>
+      </p:grpSpPr>
+      <p:sp>
+        <p:nvSpPr>
+          <p:cNvPr id="4" name="Foliennummernplatzhalter 3"/>
+          <p:cNvSpPr>
+            <a:spLocks noGrp="1"/>
+          </p:cNvSpPr>
+          <p:nvPr>
+            <p:ph type="sldNum" sz="quarter" idx="11"/>
+          </p:nvPr>
+        </p:nvSpPr>
+        <p:spPr/>
+        <p:txBody>
+          <a:bodyPr/>
+          <a:lstStyle/>
+          <a:p>
+            <a:fld id="{CE58CB1E-F828-4F11-99E0-327109AF9DA4}" type="slidenum">
+              <a:rPr lang="de-DE" smtClean="0"/>
+              <a:pPr/>
+              <a:t>14</a:t>
+            </a:fld>
+            <a:endParaRPr lang="de-DE" dirty="0"/>
+          </a:p>
+        </p:txBody>
+      </p:sp>
+      <p:sp>
+        <p:nvSpPr>
+          <p:cNvPr id="6" name="Fußzeilenplatzhalter 4"/>
+          <p:cNvSpPr>
+            <a:spLocks noGrp="1"/>
+          </p:cNvSpPr>
+          <p:nvPr>
+            <p:ph type="ftr" sz="quarter" idx="12"/>
+          </p:nvPr>
+        </p:nvSpPr>
+        <p:spPr>
+          <a:xfrm>
+            <a:off x="316992" y="6473313"/>
+            <a:ext cx="6464280" cy="365125"/>
+          </a:xfrm>
+        </p:spPr>
+        <p:txBody>
+          <a:bodyPr/>
+          <a:lstStyle/>
+          <a:p>
+            <a:r>
+              <a:rPr lang="de-DE" dirty="0"/>
+              <a:t>Saman Miran | Robin Ostner | Maria Schulze</a:t>
+            </a:r>
+            <a:endParaRPr lang="en-US" dirty="0"/>
+          </a:p>
+        </p:txBody>
+      </p:sp>
+      <p:sp>
+        <p:nvSpPr>
+          <p:cNvPr id="3" name="Titel 2"/>
+          <p:cNvSpPr>
+            <a:spLocks noGrp="1"/>
+          </p:cNvSpPr>
+          <p:nvPr>
+            <p:ph type="title"/>
+          </p:nvPr>
+        </p:nvSpPr>
+        <p:spPr>
+          <a:xfrm>
+            <a:off x="319090" y="994334"/>
+            <a:ext cx="8508999" cy="410369"/>
+          </a:xfrm>
+          <a:prstGeom prst="rect">
+            <a:avLst/>
+          </a:prstGeom>
+        </p:spPr>
+        <p:txBody>
+          <a:bodyPr/>
+          <a:lstStyle/>
+          <a:p>
+            <a:r>
+              <a:rPr lang="de-DE" dirty="0"/>
+              <a:t>Ergebnisse</a:t>
+            </a:r>
+          </a:p>
+        </p:txBody>
+      </p:sp>
+      <p:graphicFrame>
+        <p:nvGraphicFramePr>
+          <p:cNvPr id="11" name="Diagramm 10">
+            <a:extLst>
+              <a:ext uri="{FF2B5EF4-FFF2-40B4-BE49-F238E27FC236}">
+                <a16:creationId xmlns:a16="http://schemas.microsoft.com/office/drawing/2014/main" id="{F04ED2B2-20B5-41F0-8D8A-D8ABD3918E82}"/>
+              </a:ext>
+            </a:extLst>
+          </p:cNvPr>
+          <p:cNvGraphicFramePr/>
+          <p:nvPr>
+            <p:extLst>
+              <p:ext uri="{D42A27DB-BD31-4B8C-83A1-F6EECF244321}">
+                <p14:modId xmlns:p14="http://schemas.microsoft.com/office/powerpoint/2010/main" val="2036821873"/>
               </p:ext>
             </p:extLst>
           </p:nvPr>
@@ -11225,6 +11885,118 @@
     <p:extLst>
       <p:ext uri="{BB962C8B-B14F-4D97-AF65-F5344CB8AC3E}">
         <p14:creationId xmlns:p14="http://schemas.microsoft.com/office/powerpoint/2010/main" val="1837484464"/>
+      </p:ext>
+    </p:extLst>
+  </p:cSld>
+  <p:clrMapOvr>
+    <a:masterClrMapping/>
+  </p:clrMapOvr>
+</p:sld>
+</file>
+
+<file path=ppt/slides/slide15.xml><?xml version="1.0" encoding="utf-8"?>
+<p:sld xmlns:a="http://schemas.openxmlformats.org/drawingml/2006/main" xmlns:r="http://schemas.openxmlformats.org/officeDocument/2006/relationships" xmlns:p="http://schemas.openxmlformats.org/presentationml/2006/main">
+  <p:cSld>
+    <p:spTree>
+      <p:nvGrpSpPr>
+        <p:cNvPr id="1" name=""/>
+        <p:cNvGrpSpPr/>
+        <p:nvPr/>
+      </p:nvGrpSpPr>
+      <p:grpSpPr>
+        <a:xfrm>
+          <a:off x="0" y="0"/>
+          <a:ext cx="0" cy="0"/>
+          <a:chOff x="0" y="0"/>
+          <a:chExt cx="0" cy="0"/>
+        </a:xfrm>
+      </p:grpSpPr>
+      <p:sp>
+        <p:nvSpPr>
+          <p:cNvPr id="4" name="Foliennummernplatzhalter 3"/>
+          <p:cNvSpPr>
+            <a:spLocks noGrp="1"/>
+          </p:cNvSpPr>
+          <p:nvPr>
+            <p:ph type="sldNum" sz="quarter" idx="11"/>
+          </p:nvPr>
+        </p:nvSpPr>
+        <p:spPr/>
+        <p:txBody>
+          <a:bodyPr/>
+          <a:lstStyle/>
+          <a:p>
+            <a:fld id="{CE58CB1E-F828-4F11-99E0-327109AF9DA4}" type="slidenum">
+              <a:rPr lang="de-DE" smtClean="0"/>
+              <a:pPr/>
+              <a:t>15</a:t>
+            </a:fld>
+            <a:endParaRPr lang="de-DE" dirty="0"/>
+          </a:p>
+        </p:txBody>
+      </p:sp>
+      <p:sp>
+        <p:nvSpPr>
+          <p:cNvPr id="6" name="Fußzeilenplatzhalter 4"/>
+          <p:cNvSpPr>
+            <a:spLocks noGrp="1"/>
+          </p:cNvSpPr>
+          <p:nvPr>
+            <p:ph type="ftr" sz="quarter" idx="12"/>
+          </p:nvPr>
+        </p:nvSpPr>
+        <p:spPr>
+          <a:xfrm>
+            <a:off x="316992" y="6473313"/>
+            <a:ext cx="6464280" cy="365125"/>
+          </a:xfrm>
+        </p:spPr>
+        <p:txBody>
+          <a:bodyPr/>
+          <a:lstStyle/>
+          <a:p>
+            <a:r>
+              <a:rPr lang="de-DE" dirty="0"/>
+              <a:t>Saman Miran | Robin Ostner | Maria Schulze</a:t>
+            </a:r>
+            <a:endParaRPr lang="en-US" dirty="0"/>
+          </a:p>
+        </p:txBody>
+      </p:sp>
+      <p:sp>
+        <p:nvSpPr>
+          <p:cNvPr id="3" name="Titel 2"/>
+          <p:cNvSpPr>
+            <a:spLocks noGrp="1"/>
+          </p:cNvSpPr>
+          <p:nvPr>
+            <p:ph type="title"/>
+          </p:nvPr>
+        </p:nvSpPr>
+        <p:spPr>
+          <a:xfrm>
+            <a:off x="319090" y="994334"/>
+            <a:ext cx="8508999" cy="410369"/>
+          </a:xfrm>
+          <a:prstGeom prst="rect">
+            <a:avLst/>
+          </a:prstGeom>
+        </p:spPr>
+        <p:txBody>
+          <a:bodyPr/>
+          <a:lstStyle/>
+          <a:p>
+            <a:r>
+              <a:rPr lang="de-DE" dirty="0"/>
+              <a:t>Ergebnisse</a:t>
+            </a:r>
+          </a:p>
+        </p:txBody>
+      </p:sp>
+    </p:spTree>
+    <p:extLst>
+      <p:ext uri="{BB962C8B-B14F-4D97-AF65-F5344CB8AC3E}">
+        <p14:creationId xmlns:p14="http://schemas.microsoft.com/office/powerpoint/2010/main" val="1340371413"/>
       </p:ext>
     </p:extLst>
   </p:cSld>
@@ -11292,7 +12064,7 @@
           <a:p>
             <a:r>
               <a:rPr lang="de-DE" dirty="0"/>
-              <a:t>Saman Miran | Maria Schulze | Robin Ostner</a:t>
+              <a:t>Saman Miran | Robin Ostner | Maria Schulze</a:t>
             </a:r>
             <a:endParaRPr lang="en-US" dirty="0"/>
           </a:p>
@@ -11319,15 +12091,7 @@
           <a:p>
             <a:r>
               <a:rPr lang="de-DE" sz="3200" dirty="0"/>
-              <a:t>Problemstellung – </a:t>
-            </a:r>
-            <a:r>
-              <a:rPr lang="de-DE" sz="3200" dirty="0" err="1"/>
-              <a:t>Window</a:t>
-            </a:r>
-            <a:r>
-              <a:rPr lang="de-DE" sz="3200" dirty="0"/>
-              <a:t>()</a:t>
+              <a:t>Problemstellung</a:t>
             </a:r>
             <a:endParaRPr lang="de-DE" sz="3000" dirty="0"/>
           </a:p>
@@ -11354,7 +12118,327 @@
         </p:blipFill>
         <p:spPr>
           <a:xfrm>
-            <a:off x="945187" y="2742377"/>
+            <a:off x="1622400" y="3064204"/>
+            <a:ext cx="1301123" cy="1283351"/>
+          </a:xfrm>
+          <a:prstGeom prst="rect">
+            <a:avLst/>
+          </a:prstGeom>
+        </p:spPr>
+      </p:pic>
+      <p:sp>
+        <p:nvSpPr>
+          <p:cNvPr id="42" name="Textfeld 41">
+            <a:extLst>
+              <a:ext uri="{FF2B5EF4-FFF2-40B4-BE49-F238E27FC236}">
+                <a16:creationId xmlns:a16="http://schemas.microsoft.com/office/drawing/2014/main" id="{9A272CFC-E2C5-4BB0-8436-88F929C91CA7}"/>
+              </a:ext>
+            </a:extLst>
+          </p:cNvPr>
+          <p:cNvSpPr txBox="1"/>
+          <p:nvPr/>
+        </p:nvSpPr>
+        <p:spPr>
+          <a:xfrm>
+            <a:off x="1920302" y="5281809"/>
+            <a:ext cx="705321" cy="257250"/>
+          </a:xfrm>
+          <a:prstGeom prst="rect">
+            <a:avLst/>
+          </a:prstGeom>
+          <a:noFill/>
+        </p:spPr>
+        <p:txBody>
+          <a:bodyPr wrap="none" lIns="0" tIns="0" rIns="0" bIns="0" rtlCol="0">
+            <a:spAutoFit/>
+          </a:bodyPr>
+          <a:lstStyle/>
+          <a:p>
+            <a:pPr>
+              <a:lnSpc>
+                <a:spcPct val="114000"/>
+              </a:lnSpc>
+            </a:pPr>
+            <a:r>
+              <a:rPr lang="de-DE" sz="1600" dirty="0">
+                <a:latin typeface="+mn-lt"/>
+              </a:rPr>
+              <a:t>Original</a:t>
+            </a:r>
+          </a:p>
+        </p:txBody>
+      </p:sp>
+      <p:pic>
+        <p:nvPicPr>
+          <p:cNvPr id="16" name="Grafik 15">
+            <a:extLst>
+              <a:ext uri="{FF2B5EF4-FFF2-40B4-BE49-F238E27FC236}">
+                <a16:creationId xmlns:a16="http://schemas.microsoft.com/office/drawing/2014/main" id="{9DDDDCF9-0F8F-4756-91E4-D9FF9A048E9D}"/>
+              </a:ext>
+            </a:extLst>
+          </p:cNvPr>
+          <p:cNvPicPr>
+            <a:picLocks noChangeAspect="1"/>
+          </p:cNvPicPr>
+          <p:nvPr/>
+        </p:nvPicPr>
+        <p:blipFill rotWithShape="1">
+          <a:blip r:embed="rId3"/>
+          <a:srcRect l="38889" t="46771" r="56454" b="44568"/>
+          <a:stretch/>
+        </p:blipFill>
+        <p:spPr>
+          <a:xfrm>
+            <a:off x="5369270" y="2536941"/>
+            <a:ext cx="2246248" cy="2350220"/>
+          </a:xfrm>
+          <a:prstGeom prst="rect">
+            <a:avLst/>
+          </a:prstGeom>
+          <a:ln w="6350" cap="sq">
+            <a:solidFill>
+              <a:srgbClr val="000000"/>
+            </a:solidFill>
+            <a:prstDash val="solid"/>
+            <a:miter lim="800000"/>
+          </a:ln>
+          <a:effectLst/>
+        </p:spPr>
+      </p:pic>
+      <p:sp>
+        <p:nvSpPr>
+          <p:cNvPr id="17" name="Textfeld 16">
+            <a:extLst>
+              <a:ext uri="{FF2B5EF4-FFF2-40B4-BE49-F238E27FC236}">
+                <a16:creationId xmlns:a16="http://schemas.microsoft.com/office/drawing/2014/main" id="{17C2B29D-0BC7-409B-B67D-3C822190F17D}"/>
+              </a:ext>
+            </a:extLst>
+          </p:cNvPr>
+          <p:cNvSpPr txBox="1"/>
+          <p:nvPr/>
+        </p:nvSpPr>
+        <p:spPr>
+          <a:xfrm>
+            <a:off x="5420113" y="5281809"/>
+            <a:ext cx="2144561" cy="257250"/>
+          </a:xfrm>
+          <a:prstGeom prst="rect">
+            <a:avLst/>
+          </a:prstGeom>
+          <a:noFill/>
+        </p:spPr>
+        <p:txBody>
+          <a:bodyPr wrap="none" lIns="0" tIns="0" rIns="0" bIns="0" rtlCol="0">
+            <a:spAutoFit/>
+          </a:bodyPr>
+          <a:lstStyle/>
+          <a:p>
+            <a:pPr>
+              <a:lnSpc>
+                <a:spcPct val="114000"/>
+              </a:lnSpc>
+            </a:pPr>
+            <a:r>
+              <a:rPr lang="de-DE" sz="1600" dirty="0">
+                <a:latin typeface="+mn-lt"/>
+              </a:rPr>
+              <a:t>Vergrößerter Ausschnitt</a:t>
+            </a:r>
+          </a:p>
+        </p:txBody>
+      </p:sp>
+      <p:sp>
+        <p:nvSpPr>
+          <p:cNvPr id="18" name="Pfeil: nach rechts 17">
+            <a:extLst>
+              <a:ext uri="{FF2B5EF4-FFF2-40B4-BE49-F238E27FC236}">
+                <a16:creationId xmlns:a16="http://schemas.microsoft.com/office/drawing/2014/main" id="{7FB29540-3191-42A6-9472-D591906BBEE7}"/>
+              </a:ext>
+            </a:extLst>
+          </p:cNvPr>
+          <p:cNvSpPr/>
+          <p:nvPr/>
+        </p:nvSpPr>
+        <p:spPr>
+          <a:xfrm>
+            <a:off x="3849761" y="3523316"/>
+            <a:ext cx="593271" cy="365125"/>
+          </a:xfrm>
+          <a:prstGeom prst="rightArrow">
+            <a:avLst/>
+          </a:prstGeom>
+          <a:ln>
+            <a:noFill/>
+          </a:ln>
+        </p:spPr>
+        <p:style>
+          <a:lnRef idx="2">
+            <a:schemeClr val="accent1">
+              <a:shade val="50000"/>
+            </a:schemeClr>
+          </a:lnRef>
+          <a:fillRef idx="1">
+            <a:schemeClr val="accent1"/>
+          </a:fillRef>
+          <a:effectRef idx="0">
+            <a:schemeClr val="accent1"/>
+          </a:effectRef>
+          <a:fontRef idx="minor">
+            <a:schemeClr val="lt1"/>
+          </a:fontRef>
+        </p:style>
+        <p:txBody>
+          <a:bodyPr rot="0" spcFirstLastPara="0" vertOverflow="overflow" horzOverflow="overflow" vert="horz" wrap="square" lIns="91440" tIns="45720" rIns="91440" bIns="45720" numCol="1" spcCol="0" rtlCol="0" fromWordArt="0" anchor="t" anchorCtr="0" forceAA="0" compatLnSpc="1">
+            <a:prstTxWarp prst="textNoShape">
+              <a:avLst/>
+            </a:prstTxWarp>
+            <a:noAutofit/>
+          </a:bodyPr>
+          <a:lstStyle/>
+          <a:p>
+            <a:pPr algn="ctr">
+              <a:lnSpc>
+                <a:spcPct val="114000"/>
+              </a:lnSpc>
+            </a:pPr>
+            <a:endParaRPr lang="de-DE" dirty="0"/>
+          </a:p>
+        </p:txBody>
+      </p:sp>
+    </p:spTree>
+    <p:extLst>
+      <p:ext uri="{BB962C8B-B14F-4D97-AF65-F5344CB8AC3E}">
+        <p14:creationId xmlns:p14="http://schemas.microsoft.com/office/powerpoint/2010/main" val="754292799"/>
+      </p:ext>
+    </p:extLst>
+  </p:cSld>
+  <p:clrMapOvr>
+    <a:masterClrMapping/>
+  </p:clrMapOvr>
+</p:sld>
+</file>
+
+<file path=ppt/slides/slide3.xml><?xml version="1.0" encoding="utf-8"?>
+<p:sld xmlns:a="http://schemas.openxmlformats.org/drawingml/2006/main" xmlns:r="http://schemas.openxmlformats.org/officeDocument/2006/relationships" xmlns:p="http://schemas.openxmlformats.org/presentationml/2006/main">
+  <p:cSld>
+    <p:spTree>
+      <p:nvGrpSpPr>
+        <p:cNvPr id="1" name=""/>
+        <p:cNvGrpSpPr/>
+        <p:nvPr/>
+      </p:nvGrpSpPr>
+      <p:grpSpPr>
+        <a:xfrm>
+          <a:off x="0" y="0"/>
+          <a:ext cx="0" cy="0"/>
+          <a:chOff x="0" y="0"/>
+          <a:chExt cx="0" cy="0"/>
+        </a:xfrm>
+      </p:grpSpPr>
+      <p:sp>
+        <p:nvSpPr>
+          <p:cNvPr id="4" name="Foliennummernplatzhalter 3"/>
+          <p:cNvSpPr>
+            <a:spLocks noGrp="1"/>
+          </p:cNvSpPr>
+          <p:nvPr>
+            <p:ph type="sldNum" sz="quarter" idx="11"/>
+          </p:nvPr>
+        </p:nvSpPr>
+        <p:spPr/>
+        <p:txBody>
+          <a:bodyPr/>
+          <a:lstStyle/>
+          <a:p>
+            <a:fld id="{CE58CB1E-F828-4F11-99E0-327109AF9DA4}" type="slidenum">
+              <a:rPr lang="de-DE" smtClean="0"/>
+              <a:pPr/>
+              <a:t>3</a:t>
+            </a:fld>
+            <a:endParaRPr lang="de-DE" dirty="0"/>
+          </a:p>
+        </p:txBody>
+      </p:sp>
+      <p:sp>
+        <p:nvSpPr>
+          <p:cNvPr id="6" name="Fußzeilenplatzhalter 4"/>
+          <p:cNvSpPr>
+            <a:spLocks noGrp="1"/>
+          </p:cNvSpPr>
+          <p:nvPr>
+            <p:ph type="ftr" sz="quarter" idx="12"/>
+          </p:nvPr>
+        </p:nvSpPr>
+        <p:spPr/>
+        <p:txBody>
+          <a:bodyPr/>
+          <a:lstStyle/>
+          <a:p>
+            <a:r>
+              <a:rPr lang="de-DE" dirty="0"/>
+              <a:t>Saman Miran | Robin Ostner | Maria Schulze</a:t>
+            </a:r>
+            <a:endParaRPr lang="en-US" dirty="0"/>
+          </a:p>
+        </p:txBody>
+      </p:sp>
+      <p:sp>
+        <p:nvSpPr>
+          <p:cNvPr id="3" name="Titel 2"/>
+          <p:cNvSpPr>
+            <a:spLocks noGrp="1"/>
+          </p:cNvSpPr>
+          <p:nvPr>
+            <p:ph type="title"/>
+          </p:nvPr>
+        </p:nvSpPr>
+        <p:spPr>
+          <a:prstGeom prst="rect">
+            <a:avLst/>
+          </a:prstGeom>
+        </p:spPr>
+        <p:txBody>
+          <a:bodyPr/>
+          <a:lstStyle/>
+          <a:p>
+            <a:r>
+              <a:rPr lang="de-DE" sz="3200" dirty="0"/>
+              <a:t>Problemstellung – </a:t>
+            </a:r>
+            <a:r>
+              <a:rPr lang="de-DE" sz="3200" dirty="0" err="1"/>
+              <a:t>window</a:t>
+            </a:r>
+            <a:r>
+              <a:rPr lang="de-DE" sz="3200" dirty="0"/>
+              <a:t>(…)</a:t>
+            </a:r>
+            <a:endParaRPr lang="de-DE" sz="3000" dirty="0"/>
+          </a:p>
+        </p:txBody>
+      </p:sp>
+      <p:pic>
+        <p:nvPicPr>
+          <p:cNvPr id="26" name="Grafik 25">
+            <a:extLst>
+              <a:ext uri="{FF2B5EF4-FFF2-40B4-BE49-F238E27FC236}">
+                <a16:creationId xmlns:a16="http://schemas.microsoft.com/office/drawing/2014/main" id="{C2F19260-2FCE-4D34-A3DB-A5223D79E0B7}"/>
+              </a:ext>
+            </a:extLst>
+          </p:cNvPr>
+          <p:cNvPicPr>
+            <a:picLocks noChangeAspect="1"/>
+          </p:cNvPicPr>
+          <p:nvPr/>
+        </p:nvPicPr>
+        <p:blipFill rotWithShape="1">
+          <a:blip r:embed="rId2"/>
+          <a:srcRect l="39499" t="48317" r="57234" b="45952"/>
+          <a:stretch/>
+        </p:blipFill>
+        <p:spPr>
+          <a:xfrm>
+            <a:off x="998974" y="2742377"/>
             <a:ext cx="1624612" cy="1602421"/>
           </a:xfrm>
           <a:prstGeom prst="rect">
@@ -11383,7 +12467,7 @@
         </p:blipFill>
         <p:spPr>
           <a:xfrm>
-            <a:off x="3915948" y="2742378"/>
+            <a:off x="3969735" y="2742378"/>
             <a:ext cx="1624612" cy="1602421"/>
           </a:xfrm>
           <a:prstGeom prst="rect">
@@ -11412,7 +12496,7 @@
         </p:blipFill>
         <p:spPr>
           <a:xfrm>
-            <a:off x="6851461" y="3163377"/>
+            <a:off x="6905248" y="3163377"/>
             <a:ext cx="821981" cy="848327"/>
           </a:xfrm>
           <a:prstGeom prst="rect">
@@ -11441,7 +12525,7 @@
         </p:nvCxnSpPr>
         <p:spPr>
           <a:xfrm>
-            <a:off x="4150995" y="2626437"/>
+            <a:off x="4204782" y="2626437"/>
             <a:ext cx="0" cy="0"/>
           </a:xfrm>
           <a:prstGeom prst="line">
@@ -11477,7 +12561,7 @@
         </p:nvCxnSpPr>
         <p:spPr>
           <a:xfrm>
-            <a:off x="4330065" y="3106497"/>
+            <a:off x="4383852" y="3106497"/>
             <a:ext cx="0" cy="838200"/>
           </a:xfrm>
           <a:prstGeom prst="line">
@@ -11516,7 +12600,7 @@
         </p:nvCxnSpPr>
         <p:spPr>
           <a:xfrm>
-            <a:off x="5143500" y="3093162"/>
+            <a:off x="5197287" y="3093162"/>
             <a:ext cx="0" cy="851535"/>
           </a:xfrm>
           <a:prstGeom prst="line">
@@ -11555,7 +12639,7 @@
         </p:nvCxnSpPr>
         <p:spPr>
           <a:xfrm>
-            <a:off x="4315778" y="3106497"/>
+            <a:off x="4369565" y="3106497"/>
             <a:ext cx="831532" cy="0"/>
           </a:xfrm>
           <a:prstGeom prst="line">
@@ -11598,7 +12682,7 @@
         </p:nvCxnSpPr>
         <p:spPr>
           <a:xfrm>
-            <a:off x="4319580" y="3930426"/>
+            <a:off x="4373367" y="3930426"/>
             <a:ext cx="831532" cy="0"/>
           </a:xfrm>
           <a:prstGeom prst="line">
@@ -11639,7 +12723,7 @@
         </p:nvSpPr>
         <p:spPr>
           <a:xfrm>
-            <a:off x="1404832" y="4706472"/>
+            <a:off x="1458619" y="4706472"/>
             <a:ext cx="705321" cy="257250"/>
           </a:xfrm>
           <a:prstGeom prst="rect">
@@ -11681,7 +12765,7 @@
         </p:nvSpPr>
         <p:spPr>
           <a:xfrm>
-            <a:off x="3731186" y="4706472"/>
+            <a:off x="3784973" y="4706472"/>
             <a:ext cx="1994136" cy="257250"/>
           </a:xfrm>
           <a:prstGeom prst="rect">
@@ -11723,7 +12807,7 @@
         </p:nvSpPr>
         <p:spPr>
           <a:xfrm>
-            <a:off x="6793396" y="4706472"/>
+            <a:off x="6847183" y="4706472"/>
             <a:ext cx="945772" cy="257250"/>
           </a:xfrm>
           <a:prstGeom prst="rect">
@@ -11748,6 +12832,122 @@
               </a:rPr>
               <a:t>Ausschnitt</a:t>
             </a:r>
+          </a:p>
+        </p:txBody>
+      </p:sp>
+      <p:sp>
+        <p:nvSpPr>
+          <p:cNvPr id="16" name="Pfeil: nach rechts 15">
+            <a:extLst>
+              <a:ext uri="{FF2B5EF4-FFF2-40B4-BE49-F238E27FC236}">
+                <a16:creationId xmlns:a16="http://schemas.microsoft.com/office/drawing/2014/main" id="{84FDF069-1189-4420-9A53-17EAE6AA8DE9}"/>
+              </a:ext>
+            </a:extLst>
+          </p:cNvPr>
+          <p:cNvSpPr/>
+          <p:nvPr/>
+        </p:nvSpPr>
+        <p:spPr>
+          <a:xfrm>
+            <a:off x="3003818" y="3404977"/>
+            <a:ext cx="593271" cy="365125"/>
+          </a:xfrm>
+          <a:prstGeom prst="rightArrow">
+            <a:avLst/>
+          </a:prstGeom>
+          <a:ln>
+            <a:noFill/>
+          </a:ln>
+        </p:spPr>
+        <p:style>
+          <a:lnRef idx="2">
+            <a:schemeClr val="accent1">
+              <a:shade val="50000"/>
+            </a:schemeClr>
+          </a:lnRef>
+          <a:fillRef idx="1">
+            <a:schemeClr val="accent1"/>
+          </a:fillRef>
+          <a:effectRef idx="0">
+            <a:schemeClr val="accent1"/>
+          </a:effectRef>
+          <a:fontRef idx="minor">
+            <a:schemeClr val="lt1"/>
+          </a:fontRef>
+        </p:style>
+        <p:txBody>
+          <a:bodyPr rot="0" spcFirstLastPara="0" vertOverflow="overflow" horzOverflow="overflow" vert="horz" wrap="square" lIns="91440" tIns="45720" rIns="91440" bIns="45720" numCol="1" spcCol="0" rtlCol="0" fromWordArt="0" anchor="t" anchorCtr="0" forceAA="0" compatLnSpc="1">
+            <a:prstTxWarp prst="textNoShape">
+              <a:avLst/>
+            </a:prstTxWarp>
+            <a:noAutofit/>
+          </a:bodyPr>
+          <a:lstStyle/>
+          <a:p>
+            <a:pPr algn="ctr">
+              <a:lnSpc>
+                <a:spcPct val="114000"/>
+              </a:lnSpc>
+            </a:pPr>
+            <a:endParaRPr lang="de-DE" dirty="0"/>
+          </a:p>
+        </p:txBody>
+      </p:sp>
+      <p:sp>
+        <p:nvSpPr>
+          <p:cNvPr id="17" name="Pfeil: nach rechts 16">
+            <a:extLst>
+              <a:ext uri="{FF2B5EF4-FFF2-40B4-BE49-F238E27FC236}">
+                <a16:creationId xmlns:a16="http://schemas.microsoft.com/office/drawing/2014/main" id="{43D4F736-AB93-41C1-8D89-85A52E73FA20}"/>
+              </a:ext>
+            </a:extLst>
+          </p:cNvPr>
+          <p:cNvSpPr/>
+          <p:nvPr/>
+        </p:nvSpPr>
+        <p:spPr>
+          <a:xfrm>
+            <a:off x="6008464" y="3429000"/>
+            <a:ext cx="593271" cy="365125"/>
+          </a:xfrm>
+          <a:prstGeom prst="rightArrow">
+            <a:avLst/>
+          </a:prstGeom>
+          <a:ln>
+            <a:noFill/>
+          </a:ln>
+        </p:spPr>
+        <p:style>
+          <a:lnRef idx="2">
+            <a:schemeClr val="accent1">
+              <a:shade val="50000"/>
+            </a:schemeClr>
+          </a:lnRef>
+          <a:fillRef idx="1">
+            <a:schemeClr val="accent1"/>
+          </a:fillRef>
+          <a:effectRef idx="0">
+            <a:schemeClr val="accent1"/>
+          </a:effectRef>
+          <a:fontRef idx="minor">
+            <a:schemeClr val="lt1"/>
+          </a:fontRef>
+        </p:style>
+        <p:txBody>
+          <a:bodyPr rot="0" spcFirstLastPara="0" vertOverflow="overflow" horzOverflow="overflow" vert="horz" wrap="square" lIns="91440" tIns="45720" rIns="91440" bIns="45720" numCol="1" spcCol="0" rtlCol="0" fromWordArt="0" anchor="t" anchorCtr="0" forceAA="0" compatLnSpc="1">
+            <a:prstTxWarp prst="textNoShape">
+              <a:avLst/>
+            </a:prstTxWarp>
+            <a:noAutofit/>
+          </a:bodyPr>
+          <a:lstStyle/>
+          <a:p>
+            <a:pPr algn="ctr">
+              <a:lnSpc>
+                <a:spcPct val="114000"/>
+              </a:lnSpc>
+            </a:pPr>
+            <a:endParaRPr lang="de-DE" dirty="0"/>
           </a:p>
         </p:txBody>
       </p:sp>
@@ -11764,7 +12964,7 @@
 </p:sld>
 </file>
 
-<file path=ppt/slides/slide3.xml><?xml version="1.0" encoding="utf-8"?>
+<file path=ppt/slides/slide4.xml><?xml version="1.0" encoding="utf-8"?>
 <p:sld xmlns:a="http://schemas.openxmlformats.org/drawingml/2006/main" xmlns:r="http://schemas.openxmlformats.org/officeDocument/2006/relationships" xmlns:p="http://schemas.openxmlformats.org/presentationml/2006/main">
   <p:cSld>
     <p:spTree>
@@ -11830,7 +13030,7 @@
             <a:fld id="{CE58CB1E-F828-4F11-99E0-327109AF9DA4}" type="slidenum">
               <a:rPr lang="de-DE" smtClean="0"/>
               <a:pPr/>
-              <a:t>3</a:t>
+              <a:t>4</a:t>
             </a:fld>
             <a:endParaRPr lang="de-DE" dirty="0"/>
           </a:p>
@@ -11853,7 +13053,7 @@
           <a:p>
             <a:r>
               <a:rPr lang="de-DE" dirty="0"/>
-              <a:t>Saman Miran | Maria Schulze | Robin Ostner</a:t>
+              <a:t>Saman Miran | Robin Ostner | Maria Schulze</a:t>
             </a:r>
             <a:endParaRPr lang="en-US" dirty="0"/>
           </a:p>
@@ -11880,7 +13080,7 @@
           <a:p>
             <a:r>
               <a:rPr lang="de-DE" sz="3200" dirty="0"/>
-              <a:t>Problemstellung – Zoom()</a:t>
+              <a:t>Problemstellung – zoom(…)</a:t>
             </a:r>
             <a:endParaRPr lang="de-DE" sz="3000" dirty="0"/>
           </a:p>
@@ -12159,7 +13359,7 @@
         <p:spPr>
           <a:xfrm>
             <a:off x="4610057" y="4554296"/>
-            <a:ext cx="1720023" cy="257250"/>
+            <a:ext cx="1606209" cy="257250"/>
           </a:xfrm>
           <a:prstGeom prst="rect">
             <a:avLst/>
@@ -12178,22 +13378,16 @@
               </a:lnSpc>
             </a:pPr>
             <a:r>
-              <a:rPr lang="de-DE" sz="1600" dirty="0" err="1">
-                <a:latin typeface="+mn-lt"/>
-              </a:rPr>
-              <a:t>Nearest</a:t>
-            </a:r>
-            <a:r>
               <a:rPr lang="de-DE" sz="1600" dirty="0">
                 <a:latin typeface="+mn-lt"/>
               </a:rPr>
-              <a:t> </a:t>
+              <a:t>Nearest </a:t>
             </a:r>
             <a:r>
               <a:rPr lang="de-DE" sz="1600" dirty="0" err="1">
                 <a:latin typeface="+mn-lt"/>
               </a:rPr>
-              <a:t>Neighbour</a:t>
+              <a:t>Neighbor</a:t>
             </a:r>
             <a:endParaRPr lang="de-DE" sz="1600" dirty="0">
               <a:latin typeface="+mn-lt"/>
@@ -12362,7 +13556,7 @@
 </p:sld>
 </file>
 
-<file path=ppt/slides/slide4.xml><?xml version="1.0" encoding="utf-8"?>
+<file path=ppt/slides/slide5.xml><?xml version="1.0" encoding="utf-8"?>
 <p:sld xmlns:a="http://schemas.openxmlformats.org/drawingml/2006/main" xmlns:r="http://schemas.openxmlformats.org/officeDocument/2006/relationships" xmlns:p="http://schemas.openxmlformats.org/presentationml/2006/main">
   <p:cSld>
     <p:spTree>
@@ -12484,7 +13678,7 @@
             </a:pPr>
             <a:r>
               <a:rPr lang="de-DE" dirty="0"/>
-              <a:t>Vollständige Version mit Zeitmessung und allen verschiedenen Implementierung</a:t>
+              <a:t>Vollständige Version mit Zeitmessung und allen verschiedenen Implementierungen</a:t>
             </a:r>
           </a:p>
           <a:p>
@@ -12521,7 +13715,7 @@
             <a:fld id="{CE58CB1E-F828-4F11-99E0-327109AF9DA4}" type="slidenum">
               <a:rPr lang="de-DE" smtClean="0"/>
               <a:pPr/>
-              <a:t>4</a:t>
+              <a:t>5</a:t>
             </a:fld>
             <a:endParaRPr lang="de-DE" dirty="0"/>
           </a:p>
@@ -12544,7 +13738,7 @@
           <a:p>
             <a:r>
               <a:rPr lang="de-DE" dirty="0"/>
-              <a:t>Saman Miran | Maria Schulze | Robin Ostner</a:t>
+              <a:t>Saman Miran | Robin Ostner | Maria Schulze</a:t>
             </a:r>
             <a:endParaRPr lang="en-US" dirty="0"/>
           </a:p>
@@ -12584,7 +13778,7 @@
 </p:sld>
 </file>
 
-<file path=ppt/slides/slide5.xml><?xml version="1.0" encoding="utf-8"?>
+<file path=ppt/slides/slide6.xml><?xml version="1.0" encoding="utf-8"?>
 <p:sld xmlns:a="http://schemas.openxmlformats.org/drawingml/2006/main" xmlns:r="http://schemas.openxmlformats.org/officeDocument/2006/relationships" xmlns:p="http://schemas.openxmlformats.org/presentationml/2006/main">
   <p:cSld>
     <p:spTree>
@@ -12619,7 +13813,7 @@
             <a:fld id="{CE58CB1E-F828-4F11-99E0-327109AF9DA4}" type="slidenum">
               <a:rPr lang="de-DE" smtClean="0"/>
               <a:pPr/>
-              <a:t>5</a:t>
+              <a:t>6</a:t>
             </a:fld>
             <a:endParaRPr lang="de-DE" dirty="0"/>
           </a:p>
@@ -12642,7 +13836,7 @@
           <a:p>
             <a:r>
               <a:rPr lang="de-DE" dirty="0"/>
-              <a:t>Saman Miran | Maria Schulze | Robin Ostner</a:t>
+              <a:t>Saman Miran | Robin Ostner | Maria Schulze</a:t>
             </a:r>
             <a:endParaRPr lang="en-US" dirty="0"/>
           </a:p>
@@ -12673,11 +13867,11 @@
             </a:r>
             <a:r>
               <a:rPr lang="de-DE" dirty="0" err="1"/>
-              <a:t>Window</a:t>
+              <a:t>window</a:t>
             </a:r>
             <a:r>
               <a:rPr lang="de-DE" dirty="0"/>
-              <a:t>() - SISD</a:t>
+              <a:t>(…) - SISD</a:t>
             </a:r>
           </a:p>
         </p:txBody>
@@ -12928,7 +14122,7 @@
 </p:sld>
 </file>
 
-<file path=ppt/slides/slide6.xml><?xml version="1.0" encoding="utf-8"?>
+<file path=ppt/slides/slide7.xml><?xml version="1.0" encoding="utf-8"?>
 <p:sld xmlns:a="http://schemas.openxmlformats.org/drawingml/2006/main" xmlns:r="http://schemas.openxmlformats.org/officeDocument/2006/relationships" xmlns:p="http://schemas.openxmlformats.org/presentationml/2006/main">
   <p:cSld>
     <p:spTree>
@@ -12963,7 +14157,7 @@
             <a:fld id="{CE58CB1E-F828-4F11-99E0-327109AF9DA4}" type="slidenum">
               <a:rPr lang="de-DE" smtClean="0"/>
               <a:pPr/>
-              <a:t>6</a:t>
+              <a:t>7</a:t>
             </a:fld>
             <a:endParaRPr lang="de-DE" dirty="0"/>
           </a:p>
@@ -12986,7 +14180,7 @@
           <a:p>
             <a:r>
               <a:rPr lang="de-DE" dirty="0"/>
-              <a:t>Saman Miran | Maria Schulze | Robin Ostner</a:t>
+              <a:t>Saman Miran | Robin Ostner | Maria Schulze</a:t>
             </a:r>
             <a:endParaRPr lang="en-US" dirty="0"/>
           </a:p>
@@ -13021,11 +14215,11 @@
             </a:r>
             <a:r>
               <a:rPr lang="de-DE" dirty="0" err="1"/>
-              <a:t>Window</a:t>
+              <a:t>window</a:t>
             </a:r>
             <a:r>
               <a:rPr lang="de-DE" dirty="0"/>
-              <a:t>() - SISD</a:t>
+              <a:t>(…) - SISD</a:t>
             </a:r>
           </a:p>
         </p:txBody>
@@ -13044,7 +14238,7 @@
         </p:nvSpPr>
         <p:spPr>
           <a:xfrm rot="5400000">
-            <a:off x="2817313" y="2488858"/>
+            <a:off x="3131080" y="2488858"/>
             <a:ext cx="3116291" cy="3116291"/>
           </a:xfrm>
           <a:prstGeom prst="circularArrow">
@@ -13106,7 +14300,7 @@
         </p:nvSpPr>
         <p:spPr>
           <a:xfrm rot="5400000">
-            <a:off x="2392363" y="2068588"/>
+            <a:off x="2706130" y="2068588"/>
             <a:ext cx="3966210" cy="3966210"/>
           </a:xfrm>
           <a:prstGeom prst="circularArrow">
@@ -13175,7 +14369,7 @@
         </p:nvSpPr>
         <p:spPr>
           <a:xfrm>
-            <a:off x="2674173" y="2343136"/>
+            <a:off x="2987940" y="2343136"/>
             <a:ext cx="3407223" cy="3444428"/>
           </a:xfrm>
           <a:prstGeom prst="rect">
@@ -13206,7 +14400,7 @@
                 </a:solidFill>
                 <a:latin typeface="+mn-lt"/>
               </a:rPr>
-              <a:t>Alle Pixel des neuen Bilds</a:t>
+              <a:t>Alle Pixel des neuen Bildes</a:t>
             </a:r>
           </a:p>
         </p:txBody>
@@ -13225,7 +14419,7 @@
         </p:nvSpPr>
         <p:spPr>
           <a:xfrm>
-            <a:off x="3047107" y="2707604"/>
+            <a:off x="3360874" y="2707604"/>
             <a:ext cx="2664807" cy="2654410"/>
           </a:xfrm>
           <a:prstGeom prst="rect">
@@ -13237,7 +14431,7 @@
           <a:bodyPr wrap="none" lIns="0" tIns="0" rIns="0" bIns="0" rtlCol="0">
             <a:prstTxWarp prst="textArchUp">
               <a:avLst>
-                <a:gd name="adj" fmla="val 14769816"/>
+                <a:gd name="adj" fmla="val 12133028"/>
               </a:avLst>
             </a:prstTxWarp>
             <a:spAutoFit/>
@@ -13282,7 +14476,7 @@
         </p:blipFill>
         <p:spPr>
           <a:xfrm>
-            <a:off x="3724231" y="3399150"/>
+            <a:off x="4037998" y="3399150"/>
             <a:ext cx="1299932" cy="1282176"/>
           </a:xfrm>
           <a:prstGeom prst="rect">
@@ -13318,7 +14512,7 @@
         </p:nvCxnSpPr>
         <p:spPr>
           <a:xfrm>
-            <a:off x="3912304" y="3306380"/>
+            <a:off x="4226071" y="3306380"/>
             <a:ext cx="0" cy="0"/>
           </a:xfrm>
           <a:prstGeom prst="line">
@@ -13356,7 +14550,7 @@
         </p:nvCxnSpPr>
         <p:spPr>
           <a:xfrm>
-            <a:off x="4055587" y="3690499"/>
+            <a:off x="4369354" y="3690499"/>
             <a:ext cx="0" cy="670685"/>
           </a:xfrm>
           <a:prstGeom prst="line">
@@ -13395,7 +14589,7 @@
         </p:nvCxnSpPr>
         <p:spPr>
           <a:xfrm>
-            <a:off x="4706456" y="3679829"/>
+            <a:off x="5020223" y="3679829"/>
             <a:ext cx="0" cy="681355"/>
           </a:xfrm>
           <a:prstGeom prst="line">
@@ -13434,7 +14628,7 @@
         </p:nvCxnSpPr>
         <p:spPr>
           <a:xfrm>
-            <a:off x="4044155" y="3690499"/>
+            <a:off x="4357922" y="3690499"/>
             <a:ext cx="665350" cy="0"/>
           </a:xfrm>
           <a:prstGeom prst="line">
@@ -13477,7 +14671,7 @@
         </p:nvCxnSpPr>
         <p:spPr>
           <a:xfrm>
-            <a:off x="4047197" y="4349765"/>
+            <a:off x="4360964" y="4349765"/>
             <a:ext cx="665350" cy="0"/>
           </a:xfrm>
           <a:prstGeom prst="line">
@@ -13525,7 +14719,7 @@
         </p:blipFill>
         <p:spPr>
           <a:xfrm>
-            <a:off x="331560" y="3440627"/>
+            <a:off x="645327" y="3440627"/>
             <a:ext cx="1295068" cy="1277379"/>
           </a:xfrm>
           <a:prstGeom prst="rect">
@@ -13563,7 +14757,7 @@
         </p:nvCxnSpPr>
         <p:spPr>
           <a:xfrm flipV="1">
-            <a:off x="350025" y="4412829"/>
+            <a:off x="663792" y="4412829"/>
             <a:ext cx="282642" cy="285787"/>
           </a:xfrm>
           <a:prstGeom prst="straightConnector1">
@@ -13602,7 +14796,7 @@
         </p:nvSpPr>
         <p:spPr>
           <a:xfrm>
-            <a:off x="305447" y="4690585"/>
+            <a:off x="619214" y="4690585"/>
             <a:ext cx="52226" cy="54842"/>
           </a:xfrm>
           <a:prstGeom prst="ellipse">
@@ -13656,7 +14850,7 @@
         </p:nvSpPr>
         <p:spPr>
           <a:xfrm>
-            <a:off x="625972" y="4373278"/>
+            <a:off x="939739" y="4373278"/>
             <a:ext cx="45719" cy="46337"/>
           </a:xfrm>
           <a:prstGeom prst="ellipse">
@@ -13717,7 +14911,7 @@
         </p:blipFill>
         <p:spPr>
           <a:xfrm>
-            <a:off x="7389980" y="3641186"/>
+            <a:off x="7703747" y="3641186"/>
             <a:ext cx="821981" cy="848327"/>
           </a:xfrm>
           <a:prstGeom prst="rect">
@@ -13751,7 +14945,7 @@
         </p:nvSpPr>
         <p:spPr>
           <a:xfrm>
-            <a:off x="1802968" y="3882786"/>
+            <a:off x="2116735" y="3882786"/>
             <a:ext cx="593271" cy="365125"/>
           </a:xfrm>
           <a:prstGeom prst="rightArrow">
@@ -13809,7 +15003,7 @@
         </p:nvSpPr>
         <p:spPr>
           <a:xfrm>
-            <a:off x="6577641" y="3893977"/>
+            <a:off x="6891408" y="3893977"/>
             <a:ext cx="593271" cy="365125"/>
           </a:xfrm>
           <a:prstGeom prst="rightArrow">
@@ -13866,7 +15060,7 @@
 </p:sld>
 </file>
 
-<file path=ppt/slides/slide7.xml><?xml version="1.0" encoding="utf-8"?>
+<file path=ppt/slides/slide8.xml><?xml version="1.0" encoding="utf-8"?>
 <p:sld xmlns:a="http://schemas.openxmlformats.org/drawingml/2006/main" xmlns:r="http://schemas.openxmlformats.org/officeDocument/2006/relationships" xmlns:p="http://schemas.openxmlformats.org/presentationml/2006/main">
   <p:cSld>
     <p:spTree>
@@ -13901,7 +15095,7 @@
             <a:fld id="{CE58CB1E-F828-4F11-99E0-327109AF9DA4}" type="slidenum">
               <a:rPr lang="de-DE" smtClean="0"/>
               <a:pPr/>
-              <a:t>7</a:t>
+              <a:t>8</a:t>
             </a:fld>
             <a:endParaRPr lang="de-DE" dirty="0"/>
           </a:p>
@@ -13924,7 +15118,7 @@
           <a:p>
             <a:r>
               <a:rPr lang="de-DE" dirty="0"/>
-              <a:t>Saman Miran | Maria Schulze | Robin Ostner</a:t>
+              <a:t>Saman Miran | Robin Ostner | Maria Schulze</a:t>
             </a:r>
             <a:endParaRPr lang="en-US" dirty="0"/>
           </a:p>
@@ -13959,11 +15153,11 @@
             </a:r>
             <a:r>
               <a:rPr lang="de-DE" dirty="0" err="1"/>
-              <a:t>Window</a:t>
+              <a:t>window</a:t>
             </a:r>
             <a:r>
               <a:rPr lang="de-DE" dirty="0"/>
-              <a:t>() - SIMD</a:t>
+              <a:t>(…) - SIMD</a:t>
             </a:r>
           </a:p>
         </p:txBody>
@@ -13982,7 +15176,7 @@
         </p:nvSpPr>
         <p:spPr>
           <a:xfrm rot="5400000">
-            <a:off x="2817313" y="2488858"/>
+            <a:off x="3135558" y="2488858"/>
             <a:ext cx="3116291" cy="3116291"/>
           </a:xfrm>
           <a:prstGeom prst="circularArrow">
@@ -14044,7 +15238,7 @@
         </p:nvSpPr>
         <p:spPr>
           <a:xfrm rot="5400000">
-            <a:off x="2392363" y="2068588"/>
+            <a:off x="2710608" y="2068588"/>
             <a:ext cx="3966210" cy="3966210"/>
           </a:xfrm>
           <a:prstGeom prst="circularArrow">
@@ -14113,7 +15307,7 @@
         </p:nvSpPr>
         <p:spPr>
           <a:xfrm>
-            <a:off x="2674173" y="2343136"/>
+            <a:off x="2992418" y="2343136"/>
             <a:ext cx="3407223" cy="3444428"/>
           </a:xfrm>
           <a:prstGeom prst="rect">
@@ -14144,7 +15338,7 @@
                 </a:solidFill>
                 <a:latin typeface="+mn-lt"/>
               </a:rPr>
-              <a:t>Alle Pixel des neuen Bilds</a:t>
+              <a:t>Alle Pixel des neuen Bildes</a:t>
             </a:r>
           </a:p>
         </p:txBody>
@@ -14163,7 +15357,7 @@
         </p:nvSpPr>
         <p:spPr>
           <a:xfrm>
-            <a:off x="3047107" y="2707604"/>
+            <a:off x="3365352" y="2707604"/>
             <a:ext cx="2664807" cy="2654410"/>
           </a:xfrm>
           <a:prstGeom prst="rect">
@@ -14175,7 +15369,7 @@
           <a:bodyPr wrap="none" lIns="0" tIns="0" rIns="0" bIns="0" rtlCol="0">
             <a:prstTxWarp prst="textArchUp">
               <a:avLst>
-                <a:gd name="adj" fmla="val 14694607"/>
+                <a:gd name="adj" fmla="val 13365525"/>
               </a:avLst>
             </a:prstTxWarp>
             <a:spAutoFit/>
@@ -14220,7 +15414,7 @@
         </p:blipFill>
         <p:spPr>
           <a:xfrm>
-            <a:off x="3724231" y="3399150"/>
+            <a:off x="4042476" y="3399150"/>
             <a:ext cx="1299932" cy="1282176"/>
           </a:xfrm>
           <a:prstGeom prst="rect">
@@ -14256,7 +15450,7 @@
         </p:nvCxnSpPr>
         <p:spPr>
           <a:xfrm>
-            <a:off x="3912304" y="3306380"/>
+            <a:off x="4230549" y="3306380"/>
             <a:ext cx="0" cy="0"/>
           </a:xfrm>
           <a:prstGeom prst="line">
@@ -14294,7 +15488,7 @@
         </p:nvCxnSpPr>
         <p:spPr>
           <a:xfrm>
-            <a:off x="4055587" y="3690499"/>
+            <a:off x="4373832" y="3690499"/>
             <a:ext cx="0" cy="670685"/>
           </a:xfrm>
           <a:prstGeom prst="line">
@@ -14333,7 +15527,7 @@
         </p:nvCxnSpPr>
         <p:spPr>
           <a:xfrm>
-            <a:off x="4706456" y="3679829"/>
+            <a:off x="5024701" y="3679829"/>
             <a:ext cx="0" cy="681355"/>
           </a:xfrm>
           <a:prstGeom prst="line">
@@ -14372,7 +15566,7 @@
         </p:nvCxnSpPr>
         <p:spPr>
           <a:xfrm>
-            <a:off x="4044155" y="3690499"/>
+            <a:off x="4362400" y="3690499"/>
             <a:ext cx="665350" cy="0"/>
           </a:xfrm>
           <a:prstGeom prst="line">
@@ -14415,7 +15609,7 @@
         </p:nvCxnSpPr>
         <p:spPr>
           <a:xfrm>
-            <a:off x="4047197" y="4349765"/>
+            <a:off x="4365442" y="4349765"/>
             <a:ext cx="665350" cy="0"/>
           </a:xfrm>
           <a:prstGeom prst="line">
@@ -14463,7 +15657,7 @@
         </p:blipFill>
         <p:spPr>
           <a:xfrm>
-            <a:off x="331560" y="3440627"/>
+            <a:off x="649805" y="3440627"/>
             <a:ext cx="1295068" cy="1277379"/>
           </a:xfrm>
           <a:prstGeom prst="rect">
@@ -14501,7 +15695,7 @@
         </p:nvCxnSpPr>
         <p:spPr>
           <a:xfrm flipV="1">
-            <a:off x="350025" y="4412829"/>
+            <a:off x="668270" y="4412829"/>
             <a:ext cx="282642" cy="285787"/>
           </a:xfrm>
           <a:prstGeom prst="straightConnector1">
@@ -14540,7 +15734,7 @@
         </p:nvSpPr>
         <p:spPr>
           <a:xfrm>
-            <a:off x="305447" y="4690585"/>
+            <a:off x="623692" y="4690585"/>
             <a:ext cx="52226" cy="54842"/>
           </a:xfrm>
           <a:prstGeom prst="ellipse">
@@ -14594,7 +15788,7 @@
         </p:nvSpPr>
         <p:spPr>
           <a:xfrm>
-            <a:off x="625972" y="4373278"/>
+            <a:off x="944217" y="4373278"/>
             <a:ext cx="45719" cy="46337"/>
           </a:xfrm>
           <a:prstGeom prst="ellipse">
@@ -14655,7 +15849,7 @@
         </p:blipFill>
         <p:spPr>
           <a:xfrm>
-            <a:off x="7389980" y="3641186"/>
+            <a:off x="7708225" y="3641186"/>
             <a:ext cx="821981" cy="848327"/>
           </a:xfrm>
           <a:prstGeom prst="rect">
@@ -14689,7 +15883,7 @@
         </p:nvSpPr>
         <p:spPr>
           <a:xfrm>
-            <a:off x="1802968" y="3882786"/>
+            <a:off x="2121213" y="3882786"/>
             <a:ext cx="593271" cy="365125"/>
           </a:xfrm>
           <a:prstGeom prst="rightArrow">
@@ -14747,7 +15941,7 @@
         </p:nvSpPr>
         <p:spPr>
           <a:xfrm>
-            <a:off x="6577641" y="3893977"/>
+            <a:off x="6895886" y="3893977"/>
             <a:ext cx="593271" cy="365125"/>
           </a:xfrm>
           <a:prstGeom prst="rightArrow">
@@ -14805,7 +15999,7 @@
         </p:nvSpPr>
         <p:spPr>
           <a:xfrm>
-            <a:off x="4237140" y="4815515"/>
+            <a:off x="4555385" y="4815515"/>
             <a:ext cx="274114" cy="280718"/>
           </a:xfrm>
           <a:prstGeom prst="rect">
@@ -14846,7 +16040,7 @@
 </p:sld>
 </file>
 
-<file path=ppt/slides/slide8.xml><?xml version="1.0" encoding="utf-8"?>
+<file path=ppt/slides/slide9.xml><?xml version="1.0" encoding="utf-8"?>
 <p:sld xmlns:a="http://schemas.openxmlformats.org/drawingml/2006/main" xmlns:r="http://schemas.openxmlformats.org/officeDocument/2006/relationships" xmlns:p="http://schemas.openxmlformats.org/presentationml/2006/main">
   <p:cSld>
     <p:spTree>
@@ -14881,7 +16075,7 @@
             <a:fld id="{CE58CB1E-F828-4F11-99E0-327109AF9DA4}" type="slidenum">
               <a:rPr lang="de-DE" smtClean="0"/>
               <a:pPr/>
-              <a:t>8</a:t>
+              <a:t>9</a:t>
             </a:fld>
             <a:endParaRPr lang="de-DE" dirty="0"/>
           </a:p>
@@ -14904,7 +16098,7 @@
           <a:p>
             <a:r>
               <a:rPr lang="de-DE" dirty="0"/>
-              <a:t>Saman Miran | Maria Schulze | Robin Ostner</a:t>
+              <a:t>Saman Miran | Robin Ostner | Maria Schulze</a:t>
             </a:r>
             <a:endParaRPr lang="en-US" dirty="0"/>
           </a:p>
@@ -14935,7 +16129,7 @@
           <a:p>
             <a:r>
               <a:rPr lang="de-DE" dirty="0"/>
-              <a:t>Implementierung Zoom() - SISD</a:t>
+              <a:t>Implementierung zoom(…) - SISD</a:t>
             </a:r>
           </a:p>
         </p:txBody>
@@ -15611,646 +16805,6 @@
 </p:sld>
 </file>
 
-<file path=ppt/slides/slide9.xml><?xml version="1.0" encoding="utf-8"?>
-<p:sld xmlns:a="http://schemas.openxmlformats.org/drawingml/2006/main" xmlns:r="http://schemas.openxmlformats.org/officeDocument/2006/relationships" xmlns:p="http://schemas.openxmlformats.org/presentationml/2006/main">
-  <p:cSld>
-    <p:spTree>
-      <p:nvGrpSpPr>
-        <p:cNvPr id="1" name=""/>
-        <p:cNvGrpSpPr/>
-        <p:nvPr/>
-      </p:nvGrpSpPr>
-      <p:grpSpPr>
-        <a:xfrm>
-          <a:off x="0" y="0"/>
-          <a:ext cx="0" cy="0"/>
-          <a:chOff x="0" y="0"/>
-          <a:chExt cx="0" cy="0"/>
-        </a:xfrm>
-      </p:grpSpPr>
-      <p:sp>
-        <p:nvSpPr>
-          <p:cNvPr id="4" name="Foliennummernplatzhalter 3"/>
-          <p:cNvSpPr>
-            <a:spLocks noGrp="1"/>
-          </p:cNvSpPr>
-          <p:nvPr>
-            <p:ph type="sldNum" sz="quarter" idx="11"/>
-          </p:nvPr>
-        </p:nvSpPr>
-        <p:spPr/>
-        <p:txBody>
-          <a:bodyPr/>
-          <a:lstStyle/>
-          <a:p>
-            <a:fld id="{CE58CB1E-F828-4F11-99E0-327109AF9DA4}" type="slidenum">
-              <a:rPr lang="de-DE" smtClean="0"/>
-              <a:pPr/>
-              <a:t>9</a:t>
-            </a:fld>
-            <a:endParaRPr lang="de-DE" dirty="0"/>
-          </a:p>
-        </p:txBody>
-      </p:sp>
-      <p:sp>
-        <p:nvSpPr>
-          <p:cNvPr id="6" name="Fußzeilenplatzhalter 4"/>
-          <p:cNvSpPr>
-            <a:spLocks noGrp="1"/>
-          </p:cNvSpPr>
-          <p:nvPr>
-            <p:ph type="ftr" sz="quarter" idx="12"/>
-          </p:nvPr>
-        </p:nvSpPr>
-        <p:spPr/>
-        <p:txBody>
-          <a:bodyPr/>
-          <a:lstStyle/>
-          <a:p>
-            <a:r>
-              <a:rPr lang="de-DE" dirty="0"/>
-              <a:t>Saman Miran | Maria Schulze | Robin Ostner</a:t>
-            </a:r>
-            <a:endParaRPr lang="en-US" dirty="0"/>
-          </a:p>
-        </p:txBody>
-      </p:sp>
-      <p:sp>
-        <p:nvSpPr>
-          <p:cNvPr id="3" name="Titel 2"/>
-          <p:cNvSpPr>
-            <a:spLocks noGrp="1"/>
-          </p:cNvSpPr>
-          <p:nvPr>
-            <p:ph type="title"/>
-          </p:nvPr>
-        </p:nvSpPr>
-        <p:spPr>
-          <a:xfrm>
-            <a:off x="319090" y="994334"/>
-            <a:ext cx="8508999" cy="410369"/>
-          </a:xfrm>
-          <a:prstGeom prst="rect">
-            <a:avLst/>
-          </a:prstGeom>
-        </p:spPr>
-        <p:txBody>
-          <a:bodyPr/>
-          <a:lstStyle/>
-          <a:p>
-            <a:r>
-              <a:rPr lang="de-DE" dirty="0"/>
-              <a:t>Implementierung Zoom() - SISD</a:t>
-            </a:r>
-          </a:p>
-        </p:txBody>
-      </p:sp>
-      <p:sp>
-        <p:nvSpPr>
-          <p:cNvPr id="12" name="Pfeil: gebogen 11">
-            <a:extLst>
-              <a:ext uri="{FF2B5EF4-FFF2-40B4-BE49-F238E27FC236}">
-                <a16:creationId xmlns:a16="http://schemas.microsoft.com/office/drawing/2014/main" id="{AE602009-E169-4526-948D-10D071A49234}"/>
-              </a:ext>
-            </a:extLst>
-          </p:cNvPr>
-          <p:cNvSpPr/>
-          <p:nvPr/>
-        </p:nvSpPr>
-        <p:spPr>
-          <a:xfrm rot="5400000">
-            <a:off x="3024101" y="2318530"/>
-            <a:ext cx="3116291" cy="3116291"/>
-          </a:xfrm>
-          <a:prstGeom prst="circularArrow">
-            <a:avLst>
-              <a:gd name="adj1" fmla="val 5085"/>
-              <a:gd name="adj2" fmla="val 327528"/>
-              <a:gd name="adj3" fmla="val 15845032"/>
-              <a:gd name="adj4" fmla="val 16227440"/>
-              <a:gd name="adj5" fmla="val 5932"/>
-            </a:avLst>
-          </a:prstGeom>
-          <a:solidFill>
-            <a:schemeClr val="accent2"/>
-          </a:solidFill>
-        </p:spPr>
-        <p:style>
-          <a:lnRef idx="0">
-            <a:schemeClr val="accent2">
-              <a:tint val="60000"/>
-              <a:hueOff val="0"/>
-              <a:satOff val="0"/>
-              <a:lumOff val="0"/>
-              <a:alphaOff val="0"/>
-            </a:schemeClr>
-          </a:lnRef>
-          <a:fillRef idx="1">
-            <a:scrgbClr r="0" g="0" b="0"/>
-          </a:fillRef>
-          <a:effectRef idx="0">
-            <a:schemeClr val="accent2">
-              <a:tint val="60000"/>
-              <a:hueOff val="0"/>
-              <a:satOff val="0"/>
-              <a:lumOff val="0"/>
-              <a:alphaOff val="0"/>
-            </a:schemeClr>
-          </a:effectRef>
-          <a:fontRef idx="minor">
-            <a:schemeClr val="dk1">
-              <a:hueOff val="0"/>
-              <a:satOff val="0"/>
-              <a:lumOff val="0"/>
-              <a:alphaOff val="0"/>
-            </a:schemeClr>
-          </a:fontRef>
-        </p:style>
-      </p:sp>
-      <p:sp>
-        <p:nvSpPr>
-          <p:cNvPr id="13" name="Pfeil: gebogen 12">
-            <a:extLst>
-              <a:ext uri="{FF2B5EF4-FFF2-40B4-BE49-F238E27FC236}">
-                <a16:creationId xmlns:a16="http://schemas.microsoft.com/office/drawing/2014/main" id="{F8E57464-6625-42FB-A9C0-E0BD478B376A}"/>
-              </a:ext>
-            </a:extLst>
-          </p:cNvPr>
-          <p:cNvSpPr/>
-          <p:nvPr/>
-        </p:nvSpPr>
-        <p:spPr>
-          <a:xfrm rot="5400000">
-            <a:off x="2599151" y="1898260"/>
-            <a:ext cx="3966210" cy="3966210"/>
-          </a:xfrm>
-          <a:prstGeom prst="circularArrow">
-            <a:avLst>
-              <a:gd name="adj1" fmla="val 5085"/>
-              <a:gd name="adj2" fmla="val 327528"/>
-              <a:gd name="adj3" fmla="val 15841117"/>
-              <a:gd name="adj4" fmla="val 16231354"/>
-              <a:gd name="adj5" fmla="val 5932"/>
-            </a:avLst>
-          </a:prstGeom>
-          <a:solidFill>
-            <a:schemeClr val="accent1"/>
-          </a:solidFill>
-        </p:spPr>
-        <p:style>
-          <a:lnRef idx="0">
-            <a:schemeClr val="accent2">
-              <a:tint val="60000"/>
-              <a:hueOff val="0"/>
-              <a:satOff val="0"/>
-              <a:lumOff val="0"/>
-              <a:alphaOff val="0"/>
-            </a:schemeClr>
-          </a:lnRef>
-          <a:fillRef idx="1">
-            <a:scrgbClr r="0" g="0" b="0"/>
-          </a:fillRef>
-          <a:effectRef idx="0">
-            <a:schemeClr val="accent2">
-              <a:tint val="60000"/>
-              <a:hueOff val="0"/>
-              <a:satOff val="0"/>
-              <a:lumOff val="0"/>
-              <a:alphaOff val="0"/>
-            </a:schemeClr>
-          </a:effectRef>
-          <a:fontRef idx="minor">
-            <a:schemeClr val="dk1">
-              <a:hueOff val="0"/>
-              <a:satOff val="0"/>
-              <a:lumOff val="0"/>
-              <a:alphaOff val="0"/>
-            </a:schemeClr>
-          </a:fontRef>
-        </p:style>
-        <p:txBody>
-          <a:bodyPr/>
-          <a:lstStyle/>
-          <a:p>
-            <a:endParaRPr lang="de-DE" dirty="0"/>
-          </a:p>
-        </p:txBody>
-      </p:sp>
-      <p:sp>
-        <p:nvSpPr>
-          <p:cNvPr id="14" name="Textfeld 13">
-            <a:extLst>
-              <a:ext uri="{FF2B5EF4-FFF2-40B4-BE49-F238E27FC236}">
-                <a16:creationId xmlns:a16="http://schemas.microsoft.com/office/drawing/2014/main" id="{E13D68A5-A626-46CC-99FF-46F291352591}"/>
-              </a:ext>
-            </a:extLst>
-          </p:cNvPr>
-          <p:cNvSpPr txBox="1"/>
-          <p:nvPr/>
-        </p:nvSpPr>
-        <p:spPr>
-          <a:xfrm>
-            <a:off x="2880961" y="2172808"/>
-            <a:ext cx="3407223" cy="3444428"/>
-          </a:xfrm>
-          <a:prstGeom prst="rect">
-            <a:avLst/>
-          </a:prstGeom>
-          <a:noFill/>
-        </p:spPr>
-        <p:txBody>
-          <a:bodyPr wrap="none" lIns="0" tIns="0" rIns="0" bIns="0" rtlCol="0">
-            <a:prstTxWarp prst="textArchUp">
-              <a:avLst>
-                <a:gd name="adj" fmla="val 13401553"/>
-              </a:avLst>
-            </a:prstTxWarp>
-            <a:spAutoFit/>
-          </a:bodyPr>
-          <a:lstStyle/>
-          <a:p>
-            <a:pPr algn="ctr">
-              <a:lnSpc>
-                <a:spcPct val="114000"/>
-              </a:lnSpc>
-            </a:pPr>
-            <a:r>
-              <a:rPr lang="de-DE" sz="1600" dirty="0">
-                <a:solidFill>
-                  <a:schemeClr val="bg1"/>
-                </a:solidFill>
-                <a:latin typeface="+mn-lt"/>
-              </a:rPr>
-              <a:t>Y</a:t>
-            </a:r>
-          </a:p>
-        </p:txBody>
-      </p:sp>
-      <p:sp>
-        <p:nvSpPr>
-          <p:cNvPr id="15" name="Textfeld 14">
-            <a:extLst>
-              <a:ext uri="{FF2B5EF4-FFF2-40B4-BE49-F238E27FC236}">
-                <a16:creationId xmlns:a16="http://schemas.microsoft.com/office/drawing/2014/main" id="{1865F2FD-56E9-48BE-BABA-6FB6EDC28247}"/>
-              </a:ext>
-            </a:extLst>
-          </p:cNvPr>
-          <p:cNvSpPr txBox="1"/>
-          <p:nvPr/>
-        </p:nvSpPr>
-        <p:spPr>
-          <a:xfrm>
-            <a:off x="3253895" y="2537276"/>
-            <a:ext cx="2664807" cy="2654410"/>
-          </a:xfrm>
-          <a:prstGeom prst="rect">
-            <a:avLst/>
-          </a:prstGeom>
-          <a:noFill/>
-        </p:spPr>
-        <p:txBody>
-          <a:bodyPr wrap="none" lIns="0" tIns="0" rIns="0" bIns="0" rtlCol="0">
-            <a:prstTxWarp prst="textArchUp">
-              <a:avLst>
-                <a:gd name="adj" fmla="val 14795351"/>
-              </a:avLst>
-            </a:prstTxWarp>
-            <a:spAutoFit/>
-          </a:bodyPr>
-          <a:lstStyle/>
-          <a:p>
-            <a:pPr algn="ctr">
-              <a:lnSpc>
-                <a:spcPct val="114000"/>
-              </a:lnSpc>
-            </a:pPr>
-            <a:r>
-              <a:rPr lang="de-DE" sz="1400" dirty="0">
-                <a:solidFill>
-                  <a:schemeClr val="bg1"/>
-                </a:solidFill>
-                <a:latin typeface="+mn-lt"/>
-              </a:rPr>
-              <a:t>X</a:t>
-            </a:r>
-            <a:endParaRPr lang="de-DE" sz="1600" dirty="0">
-              <a:solidFill>
-                <a:schemeClr val="bg1"/>
-              </a:solidFill>
-              <a:latin typeface="+mn-lt"/>
-            </a:endParaRPr>
-          </a:p>
-        </p:txBody>
-      </p:sp>
-      <p:cxnSp>
-        <p:nvCxnSpPr>
-          <p:cNvPr id="17" name="Gerader Verbinder 16">
-            <a:extLst>
-              <a:ext uri="{FF2B5EF4-FFF2-40B4-BE49-F238E27FC236}">
-                <a16:creationId xmlns:a16="http://schemas.microsoft.com/office/drawing/2014/main" id="{EFCBE988-16F9-453D-BBAF-6E48D363F5A8}"/>
-              </a:ext>
-            </a:extLst>
-          </p:cNvPr>
-          <p:cNvCxnSpPr>
-            <a:cxnSpLocks/>
-          </p:cNvCxnSpPr>
-          <p:nvPr/>
-        </p:nvCxnSpPr>
-        <p:spPr>
-          <a:xfrm>
-            <a:off x="4119092" y="3136052"/>
-            <a:ext cx="0" cy="0"/>
-          </a:xfrm>
-          <a:prstGeom prst="line">
-            <a:avLst/>
-          </a:prstGeom>
-        </p:spPr>
-        <p:style>
-          <a:lnRef idx="1">
-            <a:schemeClr val="accent1"/>
-          </a:lnRef>
-          <a:fillRef idx="0">
-            <a:schemeClr val="accent1"/>
-          </a:fillRef>
-          <a:effectRef idx="0">
-            <a:schemeClr val="accent1"/>
-          </a:effectRef>
-          <a:fontRef idx="minor">
-            <a:schemeClr val="tx1"/>
-          </a:fontRef>
-        </p:style>
-      </p:cxnSp>
-      <p:sp>
-        <p:nvSpPr>
-          <p:cNvPr id="7" name="Textfeld 6">
-            <a:extLst>
-              <a:ext uri="{FF2B5EF4-FFF2-40B4-BE49-F238E27FC236}">
-                <a16:creationId xmlns:a16="http://schemas.microsoft.com/office/drawing/2014/main" id="{C27BF5FB-F708-4155-8640-1D21EB5B0F43}"/>
-              </a:ext>
-            </a:extLst>
-          </p:cNvPr>
-          <p:cNvSpPr txBox="1"/>
-          <p:nvPr/>
-        </p:nvSpPr>
-        <p:spPr>
-          <a:xfrm>
-            <a:off x="3607620" y="3416163"/>
-            <a:ext cx="1949252" cy="921021"/>
-          </a:xfrm>
-          <a:prstGeom prst="rect">
-            <a:avLst/>
-          </a:prstGeom>
-          <a:noFill/>
-        </p:spPr>
-        <p:txBody>
-          <a:bodyPr wrap="none" lIns="0" tIns="0" rIns="0" bIns="0" rtlCol="0">
-            <a:spAutoFit/>
-          </a:bodyPr>
-          <a:lstStyle/>
-          <a:p>
-            <a:pPr algn="ctr">
-              <a:lnSpc>
-                <a:spcPct val="114000"/>
-              </a:lnSpc>
-            </a:pPr>
-            <a:r>
-              <a:rPr lang="de-DE" dirty="0">
-                <a:latin typeface="+mn-lt"/>
-              </a:rPr>
-              <a:t>Nearest-Neighbour</a:t>
-            </a:r>
-          </a:p>
-          <a:p>
-            <a:pPr algn="ctr">
-              <a:lnSpc>
-                <a:spcPct val="114000"/>
-              </a:lnSpc>
-            </a:pPr>
-            <a:r>
-              <a:rPr lang="de-DE" dirty="0">
-                <a:latin typeface="+mn-lt"/>
-              </a:rPr>
-              <a:t>für aktuellen </a:t>
-            </a:r>
-          </a:p>
-          <a:p>
-            <a:pPr algn="ctr">
-              <a:lnSpc>
-                <a:spcPct val="114000"/>
-              </a:lnSpc>
-            </a:pPr>
-            <a:r>
-              <a:rPr lang="de-DE" dirty="0">
-                <a:latin typeface="+mn-lt"/>
-              </a:rPr>
-              <a:t>Pixel berechnen</a:t>
-            </a:r>
-          </a:p>
-        </p:txBody>
-      </p:sp>
-      <p:pic>
-        <p:nvPicPr>
-          <p:cNvPr id="23" name="Grafik 22">
-            <a:extLst>
-              <a:ext uri="{FF2B5EF4-FFF2-40B4-BE49-F238E27FC236}">
-                <a16:creationId xmlns:a16="http://schemas.microsoft.com/office/drawing/2014/main" id="{D2AA78C6-981F-45B7-A27E-290F85864428}"/>
-              </a:ext>
-            </a:extLst>
-          </p:cNvPr>
-          <p:cNvPicPr>
-            <a:picLocks noChangeAspect="1"/>
-          </p:cNvPicPr>
-          <p:nvPr/>
-        </p:nvPicPr>
-        <p:blipFill rotWithShape="1">
-          <a:blip r:embed="rId2"/>
-          <a:srcRect l="38725" t="46776" r="56373" b="44509"/>
-          <a:stretch/>
-        </p:blipFill>
-        <p:spPr>
-          <a:xfrm>
-            <a:off x="355479" y="3244214"/>
-            <a:ext cx="1264920" cy="1264920"/>
-          </a:xfrm>
-          <a:prstGeom prst="rect">
-            <a:avLst/>
-          </a:prstGeom>
-          <a:ln w="6350" cap="sq">
-            <a:solidFill>
-              <a:srgbClr val="000000"/>
-            </a:solidFill>
-            <a:prstDash val="solid"/>
-            <a:miter lim="800000"/>
-          </a:ln>
-          <a:effectLst/>
-        </p:spPr>
-      </p:pic>
-      <p:sp>
-        <p:nvSpPr>
-          <p:cNvPr id="24" name="Pfeil: nach rechts 23">
-            <a:extLst>
-              <a:ext uri="{FF2B5EF4-FFF2-40B4-BE49-F238E27FC236}">
-                <a16:creationId xmlns:a16="http://schemas.microsoft.com/office/drawing/2014/main" id="{E4483F4F-F067-4651-8B73-AC9C34ED2560}"/>
-              </a:ext>
-            </a:extLst>
-          </p:cNvPr>
-          <p:cNvSpPr/>
-          <p:nvPr/>
-        </p:nvSpPr>
-        <p:spPr>
-          <a:xfrm>
-            <a:off x="1909782" y="3681918"/>
-            <a:ext cx="593271" cy="365125"/>
-          </a:xfrm>
-          <a:prstGeom prst="rightArrow">
-            <a:avLst/>
-          </a:prstGeom>
-          <a:ln>
-            <a:noFill/>
-          </a:ln>
-        </p:spPr>
-        <p:style>
-          <a:lnRef idx="2">
-            <a:schemeClr val="accent1">
-              <a:shade val="50000"/>
-            </a:schemeClr>
-          </a:lnRef>
-          <a:fillRef idx="1">
-            <a:schemeClr val="accent1"/>
-          </a:fillRef>
-          <a:effectRef idx="0">
-            <a:schemeClr val="accent1"/>
-          </a:effectRef>
-          <a:fontRef idx="minor">
-            <a:schemeClr val="lt1"/>
-          </a:fontRef>
-        </p:style>
-        <p:txBody>
-          <a:bodyPr rot="0" spcFirstLastPara="0" vertOverflow="overflow" horzOverflow="overflow" vert="horz" wrap="square" lIns="91440" tIns="45720" rIns="91440" bIns="45720" numCol="1" spcCol="0" rtlCol="0" fromWordArt="0" anchor="t" anchorCtr="0" forceAA="0" compatLnSpc="1">
-            <a:prstTxWarp prst="textNoShape">
-              <a:avLst/>
-            </a:prstTxWarp>
-            <a:noAutofit/>
-          </a:bodyPr>
-          <a:lstStyle/>
-          <a:p>
-            <a:pPr algn="ctr">
-              <a:lnSpc>
-                <a:spcPct val="114000"/>
-              </a:lnSpc>
-            </a:pPr>
-            <a:endParaRPr lang="de-DE" dirty="0"/>
-          </a:p>
-        </p:txBody>
-      </p:sp>
-      <p:sp>
-        <p:nvSpPr>
-          <p:cNvPr id="25" name="Pfeil: nach rechts 24">
-            <a:extLst>
-              <a:ext uri="{FF2B5EF4-FFF2-40B4-BE49-F238E27FC236}">
-                <a16:creationId xmlns:a16="http://schemas.microsoft.com/office/drawing/2014/main" id="{E0EB9E3A-C78B-4E09-972E-2D4F4324A4F9}"/>
-              </a:ext>
-            </a:extLst>
-          </p:cNvPr>
-          <p:cNvSpPr/>
-          <p:nvPr/>
-        </p:nvSpPr>
-        <p:spPr>
-          <a:xfrm>
-            <a:off x="6708501" y="3681917"/>
-            <a:ext cx="593271" cy="365125"/>
-          </a:xfrm>
-          <a:prstGeom prst="rightArrow">
-            <a:avLst/>
-          </a:prstGeom>
-          <a:ln>
-            <a:noFill/>
-          </a:ln>
-        </p:spPr>
-        <p:style>
-          <a:lnRef idx="2">
-            <a:schemeClr val="accent1">
-              <a:shade val="50000"/>
-            </a:schemeClr>
-          </a:lnRef>
-          <a:fillRef idx="1">
-            <a:schemeClr val="accent1"/>
-          </a:fillRef>
-          <a:effectRef idx="0">
-            <a:schemeClr val="accent1"/>
-          </a:effectRef>
-          <a:fontRef idx="minor">
-            <a:schemeClr val="lt1"/>
-          </a:fontRef>
-        </p:style>
-        <p:txBody>
-          <a:bodyPr rot="0" spcFirstLastPara="0" vertOverflow="overflow" horzOverflow="overflow" vert="horz" wrap="square" lIns="91440" tIns="45720" rIns="91440" bIns="45720" numCol="1" spcCol="0" rtlCol="0" fromWordArt="0" anchor="t" anchorCtr="0" forceAA="0" compatLnSpc="1">
-            <a:prstTxWarp prst="textNoShape">
-              <a:avLst/>
-            </a:prstTxWarp>
-            <a:noAutofit/>
-          </a:bodyPr>
-          <a:lstStyle/>
-          <a:p>
-            <a:pPr algn="ctr">
-              <a:lnSpc>
-                <a:spcPct val="114000"/>
-              </a:lnSpc>
-            </a:pPr>
-            <a:endParaRPr lang="de-DE" dirty="0"/>
-          </a:p>
-        </p:txBody>
-      </p:sp>
-      <p:pic>
-        <p:nvPicPr>
-          <p:cNvPr id="26" name="Grafik 25">
-            <a:extLst>
-              <a:ext uri="{FF2B5EF4-FFF2-40B4-BE49-F238E27FC236}">
-                <a16:creationId xmlns:a16="http://schemas.microsoft.com/office/drawing/2014/main" id="{A22A673C-EA41-471D-8861-694929C17F5F}"/>
-              </a:ext>
-            </a:extLst>
-          </p:cNvPr>
-          <p:cNvPicPr>
-            <a:picLocks noChangeAspect="1"/>
-          </p:cNvPicPr>
-          <p:nvPr/>
-        </p:nvPicPr>
-        <p:blipFill rotWithShape="1">
-          <a:blip r:embed="rId3"/>
-          <a:srcRect l="38889" t="46771" r="56454" b="44568"/>
-          <a:stretch/>
-        </p:blipFill>
-        <p:spPr>
-          <a:xfrm>
-            <a:off x="7591155" y="3249482"/>
-            <a:ext cx="1208961" cy="1264920"/>
-          </a:xfrm>
-          <a:prstGeom prst="rect">
-            <a:avLst/>
-          </a:prstGeom>
-          <a:ln w="6350" cap="sq">
-            <a:solidFill>
-              <a:srgbClr val="000000"/>
-            </a:solidFill>
-            <a:prstDash val="solid"/>
-            <a:miter lim="800000"/>
-          </a:ln>
-          <a:effectLst/>
-        </p:spPr>
-      </p:pic>
-    </p:spTree>
-    <p:extLst>
-      <p:ext uri="{BB962C8B-B14F-4D97-AF65-F5344CB8AC3E}">
-        <p14:creationId xmlns:p14="http://schemas.microsoft.com/office/powerpoint/2010/main" val="1219521586"/>
-      </p:ext>
-    </p:extLst>
-  </p:cSld>
-  <p:clrMapOvr>
-    <a:masterClrMapping/>
-  </p:clrMapOvr>
-</p:sld>
-</file>
-
 <file path=ppt/theme/theme1.xml><?xml version="1.0" encoding="utf-8"?>
 <a:theme xmlns:a="http://schemas.openxmlformats.org/drawingml/2006/main" name="160104_TUM_Praesentation_p_v1">
   <a:themeElements>

--- a/Praktikum ASP – Team 15.pptx
+++ b/Praktikum ASP – Team 15.pptx
@@ -10,27 +10,29 @@
     <p:sldMasterId id="2147483697" r:id="rId6"/>
   </p:sldMasterIdLst>
   <p:notesMasterIdLst>
-    <p:notesMasterId r:id="rId22"/>
+    <p:notesMasterId r:id="rId24"/>
   </p:notesMasterIdLst>
   <p:handoutMasterIdLst>
-    <p:handoutMasterId r:id="rId23"/>
+    <p:handoutMasterId r:id="rId25"/>
   </p:handoutMasterIdLst>
   <p:sldIdLst>
     <p:sldId id="355" r:id="rId7"/>
     <p:sldId id="413" r:id="rId8"/>
     <p:sldId id="396" r:id="rId9"/>
     <p:sldId id="392" r:id="rId10"/>
-    <p:sldId id="373" r:id="rId11"/>
-    <p:sldId id="397" r:id="rId12"/>
-    <p:sldId id="398" r:id="rId13"/>
-    <p:sldId id="402" r:id="rId14"/>
-    <p:sldId id="405" r:id="rId15"/>
-    <p:sldId id="407" r:id="rId16"/>
-    <p:sldId id="408" r:id="rId17"/>
-    <p:sldId id="409" r:id="rId18"/>
-    <p:sldId id="410" r:id="rId19"/>
-    <p:sldId id="411" r:id="rId20"/>
-    <p:sldId id="412" r:id="rId21"/>
+    <p:sldId id="414" r:id="rId11"/>
+    <p:sldId id="373" r:id="rId12"/>
+    <p:sldId id="397" r:id="rId13"/>
+    <p:sldId id="398" r:id="rId14"/>
+    <p:sldId id="402" r:id="rId15"/>
+    <p:sldId id="405" r:id="rId16"/>
+    <p:sldId id="407" r:id="rId17"/>
+    <p:sldId id="408" r:id="rId18"/>
+    <p:sldId id="409" r:id="rId19"/>
+    <p:sldId id="410" r:id="rId20"/>
+    <p:sldId id="411" r:id="rId21"/>
+    <p:sldId id="412" r:id="rId22"/>
+    <p:sldId id="416" r:id="rId23"/>
   </p:sldIdLst>
   <p:sldSz cx="9144000" cy="6858000" type="screen4x3"/>
   <p:notesSz cx="9925050" cy="6665913"/>
@@ -9647,6 +9649,771 @@
       </p:sp>
       <p:sp>
         <p:nvSpPr>
+          <p:cNvPr id="5" name="Textfeld 4">
+            <a:extLst>
+              <a:ext uri="{FF2B5EF4-FFF2-40B4-BE49-F238E27FC236}">
+                <a16:creationId xmlns:a16="http://schemas.microsoft.com/office/drawing/2014/main" id="{AEF5B190-8AD7-45C4-B03E-9129E15603E0}"/>
+              </a:ext>
+            </a:extLst>
+          </p:cNvPr>
+          <p:cNvSpPr txBox="1"/>
+          <p:nvPr/>
+        </p:nvSpPr>
+        <p:spPr>
+          <a:xfrm>
+            <a:off x="3404276" y="5861232"/>
+            <a:ext cx="2335448" cy="280718"/>
+          </a:xfrm>
+          <a:prstGeom prst="rect">
+            <a:avLst/>
+          </a:prstGeom>
+          <a:noFill/>
+        </p:spPr>
+        <p:txBody>
+          <a:bodyPr wrap="none" lIns="0" tIns="0" rIns="0" bIns="0" rtlCol="0">
+            <a:spAutoFit/>
+          </a:bodyPr>
+          <a:lstStyle/>
+          <a:p>
+            <a:pPr>
+              <a:lnSpc>
+                <a:spcPct val="114000"/>
+              </a:lnSpc>
+            </a:pPr>
+            <a:r>
+              <a:rPr lang="de-DE" sz="1600" dirty="0">
+                <a:latin typeface="+mn-lt"/>
+              </a:rPr>
+              <a:t>Skalieren des Ausschnitts</a:t>
+            </a:r>
+          </a:p>
+        </p:txBody>
+      </p:sp>
+      <p:grpSp>
+        <p:nvGrpSpPr>
+          <p:cNvPr id="8" name="Gruppieren 7">
+            <a:extLst>
+              <a:ext uri="{FF2B5EF4-FFF2-40B4-BE49-F238E27FC236}">
+                <a16:creationId xmlns:a16="http://schemas.microsoft.com/office/drawing/2014/main" id="{0B195C33-9C8F-4CD4-AC5A-23864B41C768}"/>
+              </a:ext>
+            </a:extLst>
+          </p:cNvPr>
+          <p:cNvGrpSpPr/>
+          <p:nvPr/>
+        </p:nvGrpSpPr>
+        <p:grpSpPr>
+          <a:xfrm>
+            <a:off x="2597468" y="1838605"/>
+            <a:ext cx="3949064" cy="3949064"/>
+            <a:chOff x="2531520" y="1869982"/>
+            <a:chExt cx="3949064" cy="3949064"/>
+          </a:xfrm>
+        </p:grpSpPr>
+        <p:grpSp>
+          <p:nvGrpSpPr>
+            <p:cNvPr id="43" name="Gruppieren 42">
+              <a:extLst>
+                <a:ext uri="{FF2B5EF4-FFF2-40B4-BE49-F238E27FC236}">
+                  <a16:creationId xmlns:a16="http://schemas.microsoft.com/office/drawing/2014/main" id="{E0FFAE5C-C821-4E1B-B22F-EFBB9F2E79FD}"/>
+                </a:ext>
+              </a:extLst>
+            </p:cNvPr>
+            <p:cNvGrpSpPr/>
+            <p:nvPr/>
+          </p:nvGrpSpPr>
+          <p:grpSpPr>
+            <a:xfrm>
+              <a:off x="2531520" y="1869982"/>
+              <a:ext cx="3949064" cy="3949064"/>
+              <a:chOff x="2392363" y="2068588"/>
+              <a:chExt cx="3966210" cy="3966210"/>
+            </a:xfrm>
+          </p:grpSpPr>
+          <p:sp>
+            <p:nvSpPr>
+              <p:cNvPr id="39" name="Pfeil: gebogen 38">
+                <a:extLst>
+                  <a:ext uri="{FF2B5EF4-FFF2-40B4-BE49-F238E27FC236}">
+                    <a16:creationId xmlns:a16="http://schemas.microsoft.com/office/drawing/2014/main" id="{31D6CD3C-2D1A-4E6A-B11B-F1DCE35BE846}"/>
+                  </a:ext>
+                </a:extLst>
+              </p:cNvPr>
+              <p:cNvSpPr/>
+              <p:nvPr/>
+            </p:nvSpPr>
+            <p:spPr>
+              <a:xfrm rot="5400000">
+                <a:off x="2392363" y="2068588"/>
+                <a:ext cx="3966210" cy="3966210"/>
+              </a:xfrm>
+              <a:prstGeom prst="circularArrow">
+                <a:avLst>
+                  <a:gd name="adj1" fmla="val 5085"/>
+                  <a:gd name="adj2" fmla="val 327528"/>
+                  <a:gd name="adj3" fmla="val 15841117"/>
+                  <a:gd name="adj4" fmla="val 16231354"/>
+                  <a:gd name="adj5" fmla="val 5932"/>
+                </a:avLst>
+              </a:prstGeom>
+              <a:solidFill>
+                <a:schemeClr val="accent1"/>
+              </a:solidFill>
+            </p:spPr>
+            <p:style>
+              <a:lnRef idx="0">
+                <a:schemeClr val="accent2">
+                  <a:tint val="60000"/>
+                  <a:hueOff val="0"/>
+                  <a:satOff val="0"/>
+                  <a:lumOff val="0"/>
+                  <a:alphaOff val="0"/>
+                </a:schemeClr>
+              </a:lnRef>
+              <a:fillRef idx="1">
+                <a:scrgbClr r="0" g="0" b="0"/>
+              </a:fillRef>
+              <a:effectRef idx="0">
+                <a:schemeClr val="accent2">
+                  <a:tint val="60000"/>
+                  <a:hueOff val="0"/>
+                  <a:satOff val="0"/>
+                  <a:lumOff val="0"/>
+                  <a:alphaOff val="0"/>
+                </a:schemeClr>
+              </a:effectRef>
+              <a:fontRef idx="minor">
+                <a:schemeClr val="dk1">
+                  <a:hueOff val="0"/>
+                  <a:satOff val="0"/>
+                  <a:lumOff val="0"/>
+                  <a:alphaOff val="0"/>
+                </a:schemeClr>
+              </a:fontRef>
+            </p:style>
+            <p:txBody>
+              <a:bodyPr/>
+              <a:lstStyle/>
+              <a:p>
+                <a:endParaRPr lang="de-DE" dirty="0"/>
+              </a:p>
+            </p:txBody>
+          </p:sp>
+          <p:sp>
+            <p:nvSpPr>
+              <p:cNvPr id="40" name="Textfeld 39">
+                <a:extLst>
+                  <a:ext uri="{FF2B5EF4-FFF2-40B4-BE49-F238E27FC236}">
+                    <a16:creationId xmlns:a16="http://schemas.microsoft.com/office/drawing/2014/main" id="{74E56B44-EAB4-418A-9FC2-640F2390BE9A}"/>
+                  </a:ext>
+                </a:extLst>
+              </p:cNvPr>
+              <p:cNvSpPr txBox="1"/>
+              <p:nvPr/>
+            </p:nvSpPr>
+            <p:spPr>
+              <a:xfrm>
+                <a:off x="2674173" y="2343136"/>
+                <a:ext cx="3407223" cy="3444428"/>
+              </a:xfrm>
+              <a:prstGeom prst="rect">
+                <a:avLst/>
+              </a:prstGeom>
+              <a:noFill/>
+            </p:spPr>
+            <p:txBody>
+              <a:bodyPr wrap="none" lIns="0" tIns="0" rIns="0" bIns="0" rtlCol="0">
+                <a:prstTxWarp prst="textArchUp">
+                  <a:avLst>
+                    <a:gd name="adj" fmla="val 11728606"/>
+                  </a:avLst>
+                </a:prstTxWarp>
+                <a:spAutoFit/>
+              </a:bodyPr>
+              <a:lstStyle/>
+              <a:p>
+                <a:pPr algn="ctr">
+                  <a:lnSpc>
+                    <a:spcPct val="114000"/>
+                  </a:lnSpc>
+                </a:pPr>
+                <a:r>
+                  <a:rPr lang="de-DE" sz="1600" dirty="0">
+                    <a:solidFill>
+                      <a:schemeClr val="bg1"/>
+                    </a:solidFill>
+                    <a:latin typeface="+mn-lt"/>
+                  </a:rPr>
+                  <a:t>Alle Pixel des Ausschnitts</a:t>
+                </a:r>
+              </a:p>
+            </p:txBody>
+          </p:sp>
+          <p:pic>
+            <p:nvPicPr>
+              <p:cNvPr id="2" name="Grafik 1">
+                <a:extLst>
+                  <a:ext uri="{FF2B5EF4-FFF2-40B4-BE49-F238E27FC236}">
+                    <a16:creationId xmlns:a16="http://schemas.microsoft.com/office/drawing/2014/main" id="{25E30EF0-8A4C-4E77-A18B-FAA7FC7BF209}"/>
+                  </a:ext>
+                </a:extLst>
+              </p:cNvPr>
+              <p:cNvPicPr>
+                <a:picLocks noChangeAspect="1"/>
+              </p:cNvPicPr>
+              <p:nvPr/>
+            </p:nvPicPr>
+            <p:blipFill rotWithShape="1">
+              <a:blip r:embed="rId2"/>
+              <a:srcRect l="38725" t="46776" r="56373" b="44509"/>
+              <a:stretch/>
+            </p:blipFill>
+            <p:spPr>
+              <a:xfrm>
+                <a:off x="4720278" y="3582260"/>
+                <a:ext cx="938864" cy="938864"/>
+              </a:xfrm>
+              <a:prstGeom prst="rect">
+                <a:avLst/>
+              </a:prstGeom>
+              <a:solidFill>
+                <a:srgbClr val="000000">
+                  <a:shade val="95000"/>
+                </a:srgbClr>
+              </a:solidFill>
+              <a:ln w="9525" cap="sq">
+                <a:solidFill>
+                  <a:srgbClr val="000000"/>
+                </a:solidFill>
+                <a:miter lim="800000"/>
+              </a:ln>
+              <a:effectLst/>
+            </p:spPr>
+          </p:pic>
+          <p:pic>
+            <p:nvPicPr>
+              <p:cNvPr id="41" name="Inhaltsplatzhalter 4">
+                <a:extLst>
+                  <a:ext uri="{FF2B5EF4-FFF2-40B4-BE49-F238E27FC236}">
+                    <a16:creationId xmlns:a16="http://schemas.microsoft.com/office/drawing/2014/main" id="{35FF8A84-A7A3-4E96-8C39-62CD0AAA29BA}"/>
+                  </a:ext>
+                </a:extLst>
+              </p:cNvPr>
+              <p:cNvPicPr>
+                <a:picLocks noChangeAspect="1"/>
+              </p:cNvPicPr>
+              <p:nvPr/>
+            </p:nvPicPr>
+            <p:blipFill rotWithShape="1">
+              <a:blip r:embed="rId3"/>
+              <a:srcRect l="46976" t="29985" r="48236" b="61231"/>
+              <a:stretch/>
+            </p:blipFill>
+            <p:spPr>
+              <a:xfrm>
+                <a:off x="3088643" y="3666345"/>
+                <a:ext cx="746758" cy="770692"/>
+              </a:xfrm>
+              <a:prstGeom prst="rect">
+                <a:avLst/>
+              </a:prstGeom>
+              <a:solidFill>
+                <a:srgbClr val="000000">
+                  <a:shade val="95000"/>
+                </a:srgbClr>
+              </a:solidFill>
+              <a:ln w="6350" cap="sq">
+                <a:solidFill>
+                  <a:srgbClr val="000000"/>
+                </a:solidFill>
+                <a:miter lim="800000"/>
+              </a:ln>
+              <a:effectLst/>
+            </p:spPr>
+          </p:pic>
+          <p:sp>
+            <p:nvSpPr>
+              <p:cNvPr id="42" name="Pfeil: nach rechts 41">
+                <a:extLst>
+                  <a:ext uri="{FF2B5EF4-FFF2-40B4-BE49-F238E27FC236}">
+                    <a16:creationId xmlns:a16="http://schemas.microsoft.com/office/drawing/2014/main" id="{B506B266-9CA0-4185-BA4A-9C25BF840B13}"/>
+                  </a:ext>
+                </a:extLst>
+              </p:cNvPr>
+              <p:cNvSpPr/>
+              <p:nvPr/>
+            </p:nvSpPr>
+            <p:spPr>
+              <a:xfrm>
+                <a:off x="4005603" y="3869129"/>
+                <a:ext cx="593271" cy="365125"/>
+              </a:xfrm>
+              <a:prstGeom prst="rightArrow">
+                <a:avLst/>
+              </a:prstGeom>
+              <a:ln>
+                <a:noFill/>
+              </a:ln>
+            </p:spPr>
+            <p:style>
+              <a:lnRef idx="2">
+                <a:schemeClr val="accent1">
+                  <a:shade val="50000"/>
+                </a:schemeClr>
+              </a:lnRef>
+              <a:fillRef idx="1">
+                <a:schemeClr val="accent1"/>
+              </a:fillRef>
+              <a:effectRef idx="0">
+                <a:schemeClr val="accent1"/>
+              </a:effectRef>
+              <a:fontRef idx="minor">
+                <a:schemeClr val="lt1"/>
+              </a:fontRef>
+            </p:style>
+            <p:txBody>
+              <a:bodyPr rot="0" spcFirstLastPara="0" vertOverflow="overflow" horzOverflow="overflow" vert="horz" wrap="square" lIns="91440" tIns="45720" rIns="91440" bIns="45720" numCol="1" spcCol="0" rtlCol="0" fromWordArt="0" anchor="t" anchorCtr="0" forceAA="0" compatLnSpc="1">
+                <a:prstTxWarp prst="textNoShape">
+                  <a:avLst/>
+                </a:prstTxWarp>
+                <a:noAutofit/>
+              </a:bodyPr>
+              <a:lstStyle/>
+              <a:p>
+                <a:pPr algn="ctr">
+                  <a:lnSpc>
+                    <a:spcPct val="114000"/>
+                  </a:lnSpc>
+                </a:pPr>
+                <a:endParaRPr lang="de-DE" dirty="0"/>
+              </a:p>
+            </p:txBody>
+          </p:sp>
+        </p:grpSp>
+        <p:sp>
+          <p:nvSpPr>
+            <p:cNvPr id="7" name="Rechteck 6">
+              <a:extLst>
+                <a:ext uri="{FF2B5EF4-FFF2-40B4-BE49-F238E27FC236}">
+                  <a16:creationId xmlns:a16="http://schemas.microsoft.com/office/drawing/2014/main" id="{57E4ADB0-3E22-4DAD-A9AF-CEFE801E8220}"/>
+                </a:ext>
+              </a:extLst>
+            </p:cNvPr>
+            <p:cNvSpPr/>
+            <p:nvPr/>
+          </p:nvSpPr>
+          <p:spPr>
+            <a:xfrm>
+              <a:off x="3193507" y="3844514"/>
+              <a:ext cx="415052" cy="394335"/>
+            </a:xfrm>
+            <a:prstGeom prst="rect">
+              <a:avLst/>
+            </a:prstGeom>
+            <a:solidFill>
+              <a:schemeClr val="bg1">
+                <a:alpha val="70000"/>
+              </a:schemeClr>
+            </a:solidFill>
+            <a:ln>
+              <a:noFill/>
+            </a:ln>
+          </p:spPr>
+          <p:style>
+            <a:lnRef idx="2">
+              <a:schemeClr val="accent1">
+                <a:shade val="50000"/>
+              </a:schemeClr>
+            </a:lnRef>
+            <a:fillRef idx="1">
+              <a:schemeClr val="accent1"/>
+            </a:fillRef>
+            <a:effectRef idx="0">
+              <a:schemeClr val="accent1"/>
+            </a:effectRef>
+            <a:fontRef idx="minor">
+              <a:schemeClr val="lt1"/>
+            </a:fontRef>
+          </p:style>
+          <p:txBody>
+            <a:bodyPr rot="0" spcFirstLastPara="0" vertOverflow="overflow" horzOverflow="overflow" vert="horz" wrap="square" lIns="91440" tIns="45720" rIns="91440" bIns="45720" numCol="1" spcCol="0" rtlCol="0" fromWordArt="0" anchor="t" anchorCtr="0" forceAA="0" compatLnSpc="1">
+              <a:prstTxWarp prst="textNoShape">
+                <a:avLst/>
+              </a:prstTxWarp>
+              <a:noAutofit/>
+            </a:bodyPr>
+            <a:lstStyle/>
+            <a:p>
+              <a:pPr algn="ctr">
+                <a:lnSpc>
+                  <a:spcPct val="114000"/>
+                </a:lnSpc>
+              </a:pPr>
+              <a:endParaRPr lang="de-DE" dirty="0"/>
+            </a:p>
+          </p:txBody>
+        </p:sp>
+        <p:sp>
+          <p:nvSpPr>
+            <p:cNvPr id="13" name="Rechteck 12">
+              <a:extLst>
+                <a:ext uri="{FF2B5EF4-FFF2-40B4-BE49-F238E27FC236}">
+                  <a16:creationId xmlns:a16="http://schemas.microsoft.com/office/drawing/2014/main" id="{7B8C7407-8CE2-4483-9E4E-A8A4DAF15C67}"/>
+                </a:ext>
+              </a:extLst>
+            </p:cNvPr>
+            <p:cNvSpPr/>
+            <p:nvPr/>
+          </p:nvSpPr>
+          <p:spPr>
+            <a:xfrm>
+              <a:off x="3608559" y="3444340"/>
+              <a:ext cx="381000" cy="852611"/>
+            </a:xfrm>
+            <a:prstGeom prst="rect">
+              <a:avLst/>
+            </a:prstGeom>
+            <a:solidFill>
+              <a:schemeClr val="bg1">
+                <a:alpha val="70000"/>
+              </a:schemeClr>
+            </a:solidFill>
+            <a:ln>
+              <a:noFill/>
+            </a:ln>
+          </p:spPr>
+          <p:style>
+            <a:lnRef idx="2">
+              <a:schemeClr val="accent1">
+                <a:shade val="50000"/>
+              </a:schemeClr>
+            </a:lnRef>
+            <a:fillRef idx="1">
+              <a:schemeClr val="accent1"/>
+            </a:fillRef>
+            <a:effectRef idx="0">
+              <a:schemeClr val="accent1"/>
+            </a:effectRef>
+            <a:fontRef idx="minor">
+              <a:schemeClr val="lt1"/>
+            </a:fontRef>
+          </p:style>
+          <p:txBody>
+            <a:bodyPr rot="0" spcFirstLastPara="0" vertOverflow="overflow" horzOverflow="overflow" vert="horz" wrap="square" lIns="91440" tIns="45720" rIns="91440" bIns="45720" numCol="1" spcCol="0" rtlCol="0" fromWordArt="0" anchor="t" anchorCtr="0" forceAA="0" compatLnSpc="1">
+              <a:prstTxWarp prst="textNoShape">
+                <a:avLst/>
+              </a:prstTxWarp>
+              <a:noAutofit/>
+            </a:bodyPr>
+            <a:lstStyle/>
+            <a:p>
+              <a:pPr algn="ctr">
+                <a:lnSpc>
+                  <a:spcPct val="114000"/>
+                </a:lnSpc>
+              </a:pPr>
+              <a:endParaRPr lang="de-DE" dirty="0"/>
+            </a:p>
+          </p:txBody>
+        </p:sp>
+        <p:sp>
+          <p:nvSpPr>
+            <p:cNvPr id="14" name="Rechteck 13">
+              <a:extLst>
+                <a:ext uri="{FF2B5EF4-FFF2-40B4-BE49-F238E27FC236}">
+                  <a16:creationId xmlns:a16="http://schemas.microsoft.com/office/drawing/2014/main" id="{381AE02F-A6FB-4D7A-A991-A051EBFA4CB7}"/>
+                </a:ext>
+              </a:extLst>
+            </p:cNvPr>
+            <p:cNvSpPr/>
+            <p:nvPr/>
+          </p:nvSpPr>
+          <p:spPr>
+            <a:xfrm>
+              <a:off x="4837276" y="3851185"/>
+              <a:ext cx="998148" cy="475497"/>
+            </a:xfrm>
+            <a:prstGeom prst="rect">
+              <a:avLst/>
+            </a:prstGeom>
+            <a:solidFill>
+              <a:schemeClr val="bg1">
+                <a:alpha val="70000"/>
+              </a:schemeClr>
+            </a:solidFill>
+            <a:ln>
+              <a:noFill/>
+            </a:ln>
+          </p:spPr>
+          <p:style>
+            <a:lnRef idx="2">
+              <a:schemeClr val="accent1">
+                <a:shade val="50000"/>
+              </a:schemeClr>
+            </a:lnRef>
+            <a:fillRef idx="1">
+              <a:schemeClr val="accent1"/>
+            </a:fillRef>
+            <a:effectRef idx="0">
+              <a:schemeClr val="accent1"/>
+            </a:effectRef>
+            <a:fontRef idx="minor">
+              <a:schemeClr val="lt1"/>
+            </a:fontRef>
+          </p:style>
+          <p:txBody>
+            <a:bodyPr rot="0" spcFirstLastPara="0" vertOverflow="overflow" horzOverflow="overflow" vert="horz" wrap="square" lIns="91440" tIns="45720" rIns="91440" bIns="45720" numCol="1" spcCol="0" rtlCol="0" fromWordArt="0" anchor="t" anchorCtr="0" forceAA="0" compatLnSpc="1">
+              <a:prstTxWarp prst="textNoShape">
+                <a:avLst/>
+              </a:prstTxWarp>
+              <a:noAutofit/>
+            </a:bodyPr>
+            <a:lstStyle/>
+            <a:p>
+              <a:pPr algn="ctr">
+                <a:lnSpc>
+                  <a:spcPct val="114000"/>
+                </a:lnSpc>
+              </a:pPr>
+              <a:endParaRPr lang="de-DE" dirty="0"/>
+            </a:p>
+          </p:txBody>
+        </p:sp>
+        <p:sp>
+          <p:nvSpPr>
+            <p:cNvPr id="15" name="Rechteck 14">
+              <a:extLst>
+                <a:ext uri="{FF2B5EF4-FFF2-40B4-BE49-F238E27FC236}">
+                  <a16:creationId xmlns:a16="http://schemas.microsoft.com/office/drawing/2014/main" id="{883D5024-3ECE-472F-A750-39C8FEDCE79D}"/>
+                </a:ext>
+              </a:extLst>
+            </p:cNvPr>
+            <p:cNvSpPr/>
+            <p:nvPr/>
+          </p:nvSpPr>
+          <p:spPr>
+            <a:xfrm>
+              <a:off x="5003867" y="3322543"/>
+              <a:ext cx="908812" cy="528642"/>
+            </a:xfrm>
+            <a:prstGeom prst="rect">
+              <a:avLst/>
+            </a:prstGeom>
+            <a:solidFill>
+              <a:schemeClr val="bg1">
+                <a:alpha val="70000"/>
+              </a:schemeClr>
+            </a:solidFill>
+            <a:ln>
+              <a:noFill/>
+            </a:ln>
+          </p:spPr>
+          <p:style>
+            <a:lnRef idx="2">
+              <a:schemeClr val="accent1">
+                <a:shade val="50000"/>
+              </a:schemeClr>
+            </a:lnRef>
+            <a:fillRef idx="1">
+              <a:schemeClr val="accent1"/>
+            </a:fillRef>
+            <a:effectRef idx="0">
+              <a:schemeClr val="accent1"/>
+            </a:effectRef>
+            <a:fontRef idx="minor">
+              <a:schemeClr val="lt1"/>
+            </a:fontRef>
+          </p:style>
+          <p:txBody>
+            <a:bodyPr rot="0" spcFirstLastPara="0" vertOverflow="overflow" horzOverflow="overflow" vert="horz" wrap="square" lIns="91440" tIns="45720" rIns="91440" bIns="45720" numCol="1" spcCol="0" rtlCol="0" fromWordArt="0" anchor="t" anchorCtr="0" forceAA="0" compatLnSpc="1">
+              <a:prstTxWarp prst="textNoShape">
+                <a:avLst/>
+              </a:prstTxWarp>
+              <a:noAutofit/>
+            </a:bodyPr>
+            <a:lstStyle/>
+            <a:p>
+              <a:pPr algn="ctr">
+                <a:lnSpc>
+                  <a:spcPct val="114000"/>
+                </a:lnSpc>
+              </a:pPr>
+              <a:endParaRPr lang="de-DE" dirty="0"/>
+            </a:p>
+          </p:txBody>
+        </p:sp>
+        <p:sp>
+          <p:nvSpPr>
+            <p:cNvPr id="16" name="Rechteck 15">
+              <a:extLst>
+                <a:ext uri="{FF2B5EF4-FFF2-40B4-BE49-F238E27FC236}">
+                  <a16:creationId xmlns:a16="http://schemas.microsoft.com/office/drawing/2014/main" id="{059E7BA8-F7EE-48F5-BE8E-CF4856D28F40}"/>
+                </a:ext>
+              </a:extLst>
+            </p:cNvPr>
+            <p:cNvSpPr/>
+            <p:nvPr/>
+          </p:nvSpPr>
+          <p:spPr>
+            <a:xfrm>
+              <a:off x="4831944" y="3334924"/>
+              <a:ext cx="171923" cy="339775"/>
+            </a:xfrm>
+            <a:prstGeom prst="rect">
+              <a:avLst/>
+            </a:prstGeom>
+            <a:solidFill>
+              <a:schemeClr val="bg1">
+                <a:alpha val="70000"/>
+              </a:schemeClr>
+            </a:solidFill>
+            <a:ln>
+              <a:noFill/>
+            </a:ln>
+          </p:spPr>
+          <p:style>
+            <a:lnRef idx="2">
+              <a:schemeClr val="accent1">
+                <a:shade val="50000"/>
+              </a:schemeClr>
+            </a:lnRef>
+            <a:fillRef idx="1">
+              <a:schemeClr val="accent1"/>
+            </a:fillRef>
+            <a:effectRef idx="0">
+              <a:schemeClr val="accent1"/>
+            </a:effectRef>
+            <a:fontRef idx="minor">
+              <a:schemeClr val="lt1"/>
+            </a:fontRef>
+          </p:style>
+          <p:txBody>
+            <a:bodyPr rot="0" spcFirstLastPara="0" vertOverflow="overflow" horzOverflow="overflow" vert="horz" wrap="square" lIns="91440" tIns="45720" rIns="91440" bIns="45720" numCol="1" spcCol="0" rtlCol="0" fromWordArt="0" anchor="t" anchorCtr="0" forceAA="0" compatLnSpc="1">
+              <a:prstTxWarp prst="textNoShape">
+                <a:avLst/>
+              </a:prstTxWarp>
+              <a:noAutofit/>
+            </a:bodyPr>
+            <a:lstStyle/>
+            <a:p>
+              <a:pPr algn="ctr">
+                <a:lnSpc>
+                  <a:spcPct val="114000"/>
+                </a:lnSpc>
+              </a:pPr>
+              <a:endParaRPr lang="de-DE" dirty="0"/>
+            </a:p>
+          </p:txBody>
+        </p:sp>
+      </p:grpSp>
+    </p:spTree>
+    <p:extLst>
+      <p:ext uri="{BB962C8B-B14F-4D97-AF65-F5344CB8AC3E}">
+        <p14:creationId xmlns:p14="http://schemas.microsoft.com/office/powerpoint/2010/main" val="3268633566"/>
+      </p:ext>
+    </p:extLst>
+  </p:cSld>
+  <p:clrMapOvr>
+    <a:masterClrMapping/>
+  </p:clrMapOvr>
+</p:sld>
+</file>
+
+<file path=ppt/slides/slide11.xml><?xml version="1.0" encoding="utf-8"?>
+<p:sld xmlns:a="http://schemas.openxmlformats.org/drawingml/2006/main" xmlns:r="http://schemas.openxmlformats.org/officeDocument/2006/relationships" xmlns:p="http://schemas.openxmlformats.org/presentationml/2006/main">
+  <p:cSld>
+    <p:spTree>
+      <p:nvGrpSpPr>
+        <p:cNvPr id="1" name=""/>
+        <p:cNvGrpSpPr/>
+        <p:nvPr/>
+      </p:nvGrpSpPr>
+      <p:grpSpPr>
+        <a:xfrm>
+          <a:off x="0" y="0"/>
+          <a:ext cx="0" cy="0"/>
+          <a:chOff x="0" y="0"/>
+          <a:chExt cx="0" cy="0"/>
+        </a:xfrm>
+      </p:grpSpPr>
+      <p:sp>
+        <p:nvSpPr>
+          <p:cNvPr id="4" name="Foliennummernplatzhalter 3"/>
+          <p:cNvSpPr>
+            <a:spLocks noGrp="1"/>
+          </p:cNvSpPr>
+          <p:nvPr>
+            <p:ph type="sldNum" sz="quarter" idx="11"/>
+          </p:nvPr>
+        </p:nvSpPr>
+        <p:spPr/>
+        <p:txBody>
+          <a:bodyPr/>
+          <a:lstStyle/>
+          <a:p>
+            <a:fld id="{CE58CB1E-F828-4F11-99E0-327109AF9DA4}" type="slidenum">
+              <a:rPr lang="de-DE" smtClean="0"/>
+              <a:pPr/>
+              <a:t>11</a:t>
+            </a:fld>
+            <a:endParaRPr lang="de-DE" dirty="0"/>
+          </a:p>
+        </p:txBody>
+      </p:sp>
+      <p:sp>
+        <p:nvSpPr>
+          <p:cNvPr id="6" name="Fußzeilenplatzhalter 4"/>
+          <p:cNvSpPr>
+            <a:spLocks noGrp="1"/>
+          </p:cNvSpPr>
+          <p:nvPr>
+            <p:ph type="ftr" sz="quarter" idx="12"/>
+          </p:nvPr>
+        </p:nvSpPr>
+        <p:spPr/>
+        <p:txBody>
+          <a:bodyPr/>
+          <a:lstStyle/>
+          <a:p>
+            <a:r>
+              <a:rPr lang="de-DE" dirty="0"/>
+              <a:t>Saman Miran | Robin Ostner | Maria Schulze</a:t>
+            </a:r>
+            <a:endParaRPr lang="en-US" dirty="0"/>
+          </a:p>
+        </p:txBody>
+      </p:sp>
+      <p:sp>
+        <p:nvSpPr>
+          <p:cNvPr id="3" name="Titel 2"/>
+          <p:cNvSpPr>
+            <a:spLocks noGrp="1"/>
+          </p:cNvSpPr>
+          <p:nvPr>
+            <p:ph type="title"/>
+          </p:nvPr>
+        </p:nvSpPr>
+        <p:spPr>
+          <a:xfrm>
+            <a:off x="319090" y="994334"/>
+            <a:ext cx="8508999" cy="410369"/>
+          </a:xfrm>
+          <a:prstGeom prst="rect">
+            <a:avLst/>
+          </a:prstGeom>
+        </p:spPr>
+        <p:txBody>
+          <a:bodyPr/>
+          <a:lstStyle/>
+          <a:p>
+            <a:r>
+              <a:rPr lang="de-DE" dirty="0"/>
+              <a:t>Implementierung zoom(…) - SISD</a:t>
+            </a:r>
+          </a:p>
+        </p:txBody>
+      </p:sp>
+      <p:sp>
+        <p:nvSpPr>
           <p:cNvPr id="12" name="Pfeil: gebogen 11">
             <a:extLst>
               <a:ext uri="{FF2B5EF4-FFF2-40B4-BE49-F238E27FC236}">
@@ -10200,7 +10967,7 @@
 </p:sld>
 </file>
 
-<file path=ppt/slides/slide11.xml><?xml version="1.0" encoding="utf-8"?>
+<file path=ppt/slides/slide12.xml><?xml version="1.0" encoding="utf-8"?>
 <p:sld xmlns:a="http://schemas.openxmlformats.org/drawingml/2006/main" xmlns:r="http://schemas.openxmlformats.org/officeDocument/2006/relationships" xmlns:p="http://schemas.openxmlformats.org/presentationml/2006/main">
   <p:cSld>
     <p:spTree>
@@ -10235,7 +11002,7 @@
             <a:fld id="{CE58CB1E-F828-4F11-99E0-327109AF9DA4}" type="slidenum">
               <a:rPr lang="de-DE" smtClean="0"/>
               <a:pPr/>
-              <a:t>11</a:t>
+              <a:t>12</a:t>
             </a:fld>
             <a:endParaRPr lang="de-DE" dirty="0"/>
           </a:p>
@@ -10965,7 +11732,7 @@
 </p:sld>
 </file>
 
-<file path=ppt/slides/slide12.xml><?xml version="1.0" encoding="utf-8"?>
+<file path=ppt/slides/slide13.xml><?xml version="1.0" encoding="utf-8"?>
 <p:sld xmlns:a="http://schemas.openxmlformats.org/drawingml/2006/main" xmlns:r="http://schemas.openxmlformats.org/officeDocument/2006/relationships" xmlns:p="http://schemas.openxmlformats.org/presentationml/2006/main">
   <p:cSld>
     <p:spTree>
@@ -11000,7 +11767,7 @@
             <a:fld id="{CE58CB1E-F828-4F11-99E0-327109AF9DA4}" type="slidenum">
               <a:rPr lang="de-DE" smtClean="0"/>
               <a:pPr/>
-              <a:t>12</a:t>
+              <a:t>13</a:t>
             </a:fld>
             <a:endParaRPr lang="de-DE" dirty="0"/>
           </a:p>
@@ -11614,7 +12381,7 @@
 </p:sld>
 </file>
 
-<file path=ppt/slides/slide13.xml><?xml version="1.0" encoding="utf-8"?>
+<file path=ppt/slides/slide14.xml><?xml version="1.0" encoding="utf-8"?>
 <p:sld xmlns:a="http://schemas.openxmlformats.org/drawingml/2006/main" xmlns:r="http://schemas.openxmlformats.org/officeDocument/2006/relationships" xmlns:p="http://schemas.openxmlformats.org/presentationml/2006/main">
   <p:cSld>
     <p:spTree>
@@ -11649,7 +12416,7 @@
             <a:fld id="{CE58CB1E-F828-4F11-99E0-327109AF9DA4}" type="slidenum">
               <a:rPr lang="de-DE" smtClean="0"/>
               <a:pPr/>
-              <a:t>13</a:t>
+              <a:t>14</a:t>
             </a:fld>
             <a:endParaRPr lang="de-DE" dirty="0"/>
           </a:p>
@@ -11754,7 +12521,7 @@
 </p:sld>
 </file>
 
-<file path=ppt/slides/slide14.xml><?xml version="1.0" encoding="utf-8"?>
+<file path=ppt/slides/slide15.xml><?xml version="1.0" encoding="utf-8"?>
 <p:sld xmlns:a="http://schemas.openxmlformats.org/drawingml/2006/main" xmlns:r="http://schemas.openxmlformats.org/officeDocument/2006/relationships" xmlns:p="http://schemas.openxmlformats.org/presentationml/2006/main">
   <p:cSld>
     <p:spTree>
@@ -11789,7 +12556,7 @@
             <a:fld id="{CE58CB1E-F828-4F11-99E0-327109AF9DA4}" type="slidenum">
               <a:rPr lang="de-DE" smtClean="0"/>
               <a:pPr/>
-              <a:t>14</a:t>
+              <a:t>15</a:t>
             </a:fld>
             <a:endParaRPr lang="de-DE" dirty="0"/>
           </a:p>
@@ -11894,7 +12661,269 @@
 </p:sld>
 </file>
 
-<file path=ppt/slides/slide15.xml><?xml version="1.0" encoding="utf-8"?>
+<file path=ppt/slides/slide16.xml><?xml version="1.0" encoding="utf-8"?>
+<p:sld xmlns:a="http://schemas.openxmlformats.org/drawingml/2006/main" xmlns:r="http://schemas.openxmlformats.org/officeDocument/2006/relationships" xmlns:p="http://schemas.openxmlformats.org/presentationml/2006/main">
+  <p:cSld>
+    <p:spTree>
+      <p:nvGrpSpPr>
+        <p:cNvPr id="1" name=""/>
+        <p:cNvGrpSpPr/>
+        <p:nvPr/>
+      </p:nvGrpSpPr>
+      <p:grpSpPr>
+        <a:xfrm>
+          <a:off x="0" y="0"/>
+          <a:ext cx="0" cy="0"/>
+          <a:chOff x="0" y="0"/>
+          <a:chExt cx="0" cy="0"/>
+        </a:xfrm>
+      </p:grpSpPr>
+      <p:pic>
+        <p:nvPicPr>
+          <p:cNvPr id="9" name="Inhaltsplatzhalter 8">
+            <a:extLst>
+              <a:ext uri="{FF2B5EF4-FFF2-40B4-BE49-F238E27FC236}">
+                <a16:creationId xmlns:a16="http://schemas.microsoft.com/office/drawing/2014/main" id="{51A7A305-145E-441F-B9EF-B711087AE4CD}"/>
+              </a:ext>
+            </a:extLst>
+          </p:cNvPr>
+          <p:cNvPicPr>
+            <a:picLocks noGrp="1" noChangeAspect="1"/>
+          </p:cNvPicPr>
+          <p:nvPr>
+            <p:ph idx="1"/>
+          </p:nvPr>
+        </p:nvPicPr>
+        <p:blipFill>
+          <a:blip r:embed="rId2"/>
+          <a:stretch>
+            <a:fillRect/>
+          </a:stretch>
+        </p:blipFill>
+        <p:spPr>
+          <a:xfrm>
+            <a:off x="734080" y="2483991"/>
+            <a:ext cx="7679018" cy="2217550"/>
+          </a:xfrm>
+        </p:spPr>
+      </p:pic>
+      <p:sp>
+        <p:nvSpPr>
+          <p:cNvPr id="4" name="Foliennummernplatzhalter 3"/>
+          <p:cNvSpPr>
+            <a:spLocks noGrp="1"/>
+          </p:cNvSpPr>
+          <p:nvPr>
+            <p:ph type="sldNum" sz="quarter" idx="11"/>
+          </p:nvPr>
+        </p:nvSpPr>
+        <p:spPr/>
+        <p:txBody>
+          <a:bodyPr/>
+          <a:lstStyle/>
+          <a:p>
+            <a:fld id="{CE58CB1E-F828-4F11-99E0-327109AF9DA4}" type="slidenum">
+              <a:rPr lang="de-DE" smtClean="0"/>
+              <a:pPr/>
+              <a:t>16</a:t>
+            </a:fld>
+            <a:endParaRPr lang="de-DE" dirty="0"/>
+          </a:p>
+        </p:txBody>
+      </p:sp>
+      <p:sp>
+        <p:nvSpPr>
+          <p:cNvPr id="6" name="Fußzeilenplatzhalter 4"/>
+          <p:cNvSpPr>
+            <a:spLocks noGrp="1"/>
+          </p:cNvSpPr>
+          <p:nvPr>
+            <p:ph type="ftr" sz="quarter" idx="12"/>
+          </p:nvPr>
+        </p:nvSpPr>
+        <p:spPr/>
+        <p:txBody>
+          <a:bodyPr/>
+          <a:lstStyle/>
+          <a:p>
+            <a:r>
+              <a:rPr lang="de-DE" dirty="0"/>
+              <a:t>Saman Miran | Robin Ostner | Maria Schulze</a:t>
+            </a:r>
+            <a:endParaRPr lang="en-US" dirty="0"/>
+          </a:p>
+        </p:txBody>
+      </p:sp>
+      <p:sp>
+        <p:nvSpPr>
+          <p:cNvPr id="10" name="Textplatzhalter 9">
+            <a:extLst>
+              <a:ext uri="{FF2B5EF4-FFF2-40B4-BE49-F238E27FC236}">
+                <a16:creationId xmlns:a16="http://schemas.microsoft.com/office/drawing/2014/main" id="{950AAAA1-F216-4A58-AE08-74AC9F138EE8}"/>
+              </a:ext>
+            </a:extLst>
+          </p:cNvPr>
+          <p:cNvSpPr>
+            <a:spLocks noGrp="1"/>
+          </p:cNvSpPr>
+          <p:nvPr>
+            <p:ph type="body" sz="quarter" idx="13"/>
+          </p:nvPr>
+        </p:nvSpPr>
+        <p:spPr>
+          <a:xfrm>
+            <a:off x="311162" y="2070531"/>
+            <a:ext cx="8508999" cy="4341844"/>
+          </a:xfrm>
+        </p:spPr>
+        <p:txBody>
+          <a:bodyPr/>
+          <a:lstStyle/>
+          <a:p>
+            <a:pPr marL="285750" indent="-285750">
+              <a:buFont typeface="Arial" panose="020B0604020202020204" pitchFamily="34" charset="0"/>
+              <a:buChar char="•"/>
+            </a:pPr>
+            <a:r>
+              <a:rPr lang="de-DE" dirty="0"/>
+              <a:t>Alternative Zoom-Version mit Offset</a:t>
+            </a:r>
+          </a:p>
+          <a:p>
+            <a:pPr marL="285750" indent="-285750">
+              <a:buFont typeface="Arial" panose="020B0604020202020204" pitchFamily="34" charset="0"/>
+              <a:buChar char="•"/>
+            </a:pPr>
+            <a:endParaRPr lang="de-DE" dirty="0"/>
+          </a:p>
+          <a:p>
+            <a:pPr marL="285750" indent="-285750">
+              <a:buFont typeface="Arial" panose="020B0604020202020204" pitchFamily="34" charset="0"/>
+              <a:buChar char="•"/>
+            </a:pPr>
+            <a:endParaRPr lang="de-DE" dirty="0"/>
+          </a:p>
+          <a:p>
+            <a:pPr marL="285750" indent="-285750">
+              <a:buFont typeface="Arial" panose="020B0604020202020204" pitchFamily="34" charset="0"/>
+              <a:buChar char="•"/>
+            </a:pPr>
+            <a:endParaRPr lang="de-DE" dirty="0"/>
+          </a:p>
+          <a:p>
+            <a:pPr marL="285750" indent="-285750">
+              <a:buFont typeface="Arial" panose="020B0604020202020204" pitchFamily="34" charset="0"/>
+              <a:buChar char="•"/>
+            </a:pPr>
+            <a:endParaRPr lang="de-DE" dirty="0"/>
+          </a:p>
+          <a:p>
+            <a:pPr marL="285750" indent="-285750">
+              <a:buFont typeface="Arial" panose="020B0604020202020204" pitchFamily="34" charset="0"/>
+              <a:buChar char="•"/>
+            </a:pPr>
+            <a:endParaRPr lang="de-DE" dirty="0"/>
+          </a:p>
+          <a:p>
+            <a:pPr marL="285750" indent="-285750">
+              <a:buFont typeface="Arial" panose="020B0604020202020204" pitchFamily="34" charset="0"/>
+              <a:buChar char="•"/>
+            </a:pPr>
+            <a:endParaRPr lang="de-DE" dirty="0"/>
+          </a:p>
+          <a:p>
+            <a:pPr marL="285750" indent="-285750">
+              <a:buFont typeface="Arial" panose="020B0604020202020204" pitchFamily="34" charset="0"/>
+              <a:buChar char="•"/>
+            </a:pPr>
+            <a:endParaRPr lang="de-DE" dirty="0"/>
+          </a:p>
+          <a:p>
+            <a:pPr marL="285750" indent="-285750">
+              <a:buFont typeface="Arial" panose="020B0604020202020204" pitchFamily="34" charset="0"/>
+              <a:buChar char="•"/>
+            </a:pPr>
+            <a:endParaRPr lang="de-DE" dirty="0"/>
+          </a:p>
+          <a:p>
+            <a:endParaRPr lang="de-DE" dirty="0"/>
+          </a:p>
+          <a:p>
+            <a:pPr marL="285750" indent="-285750">
+              <a:buFont typeface="Arial" panose="020B0604020202020204" pitchFamily="34" charset="0"/>
+              <a:buChar char="•"/>
+            </a:pPr>
+            <a:r>
+              <a:rPr lang="de-DE" dirty="0"/>
+              <a:t>Bessere Debugging-Tools von Anfang an</a:t>
+            </a:r>
+          </a:p>
+          <a:p>
+            <a:pPr marL="285750" indent="-285750">
+              <a:buFont typeface="Arial" panose="020B0604020202020204" pitchFamily="34" charset="0"/>
+              <a:buChar char="•"/>
+            </a:pPr>
+            <a:r>
+              <a:rPr lang="de-DE" dirty="0"/>
+              <a:t>JPG-Format Unterstützung</a:t>
+            </a:r>
+          </a:p>
+          <a:p>
+            <a:pPr marL="285750" indent="-285750">
+              <a:buFont typeface="Arial" panose="020B0604020202020204" pitchFamily="34" charset="0"/>
+              <a:buChar char="•"/>
+            </a:pPr>
+            <a:r>
+              <a:rPr lang="de-DE" dirty="0"/>
+              <a:t>Eindeutiger Lösungsweg</a:t>
+            </a:r>
+          </a:p>
+        </p:txBody>
+      </p:sp>
+      <p:sp>
+        <p:nvSpPr>
+          <p:cNvPr id="3" name="Titel 2"/>
+          <p:cNvSpPr>
+            <a:spLocks noGrp="1"/>
+          </p:cNvSpPr>
+          <p:nvPr>
+            <p:ph type="title"/>
+          </p:nvPr>
+        </p:nvSpPr>
+        <p:spPr>
+          <a:xfrm>
+            <a:off x="319090" y="994334"/>
+            <a:ext cx="8508999" cy="820738"/>
+          </a:xfrm>
+          <a:prstGeom prst="rect">
+            <a:avLst/>
+          </a:prstGeom>
+        </p:spPr>
+        <p:txBody>
+          <a:bodyPr/>
+          <a:lstStyle/>
+          <a:p>
+            <a:r>
+              <a:rPr lang="de-DE" dirty="0"/>
+              <a:t>Lösungsalternativen und Verbesserungsvorschläge</a:t>
+            </a:r>
+          </a:p>
+        </p:txBody>
+      </p:sp>
+    </p:spTree>
+    <p:extLst>
+      <p:ext uri="{BB962C8B-B14F-4D97-AF65-F5344CB8AC3E}">
+        <p14:creationId xmlns:p14="http://schemas.microsoft.com/office/powerpoint/2010/main" val="1340371413"/>
+      </p:ext>
+    </p:extLst>
+  </p:cSld>
+  <p:clrMapOvr>
+    <a:masterClrMapping/>
+  </p:clrMapOvr>
+</p:sld>
+</file>
+
+<file path=ppt/slides/slide17.xml><?xml version="1.0" encoding="utf-8"?>
 <p:sld xmlns:a="http://schemas.openxmlformats.org/drawingml/2006/main" xmlns:r="http://schemas.openxmlformats.org/officeDocument/2006/relationships" xmlns:p="http://schemas.openxmlformats.org/presentationml/2006/main">
   <p:cSld>
     <p:spTree>
@@ -11913,7 +12942,13 @@
       </p:grpSpPr>
       <p:sp>
         <p:nvSpPr>
-          <p:cNvPr id="4" name="Foliennummernplatzhalter 3"/>
+          <p:cNvPr id="3" name="Foliennummernplatzhalter 2">
+            <a:extLst>
+              <a:ext uri="{FF2B5EF4-FFF2-40B4-BE49-F238E27FC236}">
+                <a16:creationId xmlns:a16="http://schemas.microsoft.com/office/drawing/2014/main" id="{2B3DA2C2-D9A3-4E90-9A6E-172F51DD4911}"/>
+              </a:ext>
+            </a:extLst>
+          </p:cNvPr>
           <p:cNvSpPr>
             <a:spLocks noGrp="1"/>
           </p:cNvSpPr>
@@ -11929,7 +12964,7 @@
             <a:fld id="{CE58CB1E-F828-4F11-99E0-327109AF9DA4}" type="slidenum">
               <a:rPr lang="de-DE" smtClean="0"/>
               <a:pPr/>
-              <a:t>15</a:t>
+              <a:t>17</a:t>
             </a:fld>
             <a:endParaRPr lang="de-DE" dirty="0"/>
           </a:p>
@@ -11937,7 +12972,13 @@
       </p:sp>
       <p:sp>
         <p:nvSpPr>
-          <p:cNvPr id="6" name="Fußzeilenplatzhalter 4"/>
+          <p:cNvPr id="4" name="Fußzeilenplatzhalter 3">
+            <a:extLst>
+              <a:ext uri="{FF2B5EF4-FFF2-40B4-BE49-F238E27FC236}">
+                <a16:creationId xmlns:a16="http://schemas.microsoft.com/office/drawing/2014/main" id="{B598B6E1-2A00-4A0C-9C16-6491547C7C22}"/>
+              </a:ext>
+            </a:extLst>
+          </p:cNvPr>
           <p:cNvSpPr>
             <a:spLocks noGrp="1"/>
           </p:cNvSpPr>
@@ -11945,19 +12986,14 @@
             <p:ph type="ftr" sz="quarter" idx="12"/>
           </p:nvPr>
         </p:nvSpPr>
-        <p:spPr>
-          <a:xfrm>
-            <a:off x="316992" y="6473313"/>
-            <a:ext cx="6464280" cy="365125"/>
-          </a:xfrm>
-        </p:spPr>
+        <p:spPr/>
         <p:txBody>
           <a:bodyPr/>
           <a:lstStyle/>
           <a:p>
             <a:r>
-              <a:rPr lang="de-DE" dirty="0"/>
-              <a:t>Saman Miran | Robin Ostner | Maria Schulze</a:t>
+              <a:rPr lang="de-DE"/>
+              <a:t>Dr. rer. nat. Erika Mustermann (TUM) | kann beliebig erweitert werden | Infos mit Strich trennen</a:t>
             </a:r>
             <a:endParaRPr lang="en-US" dirty="0"/>
           </a:p>
@@ -11965,30 +13001,42 @@
       </p:sp>
       <p:sp>
         <p:nvSpPr>
-          <p:cNvPr id="3" name="Titel 2"/>
-          <p:cNvSpPr>
-            <a:spLocks noGrp="1"/>
-          </p:cNvSpPr>
-          <p:nvPr>
-            <p:ph type="title"/>
-          </p:nvPr>
+          <p:cNvPr id="6" name="Textfeld 5">
+            <a:extLst>
+              <a:ext uri="{FF2B5EF4-FFF2-40B4-BE49-F238E27FC236}">
+                <a16:creationId xmlns:a16="http://schemas.microsoft.com/office/drawing/2014/main" id="{A349C8CC-3F39-4243-AECD-8B3914670095}"/>
+              </a:ext>
+            </a:extLst>
+          </p:cNvPr>
+          <p:cNvSpPr txBox="1"/>
+          <p:nvPr/>
         </p:nvSpPr>
         <p:spPr>
           <a:xfrm>
-            <a:off x="319090" y="994334"/>
-            <a:ext cx="8508999" cy="410369"/>
+            <a:off x="3268117" y="3139593"/>
+            <a:ext cx="2607765" cy="578813"/>
           </a:xfrm>
           <a:prstGeom prst="rect">
             <a:avLst/>
           </a:prstGeom>
+          <a:noFill/>
         </p:spPr>
         <p:txBody>
-          <a:bodyPr/>
+          <a:bodyPr wrap="none" lIns="0" tIns="0" rIns="0" bIns="0" rtlCol="0">
+            <a:spAutoFit/>
+          </a:bodyPr>
           <a:lstStyle/>
           <a:p>
+            <a:pPr>
+              <a:lnSpc>
+                <a:spcPct val="114000"/>
+              </a:lnSpc>
+            </a:pPr>
             <a:r>
-              <a:rPr lang="de-DE" dirty="0"/>
-              <a:t>Ergebnisse</a:t>
+              <a:rPr lang="de-DE" sz="3600" dirty="0">
+                <a:latin typeface="+mn-lt"/>
+              </a:rPr>
+              <a:t>Vielen Dank!</a:t>
             </a:r>
           </a:p>
         </p:txBody>
@@ -11996,7 +13044,7 @@
     </p:spTree>
     <p:extLst>
       <p:ext uri="{BB962C8B-B14F-4D97-AF65-F5344CB8AC3E}">
-        <p14:creationId xmlns:p14="http://schemas.microsoft.com/office/powerpoint/2010/main" val="1340371413"/>
+        <p14:creationId xmlns:p14="http://schemas.microsoft.com/office/powerpoint/2010/main" val="2883820315"/>
       </p:ext>
     </p:extLst>
   </p:cSld>
@@ -13573,6 +14621,388 @@
           <a:chExt cx="0" cy="0"/>
         </a:xfrm>
       </p:grpSpPr>
+      <p:pic>
+        <p:nvPicPr>
+          <p:cNvPr id="5" name="Inhaltsplatzhalter 4">
+            <a:extLst>
+              <a:ext uri="{FF2B5EF4-FFF2-40B4-BE49-F238E27FC236}">
+                <a16:creationId xmlns:a16="http://schemas.microsoft.com/office/drawing/2014/main" id="{5FFCAF87-610F-4527-82EC-E7E357082DE6}"/>
+              </a:ext>
+            </a:extLst>
+          </p:cNvPr>
+          <p:cNvPicPr>
+            <a:picLocks noGrp="1" noChangeAspect="1"/>
+          </p:cNvPicPr>
+          <p:nvPr>
+            <p:ph idx="1"/>
+          </p:nvPr>
+        </p:nvPicPr>
+        <p:blipFill rotWithShape="1">
+          <a:blip r:embed="rId3"/>
+          <a:srcRect l="46395" t="28895" r="47561" b="60360"/>
+          <a:stretch/>
+        </p:blipFill>
+        <p:spPr>
+          <a:xfrm>
+            <a:off x="451756" y="3244387"/>
+            <a:ext cx="805543" cy="805543"/>
+          </a:xfrm>
+          <a:prstGeom prst="rect">
+            <a:avLst/>
+          </a:prstGeom>
+        </p:spPr>
+      </p:pic>
+      <p:sp>
+        <p:nvSpPr>
+          <p:cNvPr id="4" name="Foliennummernplatzhalter 3"/>
+          <p:cNvSpPr>
+            <a:spLocks noGrp="1"/>
+          </p:cNvSpPr>
+          <p:nvPr>
+            <p:ph type="sldNum" sz="quarter" idx="11"/>
+          </p:nvPr>
+        </p:nvSpPr>
+        <p:spPr/>
+        <p:txBody>
+          <a:bodyPr/>
+          <a:lstStyle/>
+          <a:p>
+            <a:fld id="{CE58CB1E-F828-4F11-99E0-327109AF9DA4}" type="slidenum">
+              <a:rPr lang="de-DE" smtClean="0"/>
+              <a:pPr/>
+              <a:t>5</a:t>
+            </a:fld>
+            <a:endParaRPr lang="de-DE" dirty="0"/>
+          </a:p>
+        </p:txBody>
+      </p:sp>
+      <p:sp>
+        <p:nvSpPr>
+          <p:cNvPr id="6" name="Fußzeilenplatzhalter 4"/>
+          <p:cNvSpPr>
+            <a:spLocks noGrp="1"/>
+          </p:cNvSpPr>
+          <p:nvPr>
+            <p:ph type="ftr" sz="quarter" idx="12"/>
+          </p:nvPr>
+        </p:nvSpPr>
+        <p:spPr/>
+        <p:txBody>
+          <a:bodyPr/>
+          <a:lstStyle/>
+          <a:p>
+            <a:r>
+              <a:rPr lang="de-DE" dirty="0"/>
+              <a:t>Saman Miran | Robin Ostner | Maria Schulze</a:t>
+            </a:r>
+            <a:endParaRPr lang="en-US" dirty="0"/>
+          </a:p>
+        </p:txBody>
+      </p:sp>
+      <p:sp>
+        <p:nvSpPr>
+          <p:cNvPr id="3" name="Titel 2"/>
+          <p:cNvSpPr>
+            <a:spLocks noGrp="1"/>
+          </p:cNvSpPr>
+          <p:nvPr>
+            <p:ph type="title"/>
+          </p:nvPr>
+        </p:nvSpPr>
+        <p:spPr>
+          <a:prstGeom prst="rect">
+            <a:avLst/>
+          </a:prstGeom>
+        </p:spPr>
+        <p:txBody>
+          <a:bodyPr/>
+          <a:lstStyle/>
+          <a:p>
+            <a:r>
+              <a:rPr lang="de-DE" sz="3200" dirty="0"/>
+              <a:t>Problemstellung – zoom(…)</a:t>
+            </a:r>
+            <a:endParaRPr lang="de-DE" sz="3000" dirty="0"/>
+          </a:p>
+        </p:txBody>
+      </p:sp>
+      <p:sp>
+        <p:nvSpPr>
+          <p:cNvPr id="10" name="Pfeil: nach rechts 9">
+            <a:extLst>
+              <a:ext uri="{FF2B5EF4-FFF2-40B4-BE49-F238E27FC236}">
+                <a16:creationId xmlns:a16="http://schemas.microsoft.com/office/drawing/2014/main" id="{7A2F0B69-69D8-44BA-8C3D-38F9F112467C}"/>
+              </a:ext>
+            </a:extLst>
+          </p:cNvPr>
+          <p:cNvSpPr/>
+          <p:nvPr/>
+        </p:nvSpPr>
+        <p:spPr>
+          <a:xfrm>
+            <a:off x="1464127" y="3466352"/>
+            <a:ext cx="593271" cy="365125"/>
+          </a:xfrm>
+          <a:prstGeom prst="rightArrow">
+            <a:avLst/>
+          </a:prstGeom>
+          <a:ln>
+            <a:noFill/>
+          </a:ln>
+        </p:spPr>
+        <p:style>
+          <a:lnRef idx="2">
+            <a:schemeClr val="accent1">
+              <a:shade val="50000"/>
+            </a:schemeClr>
+          </a:lnRef>
+          <a:fillRef idx="1">
+            <a:schemeClr val="accent1"/>
+          </a:fillRef>
+          <a:effectRef idx="0">
+            <a:schemeClr val="accent1"/>
+          </a:effectRef>
+          <a:fontRef idx="minor">
+            <a:schemeClr val="lt1"/>
+          </a:fontRef>
+        </p:style>
+        <p:txBody>
+          <a:bodyPr rot="0" spcFirstLastPara="0" vertOverflow="overflow" horzOverflow="overflow" vert="horz" wrap="square" lIns="91440" tIns="45720" rIns="91440" bIns="45720" numCol="1" spcCol="0" rtlCol="0" fromWordArt="0" anchor="t" anchorCtr="0" forceAA="0" compatLnSpc="1">
+            <a:prstTxWarp prst="textNoShape">
+              <a:avLst/>
+            </a:prstTxWarp>
+            <a:noAutofit/>
+          </a:bodyPr>
+          <a:lstStyle/>
+          <a:p>
+            <a:pPr algn="ctr">
+              <a:lnSpc>
+                <a:spcPct val="114000"/>
+              </a:lnSpc>
+            </a:pPr>
+            <a:endParaRPr lang="de-DE" dirty="0"/>
+          </a:p>
+        </p:txBody>
+      </p:sp>
+      <p:sp>
+        <p:nvSpPr>
+          <p:cNvPr id="11" name="Pfeil: nach rechts 10">
+            <a:extLst>
+              <a:ext uri="{FF2B5EF4-FFF2-40B4-BE49-F238E27FC236}">
+                <a16:creationId xmlns:a16="http://schemas.microsoft.com/office/drawing/2014/main" id="{39F8147A-E0EF-480C-BB3B-0CA438C254C2}"/>
+              </a:ext>
+            </a:extLst>
+          </p:cNvPr>
+          <p:cNvSpPr/>
+          <p:nvPr/>
+        </p:nvSpPr>
+        <p:spPr>
+          <a:xfrm>
+            <a:off x="3948791" y="3466352"/>
+            <a:ext cx="593271" cy="365125"/>
+          </a:xfrm>
+          <a:prstGeom prst="rightArrow">
+            <a:avLst/>
+          </a:prstGeom>
+          <a:ln>
+            <a:noFill/>
+          </a:ln>
+        </p:spPr>
+        <p:style>
+          <a:lnRef idx="2">
+            <a:schemeClr val="accent1">
+              <a:shade val="50000"/>
+            </a:schemeClr>
+          </a:lnRef>
+          <a:fillRef idx="1">
+            <a:schemeClr val="accent1"/>
+          </a:fillRef>
+          <a:effectRef idx="0">
+            <a:schemeClr val="accent1"/>
+          </a:effectRef>
+          <a:fontRef idx="minor">
+            <a:schemeClr val="lt1"/>
+          </a:fontRef>
+        </p:style>
+        <p:txBody>
+          <a:bodyPr rot="0" spcFirstLastPara="0" vertOverflow="overflow" horzOverflow="overflow" vert="horz" wrap="square" lIns="91440" tIns="45720" rIns="91440" bIns="45720" numCol="1" spcCol="0" rtlCol="0" fromWordArt="0" anchor="t" anchorCtr="0" forceAA="0" compatLnSpc="1">
+            <a:prstTxWarp prst="textNoShape">
+              <a:avLst/>
+            </a:prstTxWarp>
+            <a:noAutofit/>
+          </a:bodyPr>
+          <a:lstStyle/>
+          <a:p>
+            <a:pPr algn="ctr">
+              <a:lnSpc>
+                <a:spcPct val="114000"/>
+              </a:lnSpc>
+            </a:pPr>
+            <a:endParaRPr lang="de-DE" dirty="0"/>
+          </a:p>
+        </p:txBody>
+      </p:sp>
+      <p:graphicFrame>
+        <p:nvGraphicFramePr>
+          <p:cNvPr id="7" name="Objekt 6">
+            <a:extLst>
+              <a:ext uri="{FF2B5EF4-FFF2-40B4-BE49-F238E27FC236}">
+                <a16:creationId xmlns:a16="http://schemas.microsoft.com/office/drawing/2014/main" id="{577A7FDE-991D-4B1B-9070-00F730DBA457}"/>
+              </a:ext>
+            </a:extLst>
+          </p:cNvPr>
+          <p:cNvGraphicFramePr>
+            <a:graphicFrameLocks noChangeAspect="1"/>
+          </p:cNvGraphicFramePr>
+          <p:nvPr>
+            <p:extLst>
+              <p:ext uri="{D42A27DB-BD31-4B8C-83A1-F6EECF244321}">
+                <p14:modId xmlns:p14="http://schemas.microsoft.com/office/powerpoint/2010/main" val="1340931998"/>
+              </p:ext>
+            </p:extLst>
+          </p:nvPr>
+        </p:nvGraphicFramePr>
+        <p:xfrm>
+          <a:off x="2243583" y="2950440"/>
+          <a:ext cx="1454224" cy="1454224"/>
+        </p:xfrm>
+        <a:graphic>
+          <a:graphicData uri="http://schemas.openxmlformats.org/presentationml/2006/ole">
+            <mc:AlternateContent xmlns:mc="http://schemas.openxmlformats.org/markup-compatibility/2006">
+              <mc:Choice xmlns:v="urn:schemas-microsoft-com:vml" Requires="v">
+                <p:oleObj spid="_x0000_s1028" name="Image" r:id="rId4" imgW="2437920" imgH="2437920" progId="Photoshop.Image.18">
+                  <p:embed/>
+                </p:oleObj>
+              </mc:Choice>
+              <mc:Fallback>
+                <p:oleObj name="Image" r:id="rId4" imgW="2437920" imgH="2437920" progId="Photoshop.Image.18">
+                  <p:embed/>
+                  <p:pic>
+                    <p:nvPicPr>
+                      <p:cNvPr id="0" name=""/>
+                      <p:cNvPicPr/>
+                      <p:nvPr/>
+                    </p:nvPicPr>
+                    <p:blipFill>
+                      <a:blip r:embed="rId5"/>
+                      <a:stretch>
+                        <a:fillRect/>
+                      </a:stretch>
+                    </p:blipFill>
+                    <p:spPr>
+                      <a:xfrm>
+                        <a:off x="2243583" y="2950440"/>
+                        <a:ext cx="1454224" cy="1454224"/>
+                      </a:xfrm>
+                      <a:prstGeom prst="rect">
+                        <a:avLst/>
+                      </a:prstGeom>
+                    </p:spPr>
+                  </p:pic>
+                </p:oleObj>
+              </mc:Fallback>
+            </mc:AlternateContent>
+          </a:graphicData>
+        </a:graphic>
+      </p:graphicFrame>
+      <p:graphicFrame>
+        <p:nvGraphicFramePr>
+          <p:cNvPr id="8" name="Objekt 7">
+            <a:extLst>
+              <a:ext uri="{FF2B5EF4-FFF2-40B4-BE49-F238E27FC236}">
+                <a16:creationId xmlns:a16="http://schemas.microsoft.com/office/drawing/2014/main" id="{7420BBC2-BA98-4C50-89A0-E71BE535FFC5}"/>
+              </a:ext>
+            </a:extLst>
+          </p:cNvPr>
+          <p:cNvGraphicFramePr>
+            <a:graphicFrameLocks noChangeAspect="1"/>
+          </p:cNvGraphicFramePr>
+          <p:nvPr>
+            <p:extLst>
+              <p:ext uri="{D42A27DB-BD31-4B8C-83A1-F6EECF244321}">
+                <p14:modId xmlns:p14="http://schemas.microsoft.com/office/powerpoint/2010/main" val="769640460"/>
+              </p:ext>
+            </p:extLst>
+          </p:nvPr>
+        </p:nvGraphicFramePr>
+        <p:xfrm>
+          <a:off x="4793046" y="2950440"/>
+          <a:ext cx="1454224" cy="1454224"/>
+        </p:xfrm>
+        <a:graphic>
+          <a:graphicData uri="http://schemas.openxmlformats.org/presentationml/2006/ole">
+            <mc:AlternateContent xmlns:mc="http://schemas.openxmlformats.org/markup-compatibility/2006">
+              <mc:Choice xmlns:v="urn:schemas-microsoft-com:vml" Requires="v">
+                <p:oleObj spid="_x0000_s1029" name="Image" r:id="rId6" imgW="2437920" imgH="2437920" progId="Photoshop.Image.18">
+                  <p:embed/>
+                </p:oleObj>
+              </mc:Choice>
+              <mc:Fallback>
+                <p:oleObj name="Image" r:id="rId6" imgW="2437920" imgH="2437920" progId="Photoshop.Image.18">
+                  <p:embed/>
+                  <p:pic>
+                    <p:nvPicPr>
+                      <p:cNvPr id="0" name=""/>
+                      <p:cNvPicPr/>
+                      <p:nvPr/>
+                    </p:nvPicPr>
+                    <p:blipFill>
+                      <a:blip r:embed="rId7"/>
+                      <a:stretch>
+                        <a:fillRect/>
+                      </a:stretch>
+                    </p:blipFill>
+                    <p:spPr>
+                      <a:xfrm>
+                        <a:off x="4793046" y="2950440"/>
+                        <a:ext cx="1454224" cy="1454224"/>
+                      </a:xfrm>
+                      <a:prstGeom prst="rect">
+                        <a:avLst/>
+                      </a:prstGeom>
+                      <a:ln>
+                        <a:solidFill>
+                          <a:schemeClr val="tx1"/>
+                        </a:solidFill>
+                      </a:ln>
+                    </p:spPr>
+                  </p:pic>
+                </p:oleObj>
+              </mc:Fallback>
+            </mc:AlternateContent>
+          </a:graphicData>
+        </a:graphic>
+      </p:graphicFrame>
+    </p:spTree>
+    <p:extLst>
+      <p:ext uri="{BB962C8B-B14F-4D97-AF65-F5344CB8AC3E}">
+        <p14:creationId xmlns:p14="http://schemas.microsoft.com/office/powerpoint/2010/main" val="864147992"/>
+      </p:ext>
+    </p:extLst>
+  </p:cSld>
+  <p:clrMapOvr>
+    <a:masterClrMapping/>
+  </p:clrMapOvr>
+</p:sld>
+</file>
+
+<file path=ppt/slides/slide6.xml><?xml version="1.0" encoding="utf-8"?>
+<p:sld xmlns:a="http://schemas.openxmlformats.org/drawingml/2006/main" xmlns:r="http://schemas.openxmlformats.org/officeDocument/2006/relationships" xmlns:p="http://schemas.openxmlformats.org/presentationml/2006/main">
+  <p:cSld>
+    <p:spTree>
+      <p:nvGrpSpPr>
+        <p:cNvPr id="1" name=""/>
+        <p:cNvGrpSpPr/>
+        <p:nvPr/>
+      </p:nvGrpSpPr>
+      <p:grpSpPr>
+        <a:xfrm>
+          <a:off x="0" y="0"/>
+          <a:ext cx="0" cy="0"/>
+          <a:chOff x="0" y="0"/>
+          <a:chExt cx="0" cy="0"/>
+        </a:xfrm>
+      </p:grpSpPr>
       <p:sp>
         <p:nvSpPr>
           <p:cNvPr id="2" name="Inhaltsplatzhalter 1"/>
@@ -13715,7 +15145,7 @@
             <a:fld id="{CE58CB1E-F828-4F11-99E0-327109AF9DA4}" type="slidenum">
               <a:rPr lang="de-DE" smtClean="0"/>
               <a:pPr/>
-              <a:t>5</a:t>
+              <a:t>6</a:t>
             </a:fld>
             <a:endParaRPr lang="de-DE" dirty="0"/>
           </a:p>
@@ -13778,7 +15208,7 @@
 </p:sld>
 </file>
 
-<file path=ppt/slides/slide6.xml><?xml version="1.0" encoding="utf-8"?>
+<file path=ppt/slides/slide7.xml><?xml version="1.0" encoding="utf-8"?>
 <p:sld xmlns:a="http://schemas.openxmlformats.org/drawingml/2006/main" xmlns:r="http://schemas.openxmlformats.org/officeDocument/2006/relationships" xmlns:p="http://schemas.openxmlformats.org/presentationml/2006/main">
   <p:cSld>
     <p:spTree>
@@ -13813,7 +15243,7 @@
             <a:fld id="{CE58CB1E-F828-4F11-99E0-327109AF9DA4}" type="slidenum">
               <a:rPr lang="de-DE" smtClean="0"/>
               <a:pPr/>
-              <a:t>6</a:t>
+              <a:t>7</a:t>
             </a:fld>
             <a:endParaRPr lang="de-DE" dirty="0"/>
           </a:p>
@@ -14122,7 +15552,7 @@
 </p:sld>
 </file>
 
-<file path=ppt/slides/slide7.xml><?xml version="1.0" encoding="utf-8"?>
+<file path=ppt/slides/slide8.xml><?xml version="1.0" encoding="utf-8"?>
 <p:sld xmlns:a="http://schemas.openxmlformats.org/drawingml/2006/main" xmlns:r="http://schemas.openxmlformats.org/officeDocument/2006/relationships" xmlns:p="http://schemas.openxmlformats.org/presentationml/2006/main">
   <p:cSld>
     <p:spTree>
@@ -14157,7 +15587,7 @@
             <a:fld id="{CE58CB1E-F828-4F11-99E0-327109AF9DA4}" type="slidenum">
               <a:rPr lang="de-DE" smtClean="0"/>
               <a:pPr/>
-              <a:t>7</a:t>
+              <a:t>8</a:t>
             </a:fld>
             <a:endParaRPr lang="de-DE" dirty="0"/>
           </a:p>
@@ -15060,7 +16490,7 @@
 </p:sld>
 </file>
 
-<file path=ppt/slides/slide8.xml><?xml version="1.0" encoding="utf-8"?>
+<file path=ppt/slides/slide9.xml><?xml version="1.0" encoding="utf-8"?>
 <p:sld xmlns:a="http://schemas.openxmlformats.org/drawingml/2006/main" xmlns:r="http://schemas.openxmlformats.org/officeDocument/2006/relationships" xmlns:p="http://schemas.openxmlformats.org/presentationml/2006/main">
   <p:cSld>
     <p:spTree>
@@ -15095,7 +16525,7 @@
             <a:fld id="{CE58CB1E-F828-4F11-99E0-327109AF9DA4}" type="slidenum">
               <a:rPr lang="de-DE" smtClean="0"/>
               <a:pPr/>
-              <a:t>8</a:t>
+              <a:t>9</a:t>
             </a:fld>
             <a:endParaRPr lang="de-DE" dirty="0"/>
           </a:p>
@@ -16031,771 +17461,6 @@
     <p:extLst>
       <p:ext uri="{BB962C8B-B14F-4D97-AF65-F5344CB8AC3E}">
         <p14:creationId xmlns:p14="http://schemas.microsoft.com/office/powerpoint/2010/main" val="660241677"/>
-      </p:ext>
-    </p:extLst>
-  </p:cSld>
-  <p:clrMapOvr>
-    <a:masterClrMapping/>
-  </p:clrMapOvr>
-</p:sld>
-</file>
-
-<file path=ppt/slides/slide9.xml><?xml version="1.0" encoding="utf-8"?>
-<p:sld xmlns:a="http://schemas.openxmlformats.org/drawingml/2006/main" xmlns:r="http://schemas.openxmlformats.org/officeDocument/2006/relationships" xmlns:p="http://schemas.openxmlformats.org/presentationml/2006/main">
-  <p:cSld>
-    <p:spTree>
-      <p:nvGrpSpPr>
-        <p:cNvPr id="1" name=""/>
-        <p:cNvGrpSpPr/>
-        <p:nvPr/>
-      </p:nvGrpSpPr>
-      <p:grpSpPr>
-        <a:xfrm>
-          <a:off x="0" y="0"/>
-          <a:ext cx="0" cy="0"/>
-          <a:chOff x="0" y="0"/>
-          <a:chExt cx="0" cy="0"/>
-        </a:xfrm>
-      </p:grpSpPr>
-      <p:sp>
-        <p:nvSpPr>
-          <p:cNvPr id="4" name="Foliennummernplatzhalter 3"/>
-          <p:cNvSpPr>
-            <a:spLocks noGrp="1"/>
-          </p:cNvSpPr>
-          <p:nvPr>
-            <p:ph type="sldNum" sz="quarter" idx="11"/>
-          </p:nvPr>
-        </p:nvSpPr>
-        <p:spPr/>
-        <p:txBody>
-          <a:bodyPr/>
-          <a:lstStyle/>
-          <a:p>
-            <a:fld id="{CE58CB1E-F828-4F11-99E0-327109AF9DA4}" type="slidenum">
-              <a:rPr lang="de-DE" smtClean="0"/>
-              <a:pPr/>
-              <a:t>9</a:t>
-            </a:fld>
-            <a:endParaRPr lang="de-DE" dirty="0"/>
-          </a:p>
-        </p:txBody>
-      </p:sp>
-      <p:sp>
-        <p:nvSpPr>
-          <p:cNvPr id="6" name="Fußzeilenplatzhalter 4"/>
-          <p:cNvSpPr>
-            <a:spLocks noGrp="1"/>
-          </p:cNvSpPr>
-          <p:nvPr>
-            <p:ph type="ftr" sz="quarter" idx="12"/>
-          </p:nvPr>
-        </p:nvSpPr>
-        <p:spPr/>
-        <p:txBody>
-          <a:bodyPr/>
-          <a:lstStyle/>
-          <a:p>
-            <a:r>
-              <a:rPr lang="de-DE" dirty="0"/>
-              <a:t>Saman Miran | Robin Ostner | Maria Schulze</a:t>
-            </a:r>
-            <a:endParaRPr lang="en-US" dirty="0"/>
-          </a:p>
-        </p:txBody>
-      </p:sp>
-      <p:sp>
-        <p:nvSpPr>
-          <p:cNvPr id="3" name="Titel 2"/>
-          <p:cNvSpPr>
-            <a:spLocks noGrp="1"/>
-          </p:cNvSpPr>
-          <p:nvPr>
-            <p:ph type="title"/>
-          </p:nvPr>
-        </p:nvSpPr>
-        <p:spPr>
-          <a:xfrm>
-            <a:off x="319090" y="994334"/>
-            <a:ext cx="8508999" cy="410369"/>
-          </a:xfrm>
-          <a:prstGeom prst="rect">
-            <a:avLst/>
-          </a:prstGeom>
-        </p:spPr>
-        <p:txBody>
-          <a:bodyPr/>
-          <a:lstStyle/>
-          <a:p>
-            <a:r>
-              <a:rPr lang="de-DE" dirty="0"/>
-              <a:t>Implementierung zoom(…) - SISD</a:t>
-            </a:r>
-          </a:p>
-        </p:txBody>
-      </p:sp>
-      <p:sp>
-        <p:nvSpPr>
-          <p:cNvPr id="5" name="Textfeld 4">
-            <a:extLst>
-              <a:ext uri="{FF2B5EF4-FFF2-40B4-BE49-F238E27FC236}">
-                <a16:creationId xmlns:a16="http://schemas.microsoft.com/office/drawing/2014/main" id="{AEF5B190-8AD7-45C4-B03E-9129E15603E0}"/>
-              </a:ext>
-            </a:extLst>
-          </p:cNvPr>
-          <p:cNvSpPr txBox="1"/>
-          <p:nvPr/>
-        </p:nvSpPr>
-        <p:spPr>
-          <a:xfrm>
-            <a:off x="3404276" y="5861232"/>
-            <a:ext cx="2335448" cy="280718"/>
-          </a:xfrm>
-          <a:prstGeom prst="rect">
-            <a:avLst/>
-          </a:prstGeom>
-          <a:noFill/>
-        </p:spPr>
-        <p:txBody>
-          <a:bodyPr wrap="none" lIns="0" tIns="0" rIns="0" bIns="0" rtlCol="0">
-            <a:spAutoFit/>
-          </a:bodyPr>
-          <a:lstStyle/>
-          <a:p>
-            <a:pPr>
-              <a:lnSpc>
-                <a:spcPct val="114000"/>
-              </a:lnSpc>
-            </a:pPr>
-            <a:r>
-              <a:rPr lang="de-DE" sz="1600" dirty="0">
-                <a:latin typeface="+mn-lt"/>
-              </a:rPr>
-              <a:t>Skalieren des Ausschnitts</a:t>
-            </a:r>
-          </a:p>
-        </p:txBody>
-      </p:sp>
-      <p:grpSp>
-        <p:nvGrpSpPr>
-          <p:cNvPr id="8" name="Gruppieren 7">
-            <a:extLst>
-              <a:ext uri="{FF2B5EF4-FFF2-40B4-BE49-F238E27FC236}">
-                <a16:creationId xmlns:a16="http://schemas.microsoft.com/office/drawing/2014/main" id="{0B195C33-9C8F-4CD4-AC5A-23864B41C768}"/>
-              </a:ext>
-            </a:extLst>
-          </p:cNvPr>
-          <p:cNvGrpSpPr/>
-          <p:nvPr/>
-        </p:nvGrpSpPr>
-        <p:grpSpPr>
-          <a:xfrm>
-            <a:off x="2597468" y="1838605"/>
-            <a:ext cx="3949064" cy="3949064"/>
-            <a:chOff x="2531520" y="1869982"/>
-            <a:chExt cx="3949064" cy="3949064"/>
-          </a:xfrm>
-        </p:grpSpPr>
-        <p:grpSp>
-          <p:nvGrpSpPr>
-            <p:cNvPr id="43" name="Gruppieren 42">
-              <a:extLst>
-                <a:ext uri="{FF2B5EF4-FFF2-40B4-BE49-F238E27FC236}">
-                  <a16:creationId xmlns:a16="http://schemas.microsoft.com/office/drawing/2014/main" id="{E0FFAE5C-C821-4E1B-B22F-EFBB9F2E79FD}"/>
-                </a:ext>
-              </a:extLst>
-            </p:cNvPr>
-            <p:cNvGrpSpPr/>
-            <p:nvPr/>
-          </p:nvGrpSpPr>
-          <p:grpSpPr>
-            <a:xfrm>
-              <a:off x="2531520" y="1869982"/>
-              <a:ext cx="3949064" cy="3949064"/>
-              <a:chOff x="2392363" y="2068588"/>
-              <a:chExt cx="3966210" cy="3966210"/>
-            </a:xfrm>
-          </p:grpSpPr>
-          <p:sp>
-            <p:nvSpPr>
-              <p:cNvPr id="39" name="Pfeil: gebogen 38">
-                <a:extLst>
-                  <a:ext uri="{FF2B5EF4-FFF2-40B4-BE49-F238E27FC236}">
-                    <a16:creationId xmlns:a16="http://schemas.microsoft.com/office/drawing/2014/main" id="{31D6CD3C-2D1A-4E6A-B11B-F1DCE35BE846}"/>
-                  </a:ext>
-                </a:extLst>
-              </p:cNvPr>
-              <p:cNvSpPr/>
-              <p:nvPr/>
-            </p:nvSpPr>
-            <p:spPr>
-              <a:xfrm rot="5400000">
-                <a:off x="2392363" y="2068588"/>
-                <a:ext cx="3966210" cy="3966210"/>
-              </a:xfrm>
-              <a:prstGeom prst="circularArrow">
-                <a:avLst>
-                  <a:gd name="adj1" fmla="val 5085"/>
-                  <a:gd name="adj2" fmla="val 327528"/>
-                  <a:gd name="adj3" fmla="val 15841117"/>
-                  <a:gd name="adj4" fmla="val 16231354"/>
-                  <a:gd name="adj5" fmla="val 5932"/>
-                </a:avLst>
-              </a:prstGeom>
-              <a:solidFill>
-                <a:schemeClr val="accent1"/>
-              </a:solidFill>
-            </p:spPr>
-            <p:style>
-              <a:lnRef idx="0">
-                <a:schemeClr val="accent2">
-                  <a:tint val="60000"/>
-                  <a:hueOff val="0"/>
-                  <a:satOff val="0"/>
-                  <a:lumOff val="0"/>
-                  <a:alphaOff val="0"/>
-                </a:schemeClr>
-              </a:lnRef>
-              <a:fillRef idx="1">
-                <a:scrgbClr r="0" g="0" b="0"/>
-              </a:fillRef>
-              <a:effectRef idx="0">
-                <a:schemeClr val="accent2">
-                  <a:tint val="60000"/>
-                  <a:hueOff val="0"/>
-                  <a:satOff val="0"/>
-                  <a:lumOff val="0"/>
-                  <a:alphaOff val="0"/>
-                </a:schemeClr>
-              </a:effectRef>
-              <a:fontRef idx="minor">
-                <a:schemeClr val="dk1">
-                  <a:hueOff val="0"/>
-                  <a:satOff val="0"/>
-                  <a:lumOff val="0"/>
-                  <a:alphaOff val="0"/>
-                </a:schemeClr>
-              </a:fontRef>
-            </p:style>
-            <p:txBody>
-              <a:bodyPr/>
-              <a:lstStyle/>
-              <a:p>
-                <a:endParaRPr lang="de-DE" dirty="0"/>
-              </a:p>
-            </p:txBody>
-          </p:sp>
-          <p:sp>
-            <p:nvSpPr>
-              <p:cNvPr id="40" name="Textfeld 39">
-                <a:extLst>
-                  <a:ext uri="{FF2B5EF4-FFF2-40B4-BE49-F238E27FC236}">
-                    <a16:creationId xmlns:a16="http://schemas.microsoft.com/office/drawing/2014/main" id="{74E56B44-EAB4-418A-9FC2-640F2390BE9A}"/>
-                  </a:ext>
-                </a:extLst>
-              </p:cNvPr>
-              <p:cNvSpPr txBox="1"/>
-              <p:nvPr/>
-            </p:nvSpPr>
-            <p:spPr>
-              <a:xfrm>
-                <a:off x="2674173" y="2343136"/>
-                <a:ext cx="3407223" cy="3444428"/>
-              </a:xfrm>
-              <a:prstGeom prst="rect">
-                <a:avLst/>
-              </a:prstGeom>
-              <a:noFill/>
-            </p:spPr>
-            <p:txBody>
-              <a:bodyPr wrap="none" lIns="0" tIns="0" rIns="0" bIns="0" rtlCol="0">
-                <a:prstTxWarp prst="textArchUp">
-                  <a:avLst>
-                    <a:gd name="adj" fmla="val 11728606"/>
-                  </a:avLst>
-                </a:prstTxWarp>
-                <a:spAutoFit/>
-              </a:bodyPr>
-              <a:lstStyle/>
-              <a:p>
-                <a:pPr algn="ctr">
-                  <a:lnSpc>
-                    <a:spcPct val="114000"/>
-                  </a:lnSpc>
-                </a:pPr>
-                <a:r>
-                  <a:rPr lang="de-DE" sz="1600" dirty="0">
-                    <a:solidFill>
-                      <a:schemeClr val="bg1"/>
-                    </a:solidFill>
-                    <a:latin typeface="+mn-lt"/>
-                  </a:rPr>
-                  <a:t>Alle Pixel des Ausschnitts</a:t>
-                </a:r>
-              </a:p>
-            </p:txBody>
-          </p:sp>
-          <p:pic>
-            <p:nvPicPr>
-              <p:cNvPr id="2" name="Grafik 1">
-                <a:extLst>
-                  <a:ext uri="{FF2B5EF4-FFF2-40B4-BE49-F238E27FC236}">
-                    <a16:creationId xmlns:a16="http://schemas.microsoft.com/office/drawing/2014/main" id="{25E30EF0-8A4C-4E77-A18B-FAA7FC7BF209}"/>
-                  </a:ext>
-                </a:extLst>
-              </p:cNvPr>
-              <p:cNvPicPr>
-                <a:picLocks noChangeAspect="1"/>
-              </p:cNvPicPr>
-              <p:nvPr/>
-            </p:nvPicPr>
-            <p:blipFill rotWithShape="1">
-              <a:blip r:embed="rId2"/>
-              <a:srcRect l="38725" t="46776" r="56373" b="44509"/>
-              <a:stretch/>
-            </p:blipFill>
-            <p:spPr>
-              <a:xfrm>
-                <a:off x="4720278" y="3582260"/>
-                <a:ext cx="938864" cy="938864"/>
-              </a:xfrm>
-              <a:prstGeom prst="rect">
-                <a:avLst/>
-              </a:prstGeom>
-              <a:solidFill>
-                <a:srgbClr val="000000">
-                  <a:shade val="95000"/>
-                </a:srgbClr>
-              </a:solidFill>
-              <a:ln w="9525" cap="sq">
-                <a:solidFill>
-                  <a:srgbClr val="000000"/>
-                </a:solidFill>
-                <a:miter lim="800000"/>
-              </a:ln>
-              <a:effectLst/>
-            </p:spPr>
-          </p:pic>
-          <p:pic>
-            <p:nvPicPr>
-              <p:cNvPr id="41" name="Inhaltsplatzhalter 4">
-                <a:extLst>
-                  <a:ext uri="{FF2B5EF4-FFF2-40B4-BE49-F238E27FC236}">
-                    <a16:creationId xmlns:a16="http://schemas.microsoft.com/office/drawing/2014/main" id="{35FF8A84-A7A3-4E96-8C39-62CD0AAA29BA}"/>
-                  </a:ext>
-                </a:extLst>
-              </p:cNvPr>
-              <p:cNvPicPr>
-                <a:picLocks noChangeAspect="1"/>
-              </p:cNvPicPr>
-              <p:nvPr/>
-            </p:nvPicPr>
-            <p:blipFill rotWithShape="1">
-              <a:blip r:embed="rId3"/>
-              <a:srcRect l="46976" t="29985" r="48236" b="61231"/>
-              <a:stretch/>
-            </p:blipFill>
-            <p:spPr>
-              <a:xfrm>
-                <a:off x="3088643" y="3666345"/>
-                <a:ext cx="746758" cy="770692"/>
-              </a:xfrm>
-              <a:prstGeom prst="rect">
-                <a:avLst/>
-              </a:prstGeom>
-              <a:solidFill>
-                <a:srgbClr val="000000">
-                  <a:shade val="95000"/>
-                </a:srgbClr>
-              </a:solidFill>
-              <a:ln w="6350" cap="sq">
-                <a:solidFill>
-                  <a:srgbClr val="000000"/>
-                </a:solidFill>
-                <a:miter lim="800000"/>
-              </a:ln>
-              <a:effectLst/>
-            </p:spPr>
-          </p:pic>
-          <p:sp>
-            <p:nvSpPr>
-              <p:cNvPr id="42" name="Pfeil: nach rechts 41">
-                <a:extLst>
-                  <a:ext uri="{FF2B5EF4-FFF2-40B4-BE49-F238E27FC236}">
-                    <a16:creationId xmlns:a16="http://schemas.microsoft.com/office/drawing/2014/main" id="{B506B266-9CA0-4185-BA4A-9C25BF840B13}"/>
-                  </a:ext>
-                </a:extLst>
-              </p:cNvPr>
-              <p:cNvSpPr/>
-              <p:nvPr/>
-            </p:nvSpPr>
-            <p:spPr>
-              <a:xfrm>
-                <a:off x="4005603" y="3869129"/>
-                <a:ext cx="593271" cy="365125"/>
-              </a:xfrm>
-              <a:prstGeom prst="rightArrow">
-                <a:avLst/>
-              </a:prstGeom>
-              <a:ln>
-                <a:noFill/>
-              </a:ln>
-            </p:spPr>
-            <p:style>
-              <a:lnRef idx="2">
-                <a:schemeClr val="accent1">
-                  <a:shade val="50000"/>
-                </a:schemeClr>
-              </a:lnRef>
-              <a:fillRef idx="1">
-                <a:schemeClr val="accent1"/>
-              </a:fillRef>
-              <a:effectRef idx="0">
-                <a:schemeClr val="accent1"/>
-              </a:effectRef>
-              <a:fontRef idx="minor">
-                <a:schemeClr val="lt1"/>
-              </a:fontRef>
-            </p:style>
-            <p:txBody>
-              <a:bodyPr rot="0" spcFirstLastPara="0" vertOverflow="overflow" horzOverflow="overflow" vert="horz" wrap="square" lIns="91440" tIns="45720" rIns="91440" bIns="45720" numCol="1" spcCol="0" rtlCol="0" fromWordArt="0" anchor="t" anchorCtr="0" forceAA="0" compatLnSpc="1">
-                <a:prstTxWarp prst="textNoShape">
-                  <a:avLst/>
-                </a:prstTxWarp>
-                <a:noAutofit/>
-              </a:bodyPr>
-              <a:lstStyle/>
-              <a:p>
-                <a:pPr algn="ctr">
-                  <a:lnSpc>
-                    <a:spcPct val="114000"/>
-                  </a:lnSpc>
-                </a:pPr>
-                <a:endParaRPr lang="de-DE" dirty="0"/>
-              </a:p>
-            </p:txBody>
-          </p:sp>
-        </p:grpSp>
-        <p:sp>
-          <p:nvSpPr>
-            <p:cNvPr id="7" name="Rechteck 6">
-              <a:extLst>
-                <a:ext uri="{FF2B5EF4-FFF2-40B4-BE49-F238E27FC236}">
-                  <a16:creationId xmlns:a16="http://schemas.microsoft.com/office/drawing/2014/main" id="{57E4ADB0-3E22-4DAD-A9AF-CEFE801E8220}"/>
-                </a:ext>
-              </a:extLst>
-            </p:cNvPr>
-            <p:cNvSpPr/>
-            <p:nvPr/>
-          </p:nvSpPr>
-          <p:spPr>
-            <a:xfrm>
-              <a:off x="3193507" y="3844514"/>
-              <a:ext cx="415052" cy="394335"/>
-            </a:xfrm>
-            <a:prstGeom prst="rect">
-              <a:avLst/>
-            </a:prstGeom>
-            <a:solidFill>
-              <a:schemeClr val="bg1">
-                <a:alpha val="70000"/>
-              </a:schemeClr>
-            </a:solidFill>
-            <a:ln>
-              <a:noFill/>
-            </a:ln>
-          </p:spPr>
-          <p:style>
-            <a:lnRef idx="2">
-              <a:schemeClr val="accent1">
-                <a:shade val="50000"/>
-              </a:schemeClr>
-            </a:lnRef>
-            <a:fillRef idx="1">
-              <a:schemeClr val="accent1"/>
-            </a:fillRef>
-            <a:effectRef idx="0">
-              <a:schemeClr val="accent1"/>
-            </a:effectRef>
-            <a:fontRef idx="minor">
-              <a:schemeClr val="lt1"/>
-            </a:fontRef>
-          </p:style>
-          <p:txBody>
-            <a:bodyPr rot="0" spcFirstLastPara="0" vertOverflow="overflow" horzOverflow="overflow" vert="horz" wrap="square" lIns="91440" tIns="45720" rIns="91440" bIns="45720" numCol="1" spcCol="0" rtlCol="0" fromWordArt="0" anchor="t" anchorCtr="0" forceAA="0" compatLnSpc="1">
-              <a:prstTxWarp prst="textNoShape">
-                <a:avLst/>
-              </a:prstTxWarp>
-              <a:noAutofit/>
-            </a:bodyPr>
-            <a:lstStyle/>
-            <a:p>
-              <a:pPr algn="ctr">
-                <a:lnSpc>
-                  <a:spcPct val="114000"/>
-                </a:lnSpc>
-              </a:pPr>
-              <a:endParaRPr lang="de-DE" dirty="0"/>
-            </a:p>
-          </p:txBody>
-        </p:sp>
-        <p:sp>
-          <p:nvSpPr>
-            <p:cNvPr id="13" name="Rechteck 12">
-              <a:extLst>
-                <a:ext uri="{FF2B5EF4-FFF2-40B4-BE49-F238E27FC236}">
-                  <a16:creationId xmlns:a16="http://schemas.microsoft.com/office/drawing/2014/main" id="{7B8C7407-8CE2-4483-9E4E-A8A4DAF15C67}"/>
-                </a:ext>
-              </a:extLst>
-            </p:cNvPr>
-            <p:cNvSpPr/>
-            <p:nvPr/>
-          </p:nvSpPr>
-          <p:spPr>
-            <a:xfrm>
-              <a:off x="3608559" y="3444340"/>
-              <a:ext cx="381000" cy="852611"/>
-            </a:xfrm>
-            <a:prstGeom prst="rect">
-              <a:avLst/>
-            </a:prstGeom>
-            <a:solidFill>
-              <a:schemeClr val="bg1">
-                <a:alpha val="70000"/>
-              </a:schemeClr>
-            </a:solidFill>
-            <a:ln>
-              <a:noFill/>
-            </a:ln>
-          </p:spPr>
-          <p:style>
-            <a:lnRef idx="2">
-              <a:schemeClr val="accent1">
-                <a:shade val="50000"/>
-              </a:schemeClr>
-            </a:lnRef>
-            <a:fillRef idx="1">
-              <a:schemeClr val="accent1"/>
-            </a:fillRef>
-            <a:effectRef idx="0">
-              <a:schemeClr val="accent1"/>
-            </a:effectRef>
-            <a:fontRef idx="minor">
-              <a:schemeClr val="lt1"/>
-            </a:fontRef>
-          </p:style>
-          <p:txBody>
-            <a:bodyPr rot="0" spcFirstLastPara="0" vertOverflow="overflow" horzOverflow="overflow" vert="horz" wrap="square" lIns="91440" tIns="45720" rIns="91440" bIns="45720" numCol="1" spcCol="0" rtlCol="0" fromWordArt="0" anchor="t" anchorCtr="0" forceAA="0" compatLnSpc="1">
-              <a:prstTxWarp prst="textNoShape">
-                <a:avLst/>
-              </a:prstTxWarp>
-              <a:noAutofit/>
-            </a:bodyPr>
-            <a:lstStyle/>
-            <a:p>
-              <a:pPr algn="ctr">
-                <a:lnSpc>
-                  <a:spcPct val="114000"/>
-                </a:lnSpc>
-              </a:pPr>
-              <a:endParaRPr lang="de-DE" dirty="0"/>
-            </a:p>
-          </p:txBody>
-        </p:sp>
-        <p:sp>
-          <p:nvSpPr>
-            <p:cNvPr id="14" name="Rechteck 13">
-              <a:extLst>
-                <a:ext uri="{FF2B5EF4-FFF2-40B4-BE49-F238E27FC236}">
-                  <a16:creationId xmlns:a16="http://schemas.microsoft.com/office/drawing/2014/main" id="{381AE02F-A6FB-4D7A-A991-A051EBFA4CB7}"/>
-                </a:ext>
-              </a:extLst>
-            </p:cNvPr>
-            <p:cNvSpPr/>
-            <p:nvPr/>
-          </p:nvSpPr>
-          <p:spPr>
-            <a:xfrm>
-              <a:off x="4837276" y="3851185"/>
-              <a:ext cx="998148" cy="475497"/>
-            </a:xfrm>
-            <a:prstGeom prst="rect">
-              <a:avLst/>
-            </a:prstGeom>
-            <a:solidFill>
-              <a:schemeClr val="bg1">
-                <a:alpha val="70000"/>
-              </a:schemeClr>
-            </a:solidFill>
-            <a:ln>
-              <a:noFill/>
-            </a:ln>
-          </p:spPr>
-          <p:style>
-            <a:lnRef idx="2">
-              <a:schemeClr val="accent1">
-                <a:shade val="50000"/>
-              </a:schemeClr>
-            </a:lnRef>
-            <a:fillRef idx="1">
-              <a:schemeClr val="accent1"/>
-            </a:fillRef>
-            <a:effectRef idx="0">
-              <a:schemeClr val="accent1"/>
-            </a:effectRef>
-            <a:fontRef idx="minor">
-              <a:schemeClr val="lt1"/>
-            </a:fontRef>
-          </p:style>
-          <p:txBody>
-            <a:bodyPr rot="0" spcFirstLastPara="0" vertOverflow="overflow" horzOverflow="overflow" vert="horz" wrap="square" lIns="91440" tIns="45720" rIns="91440" bIns="45720" numCol="1" spcCol="0" rtlCol="0" fromWordArt="0" anchor="t" anchorCtr="0" forceAA="0" compatLnSpc="1">
-              <a:prstTxWarp prst="textNoShape">
-                <a:avLst/>
-              </a:prstTxWarp>
-              <a:noAutofit/>
-            </a:bodyPr>
-            <a:lstStyle/>
-            <a:p>
-              <a:pPr algn="ctr">
-                <a:lnSpc>
-                  <a:spcPct val="114000"/>
-                </a:lnSpc>
-              </a:pPr>
-              <a:endParaRPr lang="de-DE" dirty="0"/>
-            </a:p>
-          </p:txBody>
-        </p:sp>
-        <p:sp>
-          <p:nvSpPr>
-            <p:cNvPr id="15" name="Rechteck 14">
-              <a:extLst>
-                <a:ext uri="{FF2B5EF4-FFF2-40B4-BE49-F238E27FC236}">
-                  <a16:creationId xmlns:a16="http://schemas.microsoft.com/office/drawing/2014/main" id="{883D5024-3ECE-472F-A750-39C8FEDCE79D}"/>
-                </a:ext>
-              </a:extLst>
-            </p:cNvPr>
-            <p:cNvSpPr/>
-            <p:nvPr/>
-          </p:nvSpPr>
-          <p:spPr>
-            <a:xfrm>
-              <a:off x="5003867" y="3322543"/>
-              <a:ext cx="908812" cy="528642"/>
-            </a:xfrm>
-            <a:prstGeom prst="rect">
-              <a:avLst/>
-            </a:prstGeom>
-            <a:solidFill>
-              <a:schemeClr val="bg1">
-                <a:alpha val="70000"/>
-              </a:schemeClr>
-            </a:solidFill>
-            <a:ln>
-              <a:noFill/>
-            </a:ln>
-          </p:spPr>
-          <p:style>
-            <a:lnRef idx="2">
-              <a:schemeClr val="accent1">
-                <a:shade val="50000"/>
-              </a:schemeClr>
-            </a:lnRef>
-            <a:fillRef idx="1">
-              <a:schemeClr val="accent1"/>
-            </a:fillRef>
-            <a:effectRef idx="0">
-              <a:schemeClr val="accent1"/>
-            </a:effectRef>
-            <a:fontRef idx="minor">
-              <a:schemeClr val="lt1"/>
-            </a:fontRef>
-          </p:style>
-          <p:txBody>
-            <a:bodyPr rot="0" spcFirstLastPara="0" vertOverflow="overflow" horzOverflow="overflow" vert="horz" wrap="square" lIns="91440" tIns="45720" rIns="91440" bIns="45720" numCol="1" spcCol="0" rtlCol="0" fromWordArt="0" anchor="t" anchorCtr="0" forceAA="0" compatLnSpc="1">
-              <a:prstTxWarp prst="textNoShape">
-                <a:avLst/>
-              </a:prstTxWarp>
-              <a:noAutofit/>
-            </a:bodyPr>
-            <a:lstStyle/>
-            <a:p>
-              <a:pPr algn="ctr">
-                <a:lnSpc>
-                  <a:spcPct val="114000"/>
-                </a:lnSpc>
-              </a:pPr>
-              <a:endParaRPr lang="de-DE" dirty="0"/>
-            </a:p>
-          </p:txBody>
-        </p:sp>
-        <p:sp>
-          <p:nvSpPr>
-            <p:cNvPr id="16" name="Rechteck 15">
-              <a:extLst>
-                <a:ext uri="{FF2B5EF4-FFF2-40B4-BE49-F238E27FC236}">
-                  <a16:creationId xmlns:a16="http://schemas.microsoft.com/office/drawing/2014/main" id="{059E7BA8-F7EE-48F5-BE8E-CF4856D28F40}"/>
-                </a:ext>
-              </a:extLst>
-            </p:cNvPr>
-            <p:cNvSpPr/>
-            <p:nvPr/>
-          </p:nvSpPr>
-          <p:spPr>
-            <a:xfrm>
-              <a:off x="4831944" y="3334924"/>
-              <a:ext cx="171923" cy="339775"/>
-            </a:xfrm>
-            <a:prstGeom prst="rect">
-              <a:avLst/>
-            </a:prstGeom>
-            <a:solidFill>
-              <a:schemeClr val="bg1">
-                <a:alpha val="70000"/>
-              </a:schemeClr>
-            </a:solidFill>
-            <a:ln>
-              <a:noFill/>
-            </a:ln>
-          </p:spPr>
-          <p:style>
-            <a:lnRef idx="2">
-              <a:schemeClr val="accent1">
-                <a:shade val="50000"/>
-              </a:schemeClr>
-            </a:lnRef>
-            <a:fillRef idx="1">
-              <a:schemeClr val="accent1"/>
-            </a:fillRef>
-            <a:effectRef idx="0">
-              <a:schemeClr val="accent1"/>
-            </a:effectRef>
-            <a:fontRef idx="minor">
-              <a:schemeClr val="lt1"/>
-            </a:fontRef>
-          </p:style>
-          <p:txBody>
-            <a:bodyPr rot="0" spcFirstLastPara="0" vertOverflow="overflow" horzOverflow="overflow" vert="horz" wrap="square" lIns="91440" tIns="45720" rIns="91440" bIns="45720" numCol="1" spcCol="0" rtlCol="0" fromWordArt="0" anchor="t" anchorCtr="0" forceAA="0" compatLnSpc="1">
-              <a:prstTxWarp prst="textNoShape">
-                <a:avLst/>
-              </a:prstTxWarp>
-              <a:noAutofit/>
-            </a:bodyPr>
-            <a:lstStyle/>
-            <a:p>
-              <a:pPr algn="ctr">
-                <a:lnSpc>
-                  <a:spcPct val="114000"/>
-                </a:lnSpc>
-              </a:pPr>
-              <a:endParaRPr lang="de-DE" dirty="0"/>
-            </a:p>
-          </p:txBody>
-        </p:sp>
-      </p:grpSp>
-    </p:spTree>
-    <p:extLst>
-      <p:ext uri="{BB962C8B-B14F-4D97-AF65-F5344CB8AC3E}">
-        <p14:creationId xmlns:p14="http://schemas.microsoft.com/office/powerpoint/2010/main" val="3268633566"/>
       </p:ext>
     </p:extLst>
   </p:cSld>

--- a/Praktikum ASP – Team 15.pptx
+++ b/Praktikum ASP – Team 15.pptx
@@ -14870,7 +14870,7 @@
           <a:graphicData uri="http://schemas.openxmlformats.org/presentationml/2006/ole">
             <mc:AlternateContent xmlns:mc="http://schemas.openxmlformats.org/markup-compatibility/2006">
               <mc:Choice xmlns:v="urn:schemas-microsoft-com:vml" Requires="v">
-                <p:oleObj spid="_x0000_s1028" name="Image" r:id="rId4" imgW="2437920" imgH="2437920" progId="Photoshop.Image.18">
+                <p:oleObj spid="_x0000_s1030" name="Image" r:id="rId4" imgW="2437920" imgH="2437920" progId="Photoshop.Image.18">
                   <p:embed/>
                 </p:oleObj>
               </mc:Choice>
@@ -14933,7 +14933,7 @@
           <a:graphicData uri="http://schemas.openxmlformats.org/presentationml/2006/ole">
             <mc:AlternateContent xmlns:mc="http://schemas.openxmlformats.org/markup-compatibility/2006">
               <mc:Choice xmlns:v="urn:schemas-microsoft-com:vml" Requires="v">
-                <p:oleObj spid="_x0000_s1029" name="Image" r:id="rId6" imgW="2437920" imgH="2437920" progId="Photoshop.Image.18">
+                <p:oleObj spid="_x0000_s1031" name="Image" r:id="rId6" imgW="2437920" imgH="2437920" progId="Photoshop.Image.18">
                   <p:embed/>
                 </p:oleObj>
               </mc:Choice>
@@ -15045,7 +15045,7 @@
             </a:r>
             <a:r>
               <a:rPr lang="de-DE" i="1" dirty="0"/>
-              <a:t>() </a:t>
+              <a:t>(…) </a:t>
             </a:r>
             <a:r>
               <a:rPr lang="de-DE" dirty="0"/>
@@ -15053,7 +15053,7 @@
             </a:r>
             <a:r>
               <a:rPr lang="de-DE" i="1" dirty="0"/>
-              <a:t>Zoom()</a:t>
+              <a:t>Zoom(…)</a:t>
             </a:r>
             <a:r>
               <a:rPr lang="de-DE" dirty="0"/>

--- a/Praktikum ASP – Team 15.pptx
+++ b/Praktikum ASP – Team 15.pptx
@@ -9703,7 +9703,7 @@
         </p:nvGrpSpPr>
         <p:grpSpPr>
           <a:xfrm>
-            <a:off x="2597468" y="1838605"/>
+            <a:off x="2597468" y="1890689"/>
             <a:ext cx="3949064" cy="3949064"/>
             <a:chOff x="2531520" y="1869982"/>
             <a:chExt cx="3949064" cy="3949064"/>
@@ -12992,8 +12992,8 @@
           <a:lstStyle/>
           <a:p>
             <a:r>
-              <a:rPr lang="de-DE"/>
-              <a:t>Dr. rer. nat. Erika Mustermann (TUM) | kann beliebig erweitert werden | Infos mit Strich trennen</a:t>
+              <a:rPr lang="de-DE" dirty="0"/>
+              <a:t>Saman Miran | Robin Ostner | Maria Schulze</a:t>
             </a:r>
             <a:endParaRPr lang="en-US" dirty="0"/>
           </a:p>
@@ -14870,7 +14870,7 @@
           <a:graphicData uri="http://schemas.openxmlformats.org/presentationml/2006/ole">
             <mc:AlternateContent xmlns:mc="http://schemas.openxmlformats.org/markup-compatibility/2006">
               <mc:Choice xmlns:v="urn:schemas-microsoft-com:vml" Requires="v">
-                <p:oleObj spid="_x0000_s1030" name="Image" r:id="rId4" imgW="2437920" imgH="2437920" progId="Photoshop.Image.18">
+                <p:oleObj spid="_x0000_s1032" name="Image" r:id="rId4" imgW="2437920" imgH="2437920" progId="Photoshop.Image.18">
                   <p:embed/>
                 </p:oleObj>
               </mc:Choice>
@@ -14933,7 +14933,7 @@
           <a:graphicData uri="http://schemas.openxmlformats.org/presentationml/2006/ole">
             <mc:AlternateContent xmlns:mc="http://schemas.openxmlformats.org/markup-compatibility/2006">
               <mc:Choice xmlns:v="urn:schemas-microsoft-com:vml" Requires="v">
-                <p:oleObj spid="_x0000_s1031" name="Image" r:id="rId6" imgW="2437920" imgH="2437920" progId="Photoshop.Image.18">
+                <p:oleObj spid="_x0000_s1033" name="Image" r:id="rId6" imgW="2437920" imgH="2437920" progId="Photoshop.Image.18">
                   <p:embed/>
                 </p:oleObj>
               </mc:Choice>
